--- a/doc/Cer2016_Femke Thon & Jolien Gay_without graphs.pptx
+++ b/doc/Cer2016_Femke Thon & Jolien Gay_without graphs.pptx
@@ -5,7 +5,7 @@
     <p:sldMasterId id="2147483648" r:id="rId1"/>
   </p:sldMasterIdLst>
   <p:notesMasterIdLst>
-    <p:notesMasterId r:id="rId17"/>
+    <p:notesMasterId r:id="rId20"/>
   </p:notesMasterIdLst>
   <p:sldIdLst>
     <p:sldId id="256" r:id="rId2"/>
@@ -19,10 +19,13 @@
     <p:sldId id="277" r:id="rId10"/>
     <p:sldId id="290" r:id="rId11"/>
     <p:sldId id="273" r:id="rId12"/>
-    <p:sldId id="293" r:id="rId13"/>
-    <p:sldId id="260" r:id="rId14"/>
-    <p:sldId id="261" r:id="rId15"/>
-    <p:sldId id="265" r:id="rId16"/>
+    <p:sldId id="294" r:id="rId13"/>
+    <p:sldId id="295" r:id="rId14"/>
+    <p:sldId id="293" r:id="rId15"/>
+    <p:sldId id="297" r:id="rId16"/>
+    <p:sldId id="260" r:id="rId17"/>
+    <p:sldId id="261" r:id="rId18"/>
+    <p:sldId id="265" r:id="rId19"/>
   </p:sldIdLst>
   <p:sldSz cx="9144000" cy="6858000" type="screen4x3"/>
   <p:notesSz cx="6858000" cy="9144000"/>
@@ -121,6 +124,22 @@
       </a:defRPr>
     </a:lvl9pPr>
   </p:defaultTextStyle>
+  <p:extLst>
+    <p:ext uri="{EFAFB233-063F-42B5-8137-9DF3F51BA10A}">
+      <p15:sldGuideLst xmlns:p15="http://schemas.microsoft.com/office/powerpoint/2012/main">
+        <p15:guide id="1" orient="horz" pos="2160">
+          <p15:clr>
+            <a:srgbClr val="A4A3A4"/>
+          </p15:clr>
+        </p15:guide>
+        <p15:guide id="2" pos="2880">
+          <p15:clr>
+            <a:srgbClr val="A4A3A4"/>
+          </p15:clr>
+        </p15:guide>
+      </p15:sldGuideLst>
+    </p:ext>
+  </p:extLst>
 </p:presentation>
 </file>
 
@@ -369,13 +388,18 @@
             <a:fld id="{9BBE7A90-5B18-44E6-896F-B56F6E25EE11}" type="slidenum">
               <a:rPr lang="en-GB" smtClean="0"/>
               <a:pPr/>
-              <a:t>‹#›</a:t>
+              <a:t>‹nr.›</a:t>
             </a:fld>
             <a:endParaRPr lang="en-GB"/>
           </a:p>
         </p:txBody>
       </p:sp>
     </p:spTree>
+    <p:extLst>
+      <p:ext uri="{BB962C8B-B14F-4D97-AF65-F5344CB8AC3E}">
+        <p14:creationId xmlns:p14="http://schemas.microsoft.com/office/powerpoint/2010/main" val="3689852174"/>
+      </p:ext>
+    </p:extLst>
   </p:cSld>
   <p:clrMap bg1="lt1" tx1="dk1" bg2="lt2" tx2="dk2" accent1="accent1" accent2="accent2" accent3="accent3" accent4="accent4" accent5="accent5" accent6="accent6" hlink="hlink" folHlink="folHlink"/>
   <p:notesStyle>
@@ -548,6 +572,11 @@
         </p:txBody>
       </p:sp>
     </p:spTree>
+    <p:extLst>
+      <p:ext uri="{BB962C8B-B14F-4D97-AF65-F5344CB8AC3E}">
+        <p14:creationId xmlns:p14="http://schemas.microsoft.com/office/powerpoint/2010/main" val="2596161602"/>
+      </p:ext>
+    </p:extLst>
   </p:cSld>
   <p:clrMapOvr>
     <a:masterClrMapping/>
@@ -623,13 +652,18 @@
             <a:fld id="{9BBE7A90-5B18-44E6-896F-B56F6E25EE11}" type="slidenum">
               <a:rPr lang="en-GB" smtClean="0"/>
               <a:pPr/>
-              <a:t>15</a:t>
+              <a:t>18</a:t>
             </a:fld>
             <a:endParaRPr lang="en-GB"/>
           </a:p>
         </p:txBody>
       </p:sp>
     </p:spTree>
+    <p:extLst>
+      <p:ext uri="{BB962C8B-B14F-4D97-AF65-F5344CB8AC3E}">
+        <p14:creationId xmlns:p14="http://schemas.microsoft.com/office/powerpoint/2010/main" val="4122720026"/>
+      </p:ext>
+    </p:extLst>
   </p:cSld>
   <p:clrMapOvr>
     <a:masterClrMapping/>
@@ -712,6 +746,11 @@
         </p:txBody>
       </p:sp>
     </p:spTree>
+    <p:extLst>
+      <p:ext uri="{BB962C8B-B14F-4D97-AF65-F5344CB8AC3E}">
+        <p14:creationId xmlns:p14="http://schemas.microsoft.com/office/powerpoint/2010/main" val="958227800"/>
+      </p:ext>
+    </p:extLst>
   </p:cSld>
   <p:clrMapOvr>
     <a:masterClrMapping/>
@@ -798,6 +837,11 @@
         </p:txBody>
       </p:sp>
     </p:spTree>
+    <p:extLst>
+      <p:ext uri="{BB962C8B-B14F-4D97-AF65-F5344CB8AC3E}">
+        <p14:creationId xmlns:p14="http://schemas.microsoft.com/office/powerpoint/2010/main" val="3137112786"/>
+      </p:ext>
+    </p:extLst>
   </p:cSld>
   <p:clrMapOvr>
     <a:masterClrMapping/>
@@ -952,6 +996,11 @@
         </p:txBody>
       </p:sp>
     </p:spTree>
+    <p:extLst>
+      <p:ext uri="{BB962C8B-B14F-4D97-AF65-F5344CB8AC3E}">
+        <p14:creationId xmlns:p14="http://schemas.microsoft.com/office/powerpoint/2010/main" val="11305336"/>
+      </p:ext>
+    </p:extLst>
   </p:cSld>
   <p:clrMapOvr>
     <a:masterClrMapping/>
@@ -1090,6 +1139,11 @@
         </p:txBody>
       </p:sp>
     </p:spTree>
+    <p:extLst>
+      <p:ext uri="{BB962C8B-B14F-4D97-AF65-F5344CB8AC3E}">
+        <p14:creationId xmlns:p14="http://schemas.microsoft.com/office/powerpoint/2010/main" val="2660152302"/>
+      </p:ext>
+    </p:extLst>
   </p:cSld>
   <p:clrMapOvr>
     <a:masterClrMapping/>
@@ -1202,6 +1256,11 @@
         </p:txBody>
       </p:sp>
     </p:spTree>
+    <p:extLst>
+      <p:ext uri="{BB962C8B-B14F-4D97-AF65-F5344CB8AC3E}">
+        <p14:creationId xmlns:p14="http://schemas.microsoft.com/office/powerpoint/2010/main" val="4050237831"/>
+      </p:ext>
+    </p:extLst>
   </p:cSld>
   <p:clrMapOvr>
     <a:masterClrMapping/>
@@ -1443,6 +1502,11 @@
         </p:txBody>
       </p:sp>
     </p:spTree>
+    <p:extLst>
+      <p:ext uri="{BB962C8B-B14F-4D97-AF65-F5344CB8AC3E}">
+        <p14:creationId xmlns:p14="http://schemas.microsoft.com/office/powerpoint/2010/main" val="2545523758"/>
+      </p:ext>
+    </p:extLst>
   </p:cSld>
   <p:clrMapOvr>
     <a:masterClrMapping/>
@@ -1529,6 +1593,11 @@
         </p:txBody>
       </p:sp>
     </p:spTree>
+    <p:extLst>
+      <p:ext uri="{BB962C8B-B14F-4D97-AF65-F5344CB8AC3E}">
+        <p14:creationId xmlns:p14="http://schemas.microsoft.com/office/powerpoint/2010/main" val="3248569269"/>
+      </p:ext>
+    </p:extLst>
   </p:cSld>
   <p:clrMapOvr>
     <a:masterClrMapping/>
@@ -1626,13 +1695,18 @@
             <a:fld id="{9BBE7A90-5B18-44E6-896F-B56F6E25EE11}" type="slidenum">
               <a:rPr lang="en-GB" smtClean="0"/>
               <a:pPr/>
-              <a:t>14</a:t>
+              <a:t>17</a:t>
             </a:fld>
             <a:endParaRPr lang="en-GB"/>
           </a:p>
         </p:txBody>
       </p:sp>
     </p:spTree>
+    <p:extLst>
+      <p:ext uri="{BB962C8B-B14F-4D97-AF65-F5344CB8AC3E}">
+        <p14:creationId xmlns:p14="http://schemas.microsoft.com/office/powerpoint/2010/main" val="3544749578"/>
+      </p:ext>
+    </p:extLst>
   </p:cSld>
   <p:clrMapOvr>
     <a:masterClrMapping/>
@@ -1865,7 +1939,7 @@
             <a:fld id="{B6F15528-21DE-4FAA-801E-634DDDAF4B2B}" type="slidenum">
               <a:rPr lang="en-US" smtClean="0"/>
               <a:pPr/>
-              <a:t>‹#›</a:t>
+              <a:t>‹nr.›</a:t>
             </a:fld>
             <a:endParaRPr lang="en-US"/>
           </a:p>
@@ -2032,7 +2106,7 @@
             <a:fld id="{B6F15528-21DE-4FAA-801E-634DDDAF4B2B}" type="slidenum">
               <a:rPr lang="en-US" smtClean="0"/>
               <a:pPr/>
-              <a:t>‹#›</a:t>
+              <a:t>‹nr.›</a:t>
             </a:fld>
             <a:endParaRPr lang="en-US"/>
           </a:p>
@@ -2209,7 +2283,7 @@
             <a:fld id="{B6F15528-21DE-4FAA-801E-634DDDAF4B2B}" type="slidenum">
               <a:rPr lang="en-US" smtClean="0"/>
               <a:pPr/>
-              <a:t>‹#›</a:t>
+              <a:t>‹nr.›</a:t>
             </a:fld>
             <a:endParaRPr lang="en-US"/>
           </a:p>
@@ -2376,7 +2450,7 @@
             <a:fld id="{B6F15528-21DE-4FAA-801E-634DDDAF4B2B}" type="slidenum">
               <a:rPr lang="en-US" smtClean="0"/>
               <a:pPr/>
-              <a:t>‹#›</a:t>
+              <a:t>‹nr.›</a:t>
             </a:fld>
             <a:endParaRPr lang="en-US"/>
           </a:p>
@@ -2619,7 +2693,7 @@
             <a:fld id="{B6F15528-21DE-4FAA-801E-634DDDAF4B2B}" type="slidenum">
               <a:rPr lang="en-US" smtClean="0"/>
               <a:pPr/>
-              <a:t>‹#›</a:t>
+              <a:t>‹nr.›</a:t>
             </a:fld>
             <a:endParaRPr lang="en-US"/>
           </a:p>
@@ -2904,7 +2978,7 @@
             <a:fld id="{B6F15528-21DE-4FAA-801E-634DDDAF4B2B}" type="slidenum">
               <a:rPr lang="en-US" smtClean="0"/>
               <a:pPr/>
-              <a:t>‹#›</a:t>
+              <a:t>‹nr.›</a:t>
             </a:fld>
             <a:endParaRPr lang="en-US"/>
           </a:p>
@@ -3323,7 +3397,7 @@
             <a:fld id="{B6F15528-21DE-4FAA-801E-634DDDAF4B2B}" type="slidenum">
               <a:rPr lang="en-US" smtClean="0"/>
               <a:pPr/>
-              <a:t>‹#›</a:t>
+              <a:t>‹nr.›</a:t>
             </a:fld>
             <a:endParaRPr lang="en-US"/>
           </a:p>
@@ -3438,7 +3512,7 @@
             <a:fld id="{B6F15528-21DE-4FAA-801E-634DDDAF4B2B}" type="slidenum">
               <a:rPr lang="en-US" smtClean="0"/>
               <a:pPr/>
-              <a:t>‹#›</a:t>
+              <a:t>‹nr.›</a:t>
             </a:fld>
             <a:endParaRPr lang="en-US"/>
           </a:p>
@@ -3530,7 +3604,7 @@
             <a:fld id="{B6F15528-21DE-4FAA-801E-634DDDAF4B2B}" type="slidenum">
               <a:rPr lang="en-US" smtClean="0"/>
               <a:pPr/>
-              <a:t>‹#›</a:t>
+              <a:t>‹nr.›</a:t>
             </a:fld>
             <a:endParaRPr lang="en-US"/>
           </a:p>
@@ -3804,7 +3878,7 @@
             <a:fld id="{B6F15528-21DE-4FAA-801E-634DDDAF4B2B}" type="slidenum">
               <a:rPr lang="en-US" smtClean="0"/>
               <a:pPr/>
-              <a:t>‹#›</a:t>
+              <a:t>‹nr.›</a:t>
             </a:fld>
             <a:endParaRPr lang="en-US"/>
           </a:p>
@@ -4054,7 +4128,7 @@
             <a:fld id="{B6F15528-21DE-4FAA-801E-634DDDAF4B2B}" type="slidenum">
               <a:rPr lang="en-US" smtClean="0"/>
               <a:pPr/>
-              <a:t>‹#›</a:t>
+              <a:t>‹nr.›</a:t>
             </a:fld>
             <a:endParaRPr lang="en-US"/>
           </a:p>
@@ -4300,7 +4374,7 @@
             <a:fld id="{B6F15528-21DE-4FAA-801E-634DDDAF4B2B}" type="slidenum">
               <a:rPr lang="en-US" smtClean="0"/>
               <a:pPr/>
-              <a:t>‹#›</a:t>
+              <a:t>‹nr.›</a:t>
             </a:fld>
             <a:endParaRPr lang="en-US"/>
           </a:p>
@@ -5557,39 +5631,126 @@
             </a:r>
             <a:r>
               <a:rPr lang="en-GB" dirty="0" smtClean="0"/>
-              <a:t>:</a:t>
+              <a:t>: </a:t>
+            </a:r>
+            <a:r>
+              <a:rPr lang="en-GB" sz="3200" dirty="0" smtClean="0"/>
+              <a:t>promising differences</a:t>
             </a:r>
             <a:endParaRPr lang="en-GB" dirty="0"/>
           </a:p>
         </p:txBody>
       </p:sp>
-      <p:sp>
-        <p:nvSpPr>
-          <p:cNvPr id="3" name="Content Placeholder 2"/>
-          <p:cNvSpPr>
-            <a:spLocks noGrp="1"/>
-          </p:cNvSpPr>
+      <p:pic>
+        <p:nvPicPr>
+          <p:cNvPr id="8" name="Picture 2" descr="C:\Users\Aline\Dropbox\RUG 2015-2016\1.9 Community eclogy research\4. Poster_presentation\Figs and graphs ppt\Number of runs for Speciation Initiation Rate (SIR).png"/>
+          <p:cNvPicPr>
+            <a:picLocks noChangeAspect="1" noChangeArrowheads="1"/>
+          </p:cNvPicPr>
+          <p:nvPr/>
+        </p:nvPicPr>
+        <p:blipFill>
+          <a:blip r:embed="rId3" cstate="print"/>
+          <a:srcRect/>
+          <a:stretch>
+            <a:fillRect/>
+          </a:stretch>
+        </p:blipFill>
+        <p:spPr bwMode="auto">
+          <a:xfrm>
+            <a:off x="1904999" y="1177957"/>
+            <a:ext cx="5334000" cy="2959861"/>
+          </a:xfrm>
+          <a:prstGeom prst="rect">
+            <a:avLst/>
+          </a:prstGeom>
+          <a:noFill/>
+        </p:spPr>
+      </p:pic>
+      <p:pic>
+        <p:nvPicPr>
+          <p:cNvPr id="9" name="Picture 3" descr="C:\Users\Aline\Dropbox\RUG 2015-2016\1.9 Community eclogy research\4. Poster_presentation\Figs and graphs ppt\Differences Gammas.png"/>
+          <p:cNvPicPr>
+            <a:picLocks noGrp="1" noChangeAspect="1" noChangeArrowheads="1"/>
+          </p:cNvPicPr>
           <p:nvPr>
             <p:ph idx="1"/>
           </p:nvPr>
-        </p:nvSpPr>
-        <p:spPr/>
-        <p:txBody>
-          <a:bodyPr/>
-          <a:lstStyle/>
-          <a:p>
-            <a:pPr algn="ctr">
-              <a:buNone/>
-            </a:pPr>
-            <a:r>
-              <a:rPr lang="en-GB" dirty="0" smtClean="0"/>
-              <a:t>Several big, fancy graphs...</a:t>
-            </a:r>
-            <a:endParaRPr lang="en-GB" dirty="0"/>
+        </p:nvPicPr>
+        <p:blipFill>
+          <a:blip r:embed="rId4" cstate="print"/>
+          <a:srcRect/>
+          <a:stretch>
+            <a:fillRect/>
+          </a:stretch>
+        </p:blipFill>
+        <p:spPr bwMode="auto">
+          <a:xfrm>
+            <a:off x="1904999" y="3967715"/>
+            <a:ext cx="5334000" cy="2960615"/>
+          </a:xfrm>
+          <a:prstGeom prst="rect">
+            <a:avLst/>
+          </a:prstGeom>
+          <a:noFill/>
+        </p:spPr>
+      </p:pic>
+      <p:sp>
+        <p:nvSpPr>
+          <p:cNvPr id="3" name="Vermenigvuldigen 2">
+            <a:hlinkClick r:id="" action="ppaction://noaction" highlightClick="1"/>
+          </p:cNvPr>
+          <p:cNvSpPr/>
+          <p:nvPr/>
+        </p:nvSpPr>
+        <p:spPr>
+          <a:xfrm>
+            <a:off x="3962400" y="5611562"/>
+            <a:ext cx="838200" cy="914400"/>
+          </a:xfrm>
+          <a:prstGeom prst="mathMultiply">
+            <a:avLst/>
+          </a:prstGeom>
+          <a:solidFill>
+            <a:srgbClr val="FF0000"/>
+          </a:solidFill>
+          <a:ln>
+            <a:solidFill>
+              <a:srgbClr val="FF0000"/>
+            </a:solidFill>
+          </a:ln>
+        </p:spPr>
+        <p:style>
+          <a:lnRef idx="2">
+            <a:schemeClr val="accent1">
+              <a:shade val="50000"/>
+            </a:schemeClr>
+          </a:lnRef>
+          <a:fillRef idx="1">
+            <a:schemeClr val="accent1"/>
+          </a:fillRef>
+          <a:effectRef idx="0">
+            <a:schemeClr val="accent1"/>
+          </a:effectRef>
+          <a:fontRef idx="minor">
+            <a:schemeClr val="lt1"/>
+          </a:fontRef>
+        </p:style>
+        <p:txBody>
+          <a:bodyPr rtlCol="0" anchor="ctr"/>
+          <a:lstStyle/>
+          <a:p>
+            <a:pPr algn="ctr"/>
+            <a:endParaRPr lang="en-GB"/>
           </a:p>
         </p:txBody>
       </p:sp>
     </p:spTree>
+    <p:extLst>
+      <p:ext uri="{BB962C8B-B14F-4D97-AF65-F5344CB8AC3E}">
+        <p14:creationId xmlns:p14="http://schemas.microsoft.com/office/powerpoint/2010/main" val="618514285"/>
+      </p:ext>
+    </p:extLst>
   </p:cSld>
   <p:clrMapOvr>
     <a:masterClrMapping/>
@@ -5657,20 +5818,138 @@
           <a:p>
             <a:r>
               <a:rPr lang="en-GB" b="1" dirty="0" smtClean="0"/>
-              <a:t>Discussion &amp; Conclusions</a:t>
-            </a:r>
-            <a:endParaRPr lang="en-GB" b="1" dirty="0"/>
-          </a:p>
-        </p:txBody>
-      </p:sp>
-      <p:sp>
-        <p:nvSpPr>
-          <p:cNvPr id="3" name="Content Placeholder 2"/>
-          <p:cNvSpPr>
-            <a:spLocks noGrp="1"/>
-          </p:cNvSpPr>
+              <a:t>Results</a:t>
+            </a:r>
+            <a:r>
+              <a:rPr lang="en-GB" dirty="0" smtClean="0"/>
+              <a:t>: </a:t>
+            </a:r>
+            <a:r>
+              <a:rPr lang="en-GB" sz="3200" dirty="0" smtClean="0"/>
+              <a:t>promising differences</a:t>
+            </a:r>
+            <a:endParaRPr lang="en-GB" dirty="0"/>
+          </a:p>
+        </p:txBody>
+      </p:sp>
+      <p:pic>
+        <p:nvPicPr>
+          <p:cNvPr id="8" name="Picture 2" descr="C:\Users\Aline\Dropbox\RUG 2015-2016\1.9 Community eclogy research\4. Poster_presentation\Figs and graphs ppt\Sampled Trees Gamma Statistics.png"/>
+          <p:cNvPicPr>
+            <a:picLocks noGrp="1" noChangeAspect="1" noChangeArrowheads="1"/>
+          </p:cNvPicPr>
           <p:nvPr>
             <p:ph idx="1"/>
+          </p:nvPr>
+        </p:nvPicPr>
+        <p:blipFill>
+          <a:blip r:embed="rId3" cstate="print"/>
+          <a:srcRect/>
+          <a:stretch>
+            <a:fillRect/>
+          </a:stretch>
+        </p:blipFill>
+        <p:spPr bwMode="auto">
+          <a:xfrm>
+            <a:off x="1905000" y="1163664"/>
+            <a:ext cx="5079579" cy="2819400"/>
+          </a:xfrm>
+          <a:prstGeom prst="rect">
+            <a:avLst/>
+          </a:prstGeom>
+          <a:noFill/>
+        </p:spPr>
+      </p:pic>
+      <p:pic>
+        <p:nvPicPr>
+          <p:cNvPr id="9" name="Picture 3" descr="C:\Users\Aline\Dropbox\RUG 2015-2016\1.9 Community eclogy research\4. Poster_presentation\Figs and graphs ppt\Posterior Trees Gamma Statistics.png"/>
+          <p:cNvPicPr>
+            <a:picLocks noChangeAspect="1" noChangeArrowheads="1"/>
+          </p:cNvPicPr>
+          <p:nvPr/>
+        </p:nvPicPr>
+        <p:blipFill>
+          <a:blip r:embed="rId4" cstate="print"/>
+          <a:srcRect/>
+          <a:stretch>
+            <a:fillRect/>
+          </a:stretch>
+        </p:blipFill>
+        <p:spPr bwMode="auto">
+          <a:xfrm>
+            <a:off x="1905000" y="3940444"/>
+            <a:ext cx="5079579" cy="2818682"/>
+          </a:xfrm>
+          <a:prstGeom prst="rect">
+            <a:avLst/>
+          </a:prstGeom>
+          <a:noFill/>
+        </p:spPr>
+      </p:pic>
+    </p:spTree>
+    <p:extLst>
+      <p:ext uri="{BB962C8B-B14F-4D97-AF65-F5344CB8AC3E}">
+        <p14:creationId xmlns:p14="http://schemas.microsoft.com/office/powerpoint/2010/main" val="4197515640"/>
+      </p:ext>
+    </p:extLst>
+  </p:cSld>
+  <p:clrMapOvr>
+    <a:masterClrMapping/>
+  </p:clrMapOvr>
+</p:sld>
+</file>
+
+<file path=ppt/slides/slide14.xml><?xml version="1.0" encoding="utf-8"?>
+<p:sld xmlns:a="http://schemas.openxmlformats.org/drawingml/2006/main" xmlns:r="http://schemas.openxmlformats.org/officeDocument/2006/relationships" xmlns:p="http://schemas.openxmlformats.org/presentationml/2006/main">
+  <p:cSld>
+    <p:spTree>
+      <p:nvGrpSpPr>
+        <p:cNvPr id="1" name=""/>
+        <p:cNvGrpSpPr/>
+        <p:nvPr/>
+      </p:nvGrpSpPr>
+      <p:grpSpPr>
+        <a:xfrm>
+          <a:off x="0" y="0"/>
+          <a:ext cx="0" cy="0"/>
+          <a:chOff x="0" y="0"/>
+          <a:chExt cx="0" cy="0"/>
+        </a:xfrm>
+      </p:grpSpPr>
+      <p:pic>
+        <p:nvPicPr>
+          <p:cNvPr id="4" name="Picture 2" descr="C:\Users\Aline\Downloads\background_40393663_468_2.jpg"/>
+          <p:cNvPicPr>
+            <a:picLocks noChangeAspect="1" noChangeArrowheads="1"/>
+          </p:cNvPicPr>
+          <p:nvPr/>
+        </p:nvPicPr>
+        <p:blipFill>
+          <a:blip r:embed="rId2" cstate="print"/>
+          <a:srcRect/>
+          <a:stretch>
+            <a:fillRect/>
+          </a:stretch>
+        </p:blipFill>
+        <p:spPr bwMode="auto">
+          <a:xfrm>
+            <a:off x="-13063" y="0"/>
+            <a:ext cx="9170126" cy="6858000"/>
+          </a:xfrm>
+          <a:prstGeom prst="rect">
+            <a:avLst/>
+          </a:prstGeom>
+          <a:noFill/>
+        </p:spPr>
+      </p:pic>
+      <p:sp>
+        <p:nvSpPr>
+          <p:cNvPr id="2" name="Title 1"/>
+          <p:cNvSpPr>
+            <a:spLocks noGrp="1"/>
+          </p:cNvSpPr>
+          <p:nvPr>
+            <p:ph type="title"/>
           </p:nvPr>
         </p:nvSpPr>
         <p:spPr/>
@@ -5680,13 +5959,454 @@
           </a:bodyPr>
           <a:lstStyle/>
           <a:p>
+            <a:r>
+              <a:rPr lang="en-GB" b="1" dirty="0" smtClean="0"/>
+              <a:t>Results</a:t>
+            </a:r>
+            <a:r>
+              <a:rPr lang="en-GB" dirty="0" smtClean="0"/>
+              <a:t>: </a:t>
+            </a:r>
+            <a:r>
+              <a:rPr lang="en-GB" sz="3200" dirty="0" smtClean="0"/>
+              <a:t>Comparing BD and PBD</a:t>
+            </a:r>
+            <a:endParaRPr lang="en-GB" dirty="0"/>
+          </a:p>
+        </p:txBody>
+      </p:sp>
+      <p:sp>
+        <p:nvSpPr>
+          <p:cNvPr id="6" name="Tijdelijke aanduiding voor inhoud 5"/>
+          <p:cNvSpPr>
+            <a:spLocks noGrp="1"/>
+          </p:cNvSpPr>
+          <p:nvPr>
+            <p:ph idx="1"/>
+          </p:nvPr>
+        </p:nvSpPr>
+        <p:spPr/>
+        <p:txBody>
+          <a:bodyPr/>
+          <a:lstStyle/>
+          <a:p>
+            <a:endParaRPr lang="en-GB"/>
+          </a:p>
+        </p:txBody>
+      </p:sp>
+      <p:pic>
+        <p:nvPicPr>
+          <p:cNvPr id="7" name="Afbeelding 6"/>
+          <p:cNvPicPr>
+            <a:picLocks noChangeAspect="1"/>
+          </p:cNvPicPr>
+          <p:nvPr/>
+        </p:nvPicPr>
+        <p:blipFill>
+          <a:blip r:embed="rId3"/>
+          <a:stretch>
+            <a:fillRect/>
+          </a:stretch>
+        </p:blipFill>
+        <p:spPr>
+          <a:xfrm>
+            <a:off x="457200" y="2280444"/>
+            <a:ext cx="8282990" cy="3165474"/>
+          </a:xfrm>
+          <a:prstGeom prst="rect">
+            <a:avLst/>
+          </a:prstGeom>
+        </p:spPr>
+      </p:pic>
+    </p:spTree>
+  </p:cSld>
+  <p:clrMapOvr>
+    <a:masterClrMapping/>
+  </p:clrMapOvr>
+</p:sld>
+</file>
+
+<file path=ppt/slides/slide15.xml><?xml version="1.0" encoding="utf-8"?>
+<p:sld xmlns:a="http://schemas.openxmlformats.org/drawingml/2006/main" xmlns:r="http://schemas.openxmlformats.org/officeDocument/2006/relationships" xmlns:p="http://schemas.openxmlformats.org/presentationml/2006/main">
+  <p:cSld>
+    <p:spTree>
+      <p:nvGrpSpPr>
+        <p:cNvPr id="1" name=""/>
+        <p:cNvGrpSpPr/>
+        <p:nvPr/>
+      </p:nvGrpSpPr>
+      <p:grpSpPr>
+        <a:xfrm>
+          <a:off x="0" y="0"/>
+          <a:ext cx="0" cy="0"/>
+          <a:chOff x="0" y="0"/>
+          <a:chExt cx="0" cy="0"/>
+        </a:xfrm>
+      </p:grpSpPr>
+      <p:pic>
+        <p:nvPicPr>
+          <p:cNvPr id="4" name="Picture 2" descr="C:\Users\Aline\Downloads\background_40393663_468_2.jpg"/>
+          <p:cNvPicPr>
+            <a:picLocks noChangeAspect="1" noChangeArrowheads="1"/>
+          </p:cNvPicPr>
+          <p:nvPr/>
+        </p:nvPicPr>
+        <p:blipFill>
+          <a:blip r:embed="rId2" cstate="print"/>
+          <a:srcRect/>
+          <a:stretch>
+            <a:fillRect/>
+          </a:stretch>
+        </p:blipFill>
+        <p:spPr bwMode="auto">
+          <a:xfrm>
+            <a:off x="-13063" y="0"/>
+            <a:ext cx="9170126" cy="6858000"/>
+          </a:xfrm>
+          <a:prstGeom prst="rect">
+            <a:avLst/>
+          </a:prstGeom>
+          <a:noFill/>
+        </p:spPr>
+      </p:pic>
+      <p:sp>
+        <p:nvSpPr>
+          <p:cNvPr id="6" name="Tijdelijke aanduiding voor inhoud 5"/>
+          <p:cNvSpPr>
+            <a:spLocks noGrp="1"/>
+          </p:cNvSpPr>
+          <p:nvPr>
+            <p:ph idx="1"/>
+          </p:nvPr>
+        </p:nvSpPr>
+        <p:spPr/>
+        <p:txBody>
+          <a:bodyPr/>
+          <a:lstStyle/>
+          <a:p>
+            <a:endParaRPr lang="en-GB"/>
+          </a:p>
+        </p:txBody>
+      </p:sp>
+      <p:sp>
+        <p:nvSpPr>
+          <p:cNvPr id="3" name="Titel 2"/>
+          <p:cNvSpPr>
+            <a:spLocks noGrp="1"/>
+          </p:cNvSpPr>
+          <p:nvPr>
+            <p:ph type="title"/>
+          </p:nvPr>
+        </p:nvSpPr>
+        <p:spPr/>
+        <p:txBody>
+          <a:bodyPr/>
+          <a:lstStyle/>
+          <a:p>
+            <a:endParaRPr lang="en-GB"/>
+          </a:p>
+        </p:txBody>
+      </p:sp>
+      <p:pic>
+        <p:nvPicPr>
+          <p:cNvPr id="8" name="Picture 2" descr="C:\Users\Aline\Downloads\background_40393663_468_2.jpg"/>
+          <p:cNvPicPr>
+            <a:picLocks noChangeAspect="1" noChangeArrowheads="1"/>
+          </p:cNvPicPr>
+          <p:nvPr/>
+        </p:nvPicPr>
+        <p:blipFill>
+          <a:blip r:embed="rId2" cstate="print"/>
+          <a:srcRect/>
+          <a:stretch>
+            <a:fillRect/>
+          </a:stretch>
+        </p:blipFill>
+        <p:spPr bwMode="auto">
+          <a:xfrm>
+            <a:off x="-13063" y="0"/>
+            <a:ext cx="9170126" cy="6858000"/>
+          </a:xfrm>
+          <a:prstGeom prst="rect">
+            <a:avLst/>
+          </a:prstGeom>
+          <a:noFill/>
+        </p:spPr>
+      </p:pic>
+      <p:sp>
+        <p:nvSpPr>
+          <p:cNvPr id="9" name="Title 1"/>
+          <p:cNvSpPr txBox="1">
+            <a:spLocks/>
+          </p:cNvSpPr>
+          <p:nvPr/>
+        </p:nvSpPr>
+        <p:spPr>
+          <a:xfrm>
+            <a:off x="457200" y="274638"/>
+            <a:ext cx="8229600" cy="1143000"/>
+          </a:xfrm>
+          <a:prstGeom prst="rect">
+            <a:avLst/>
+          </a:prstGeom>
+        </p:spPr>
+        <p:txBody>
+          <a:bodyPr vert="horz" lIns="91440" tIns="45720" rIns="91440" bIns="45720" rtlCol="0" anchor="ctr">
+            <a:normAutofit/>
+          </a:bodyPr>
+          <a:lstStyle>
+            <a:lvl1pPr algn="ctr" defTabSz="914400" rtl="0" eaLnBrk="1" latinLnBrk="0" hangingPunct="1">
+              <a:spcBef>
+                <a:spcPct val="0"/>
+              </a:spcBef>
+              <a:buNone/>
+              <a:defRPr sz="4400" kern="1200">
+                <a:solidFill>
+                  <a:schemeClr val="tx1"/>
+                </a:solidFill>
+                <a:latin typeface="+mj-lt"/>
+                <a:ea typeface="+mj-ea"/>
+                <a:cs typeface="+mj-cs"/>
+              </a:defRPr>
+            </a:lvl1pPr>
+          </a:lstStyle>
+          <a:p>
+            <a:r>
+              <a:rPr lang="en-GB" b="1" dirty="0" smtClean="0"/>
+              <a:t>Results: </a:t>
+            </a:r>
+            <a:r>
+              <a:rPr lang="en-GB" sz="3200" dirty="0" smtClean="0"/>
+              <a:t>Mutation Rate</a:t>
+            </a:r>
+            <a:endParaRPr lang="en-GB" sz="4800" dirty="0"/>
+          </a:p>
+        </p:txBody>
+      </p:sp>
+      <p:pic>
+        <p:nvPicPr>
+          <p:cNvPr id="10" name="Picture 2" descr="C:\Users\Aline\Dropbox\RUG 2015-2016\1.9 Community eclogy research\4. Poster_presentation\Figs and graphs ppt\Mutation rate big diff.png"/>
+          <p:cNvPicPr>
+            <a:picLocks noChangeAspect="1" noChangeArrowheads="1"/>
+          </p:cNvPicPr>
+          <p:nvPr/>
+        </p:nvPicPr>
+        <p:blipFill>
+          <a:blip r:embed="rId3" cstate="print"/>
+          <a:srcRect/>
+          <a:stretch>
+            <a:fillRect/>
+          </a:stretch>
+        </p:blipFill>
+        <p:spPr bwMode="auto">
+          <a:xfrm>
+            <a:off x="2362200" y="1219200"/>
+            <a:ext cx="4381504" cy="2431316"/>
+          </a:xfrm>
+          <a:prstGeom prst="rect">
+            <a:avLst/>
+          </a:prstGeom>
+          <a:noFill/>
+        </p:spPr>
+      </p:pic>
+      <p:pic>
+        <p:nvPicPr>
+          <p:cNvPr id="11" name="Picture 3" descr="C:\Users\Aline\Dropbox\RUG 2015-2016\1.9 Community eclogy research\4. Poster_presentation\Figs and graphs ppt\mutation rate small diff.png"/>
+          <p:cNvPicPr>
+            <a:picLocks noChangeAspect="1" noChangeArrowheads="1"/>
+          </p:cNvPicPr>
+          <p:nvPr/>
+        </p:nvPicPr>
+        <p:blipFill>
+          <a:blip r:embed="rId4" cstate="print"/>
+          <a:srcRect/>
+          <a:stretch>
+            <a:fillRect/>
+          </a:stretch>
+        </p:blipFill>
+        <p:spPr bwMode="auto">
+          <a:xfrm>
+            <a:off x="2362200" y="3886200"/>
+            <a:ext cx="4419600" cy="2452456"/>
+          </a:xfrm>
+          <a:prstGeom prst="rect">
+            <a:avLst/>
+          </a:prstGeom>
+          <a:noFill/>
+        </p:spPr>
+      </p:pic>
+      <p:sp>
+        <p:nvSpPr>
+          <p:cNvPr id="12" name="TextBox 5"/>
+          <p:cNvSpPr txBox="1"/>
+          <p:nvPr/>
+        </p:nvSpPr>
+        <p:spPr>
+          <a:xfrm>
+            <a:off x="990600" y="1981200"/>
+            <a:ext cx="1371600" cy="646331"/>
+          </a:xfrm>
+          <a:prstGeom prst="rect">
+            <a:avLst/>
+          </a:prstGeom>
+          <a:noFill/>
+        </p:spPr>
+        <p:txBody>
+          <a:bodyPr wrap="square" rtlCol="0">
+            <a:spAutoFit/>
+          </a:bodyPr>
+          <a:lstStyle/>
+          <a:p>
+            <a:r>
+              <a:rPr lang="nl-NL" dirty="0" smtClean="0"/>
+              <a:t>Big difference</a:t>
+            </a:r>
+            <a:endParaRPr lang="en-GB" dirty="0"/>
+          </a:p>
+        </p:txBody>
+      </p:sp>
+      <p:sp>
+        <p:nvSpPr>
+          <p:cNvPr id="13" name="TextBox 6"/>
+          <p:cNvSpPr txBox="1"/>
+          <p:nvPr/>
+        </p:nvSpPr>
+        <p:spPr>
+          <a:xfrm>
+            <a:off x="990600" y="4648200"/>
+            <a:ext cx="1371600" cy="646331"/>
+          </a:xfrm>
+          <a:prstGeom prst="rect">
+            <a:avLst/>
+          </a:prstGeom>
+          <a:noFill/>
+        </p:spPr>
+        <p:txBody>
+          <a:bodyPr wrap="square" rtlCol="0">
+            <a:spAutoFit/>
+          </a:bodyPr>
+          <a:lstStyle/>
+          <a:p>
+            <a:r>
+              <a:rPr lang="nl-NL" dirty="0" smtClean="0"/>
+              <a:t>Small difference</a:t>
+            </a:r>
+            <a:endParaRPr lang="en-GB" dirty="0"/>
+          </a:p>
+        </p:txBody>
+      </p:sp>
+    </p:spTree>
+    <p:extLst>
+      <p:ext uri="{BB962C8B-B14F-4D97-AF65-F5344CB8AC3E}">
+        <p14:creationId xmlns:p14="http://schemas.microsoft.com/office/powerpoint/2010/main" val="3582128535"/>
+      </p:ext>
+    </p:extLst>
+  </p:cSld>
+  <p:clrMapOvr>
+    <a:masterClrMapping/>
+  </p:clrMapOvr>
+</p:sld>
+</file>
+
+<file path=ppt/slides/slide16.xml><?xml version="1.0" encoding="utf-8"?>
+<p:sld xmlns:a="http://schemas.openxmlformats.org/drawingml/2006/main" xmlns:r="http://schemas.openxmlformats.org/officeDocument/2006/relationships" xmlns:p="http://schemas.openxmlformats.org/presentationml/2006/main">
+  <p:cSld>
+    <p:spTree>
+      <p:nvGrpSpPr>
+        <p:cNvPr id="1" name=""/>
+        <p:cNvGrpSpPr/>
+        <p:nvPr/>
+      </p:nvGrpSpPr>
+      <p:grpSpPr>
+        <a:xfrm>
+          <a:off x="0" y="0"/>
+          <a:ext cx="0" cy="0"/>
+          <a:chOff x="0" y="0"/>
+          <a:chExt cx="0" cy="0"/>
+        </a:xfrm>
+      </p:grpSpPr>
+      <p:pic>
+        <p:nvPicPr>
+          <p:cNvPr id="4" name="Picture 2" descr="C:\Users\Aline\Downloads\background_40393663_468_2.jpg"/>
+          <p:cNvPicPr>
+            <a:picLocks noChangeAspect="1" noChangeArrowheads="1"/>
+          </p:cNvPicPr>
+          <p:nvPr/>
+        </p:nvPicPr>
+        <p:blipFill>
+          <a:blip r:embed="rId2" cstate="print"/>
+          <a:srcRect/>
+          <a:stretch>
+            <a:fillRect/>
+          </a:stretch>
+        </p:blipFill>
+        <p:spPr bwMode="auto">
+          <a:xfrm>
+            <a:off x="-13063" y="0"/>
+            <a:ext cx="9170126" cy="6858000"/>
+          </a:xfrm>
+          <a:prstGeom prst="rect">
+            <a:avLst/>
+          </a:prstGeom>
+          <a:noFill/>
+        </p:spPr>
+      </p:pic>
+      <p:sp>
+        <p:nvSpPr>
+          <p:cNvPr id="2" name="Title 1"/>
+          <p:cNvSpPr>
+            <a:spLocks noGrp="1"/>
+          </p:cNvSpPr>
+          <p:nvPr>
+            <p:ph type="title"/>
+          </p:nvPr>
+        </p:nvSpPr>
+        <p:spPr/>
+        <p:txBody>
+          <a:bodyPr/>
+          <a:lstStyle/>
+          <a:p>
+            <a:r>
+              <a:rPr lang="en-GB" b="1" dirty="0" smtClean="0"/>
+              <a:t>Discussion &amp; Conclusions</a:t>
+            </a:r>
+            <a:endParaRPr lang="en-GB" b="1" dirty="0"/>
+          </a:p>
+        </p:txBody>
+      </p:sp>
+      <p:sp>
+        <p:nvSpPr>
+          <p:cNvPr id="3" name="Content Placeholder 2"/>
+          <p:cNvSpPr>
+            <a:spLocks noGrp="1"/>
+          </p:cNvSpPr>
+          <p:nvPr>
+            <p:ph idx="1"/>
+          </p:nvPr>
+        </p:nvSpPr>
+        <p:spPr/>
+        <p:txBody>
+          <a:bodyPr>
+            <a:normAutofit/>
+          </a:bodyPr>
+          <a:lstStyle/>
+          <a:p>
             <a:pPr>
               <a:buNone/>
             </a:pPr>
             <a:r>
               <a:rPr lang="en-GB" sz="2800" dirty="0" smtClean="0"/>
-              <a:t>Error gamma statistics: substantial</a:t>
-            </a:r>
+              <a:t>Error gamma statistics: </a:t>
+            </a:r>
+            <a:r>
+              <a:rPr lang="en-GB" sz="2800" dirty="0" smtClean="0"/>
+              <a:t>not </a:t>
+            </a:r>
+            <a:r>
+              <a:rPr lang="en-GB" sz="2800" smtClean="0"/>
+              <a:t>substantial.</a:t>
+            </a:r>
+            <a:endParaRPr lang="en-GB" sz="2800" dirty="0" smtClean="0"/>
           </a:p>
           <a:p>
             <a:pPr lvl="1">
@@ -5715,7 +6435,7 @@
 </p:sld>
 </file>
 
-<file path=ppt/slides/slide14.xml><?xml version="1.0" encoding="utf-8"?>
+<file path=ppt/slides/slide17.xml><?xml version="1.0" encoding="utf-8"?>
 <p:sld xmlns:a="http://schemas.openxmlformats.org/drawingml/2006/main" xmlns:r="http://schemas.openxmlformats.org/officeDocument/2006/relationships" xmlns:p="http://schemas.openxmlformats.org/presentationml/2006/main">
   <p:cSld>
     <p:spTree>
@@ -5845,7 +6565,7 @@
 </p:sld>
 </file>
 
-<file path=ppt/slides/slide15.xml><?xml version="1.0" encoding="utf-8"?>
+<file path=ppt/slides/slide18.xml><?xml version="1.0" encoding="utf-8"?>
 <p:sld xmlns:a="http://schemas.openxmlformats.org/drawingml/2006/main" xmlns:r="http://schemas.openxmlformats.org/officeDocument/2006/relationships" xmlns:p="http://schemas.openxmlformats.org/presentationml/2006/main">
   <p:cSld>
     <p:spTree>

--- a/doc/Cer2016_Femke Thon & Jolien Gay_without graphs.pptx
+++ b/doc/Cer2016_Femke Thon & Jolien Gay_without graphs.pptx
@@ -5,7 +5,7 @@
     <p:sldMasterId id="2147483648" r:id="rId1"/>
   </p:sldMasterIdLst>
   <p:notesMasterIdLst>
-    <p:notesMasterId r:id="rId20"/>
+    <p:notesMasterId r:id="rId19"/>
   </p:notesMasterIdLst>
   <p:sldIdLst>
     <p:sldId id="256" r:id="rId2"/>
@@ -15,17 +15,16 @@
     <p:sldId id="276" r:id="rId6"/>
     <p:sldId id="266" r:id="rId7"/>
     <p:sldId id="291" r:id="rId8"/>
-    <p:sldId id="292" r:id="rId9"/>
-    <p:sldId id="277" r:id="rId10"/>
-    <p:sldId id="290" r:id="rId11"/>
-    <p:sldId id="273" r:id="rId12"/>
-    <p:sldId id="294" r:id="rId13"/>
-    <p:sldId id="295" r:id="rId14"/>
-    <p:sldId id="293" r:id="rId15"/>
-    <p:sldId id="297" r:id="rId16"/>
-    <p:sldId id="260" r:id="rId17"/>
-    <p:sldId id="261" r:id="rId18"/>
-    <p:sldId id="265" r:id="rId19"/>
+    <p:sldId id="277" r:id="rId9"/>
+    <p:sldId id="290" r:id="rId10"/>
+    <p:sldId id="273" r:id="rId11"/>
+    <p:sldId id="294" r:id="rId12"/>
+    <p:sldId id="295" r:id="rId13"/>
+    <p:sldId id="293" r:id="rId14"/>
+    <p:sldId id="297" r:id="rId15"/>
+    <p:sldId id="260" r:id="rId16"/>
+    <p:sldId id="261" r:id="rId17"/>
+    <p:sldId id="265" r:id="rId18"/>
   </p:sldIdLst>
   <p:sldSz cx="9144000" cy="6858000" type="screen4x3"/>
   <p:notesSz cx="6858000" cy="9144000"/>
@@ -126,7 +125,7 @@
   </p:defaultTextStyle>
   <p:extLst>
     <p:ext uri="{EFAFB233-063F-42B5-8137-9DF3F51BA10A}">
-      <p15:sldGuideLst xmlns:p15="http://schemas.microsoft.com/office/powerpoint/2012/main">
+      <p15:sldGuideLst xmlns="" xmlns:p15="http://schemas.microsoft.com/office/powerpoint/2012/main">
         <p15:guide id="1" orient="horz" pos="2160">
           <p15:clr>
             <a:srgbClr val="A4A3A4"/>
@@ -388,7 +387,7 @@
             <a:fld id="{9BBE7A90-5B18-44E6-896F-B56F6E25EE11}" type="slidenum">
               <a:rPr lang="en-GB" smtClean="0"/>
               <a:pPr/>
-              <a:t>‹nr.›</a:t>
+              <a:t>‹#›</a:t>
             </a:fld>
             <a:endParaRPr lang="en-GB"/>
           </a:p>
@@ -397,7 +396,7 @@
     </p:spTree>
     <p:extLst>
       <p:ext uri="{BB962C8B-B14F-4D97-AF65-F5344CB8AC3E}">
-        <p14:creationId xmlns:p14="http://schemas.microsoft.com/office/powerpoint/2010/main" val="3689852174"/>
+        <p14:creationId xmlns="" xmlns:p14="http://schemas.microsoft.com/office/powerpoint/2010/main" val="3689852174"/>
       </p:ext>
     </p:extLst>
   </p:cSld>
@@ -574,7 +573,7 @@
     </p:spTree>
     <p:extLst>
       <p:ext uri="{BB962C8B-B14F-4D97-AF65-F5344CB8AC3E}">
-        <p14:creationId xmlns:p14="http://schemas.microsoft.com/office/powerpoint/2010/main" val="2596161602"/>
+        <p14:creationId xmlns="" xmlns:p14="http://schemas.microsoft.com/office/powerpoint/2010/main" val="2596161602"/>
       </p:ext>
     </p:extLst>
   </p:cSld>
@@ -652,7 +651,7 @@
             <a:fld id="{9BBE7A90-5B18-44E6-896F-B56F6E25EE11}" type="slidenum">
               <a:rPr lang="en-GB" smtClean="0"/>
               <a:pPr/>
-              <a:t>18</a:t>
+              <a:t>17</a:t>
             </a:fld>
             <a:endParaRPr lang="en-GB"/>
           </a:p>
@@ -661,7 +660,7 @@
     </p:spTree>
     <p:extLst>
       <p:ext uri="{BB962C8B-B14F-4D97-AF65-F5344CB8AC3E}">
-        <p14:creationId xmlns:p14="http://schemas.microsoft.com/office/powerpoint/2010/main" val="4122720026"/>
+        <p14:creationId xmlns="" xmlns:p14="http://schemas.microsoft.com/office/powerpoint/2010/main" val="4122720026"/>
       </p:ext>
     </p:extLst>
   </p:cSld>
@@ -748,7 +747,7 @@
     </p:spTree>
     <p:extLst>
       <p:ext uri="{BB962C8B-B14F-4D97-AF65-F5344CB8AC3E}">
-        <p14:creationId xmlns:p14="http://schemas.microsoft.com/office/powerpoint/2010/main" val="958227800"/>
+        <p14:creationId xmlns="" xmlns:p14="http://schemas.microsoft.com/office/powerpoint/2010/main" val="958227800"/>
       </p:ext>
     </p:extLst>
   </p:cSld>
@@ -839,7 +838,7 @@
     </p:spTree>
     <p:extLst>
       <p:ext uri="{BB962C8B-B14F-4D97-AF65-F5344CB8AC3E}">
-        <p14:creationId xmlns:p14="http://schemas.microsoft.com/office/powerpoint/2010/main" val="3137112786"/>
+        <p14:creationId xmlns="" xmlns:p14="http://schemas.microsoft.com/office/powerpoint/2010/main" val="3137112786"/>
       </p:ext>
     </p:extLst>
   </p:cSld>
@@ -998,7 +997,7 @@
     </p:spTree>
     <p:extLst>
       <p:ext uri="{BB962C8B-B14F-4D97-AF65-F5344CB8AC3E}">
-        <p14:creationId xmlns:p14="http://schemas.microsoft.com/office/powerpoint/2010/main" val="11305336"/>
+        <p14:creationId xmlns="" xmlns:p14="http://schemas.microsoft.com/office/powerpoint/2010/main" val="11305336"/>
       </p:ext>
     </p:extLst>
   </p:cSld>
@@ -1054,62 +1053,6 @@
           </a:bodyPr>
           <a:lstStyle/>
           <a:p>
-            <a:r>
-              <a:rPr lang="en-GB" dirty="0" smtClean="0"/>
-              <a:t>Example</a:t>
-            </a:r>
-            <a:r>
-              <a:rPr lang="en-GB" baseline="0" dirty="0" smtClean="0"/>
-              <a:t> parameter file</a:t>
-            </a:r>
-          </a:p>
-          <a:p>
-            <a:pPr marL="0" marR="0" indent="0" algn="l" defTabSz="914400" rtl="0" eaLnBrk="1" fontAlgn="auto" latinLnBrk="0" hangingPunct="1">
-              <a:lnSpc>
-                <a:spcPct val="100000"/>
-              </a:lnSpc>
-              <a:spcBef>
-                <a:spcPts val="0"/>
-              </a:spcBef>
-              <a:spcAft>
-                <a:spcPts val="0"/>
-              </a:spcAft>
-              <a:buClrTx/>
-              <a:buSzTx/>
-              <a:buFontTx/>
-              <a:buNone/>
-              <a:tabLst/>
-              <a:defRPr/>
-            </a:pPr>
-            <a:r>
-              <a:rPr lang="en-GB" baseline="0" dirty="0" smtClean="0"/>
-              <a:t>   - In our research: Around 1000 parameter files</a:t>
-            </a:r>
-          </a:p>
-          <a:p>
-            <a:pPr marL="0" marR="0" indent="0" algn="l" defTabSz="914400" rtl="0" eaLnBrk="1" fontAlgn="auto" latinLnBrk="0" hangingPunct="1">
-              <a:lnSpc>
-                <a:spcPct val="100000"/>
-              </a:lnSpc>
-              <a:spcBef>
-                <a:spcPts val="0"/>
-              </a:spcBef>
-              <a:spcAft>
-                <a:spcPts val="0"/>
-              </a:spcAft>
-              <a:buClrTx/>
-              <a:buSzTx/>
-              <a:buFontTx/>
-              <a:buNone/>
-              <a:tabLst/>
-              <a:defRPr/>
-            </a:pPr>
-            <a:r>
-              <a:rPr lang="en-GB" baseline="0" dirty="0" smtClean="0"/>
-              <a:t>   - Age represents total length of tree (we used 5 and 15 MY to illustrate the difference)</a:t>
-            </a:r>
-          </a:p>
-          <a:p>
             <a:endParaRPr lang="en-GB" dirty="0"/>
           </a:p>
         </p:txBody>
@@ -1132,18 +1075,13 @@
             <a:fld id="{9BBE7A90-5B18-44E6-896F-B56F6E25EE11}" type="slidenum">
               <a:rPr lang="en-GB" smtClean="0"/>
               <a:pPr/>
-              <a:t>7</a:t>
+              <a:t>6</a:t>
             </a:fld>
             <a:endParaRPr lang="en-GB"/>
           </a:p>
         </p:txBody>
       </p:sp>
     </p:spTree>
-    <p:extLst>
-      <p:ext uri="{BB962C8B-B14F-4D97-AF65-F5344CB8AC3E}">
-        <p14:creationId xmlns:p14="http://schemas.microsoft.com/office/powerpoint/2010/main" val="2660152302"/>
-      </p:ext>
-    </p:extLst>
   </p:cSld>
   <p:clrMapOvr>
     <a:masterClrMapping/>
@@ -1226,8 +1164,34 @@
             </a:pPr>
             <a:r>
               <a:rPr lang="en-GB" baseline="0" dirty="0" smtClean="0"/>
-              <a:t>   - Speciation completion rate </a:t>
-            </a:r>
+              <a:t>   - In our research: Around 1000 parameter files</a:t>
+            </a:r>
+          </a:p>
+          <a:p>
+            <a:pPr marL="0" marR="0" indent="0" algn="l" defTabSz="914400" rtl="0" eaLnBrk="1" fontAlgn="auto" latinLnBrk="0" hangingPunct="1">
+              <a:lnSpc>
+                <a:spcPct val="100000"/>
+              </a:lnSpc>
+              <a:spcBef>
+                <a:spcPts val="0"/>
+              </a:spcBef>
+              <a:spcAft>
+                <a:spcPts val="0"/>
+              </a:spcAft>
+              <a:buClrTx/>
+              <a:buSzTx/>
+              <a:buFontTx/>
+              <a:buNone/>
+              <a:tabLst/>
+              <a:defRPr/>
+            </a:pPr>
+            <a:r>
+              <a:rPr lang="en-GB" baseline="0" dirty="0" smtClean="0"/>
+              <a:t>   - Age represents total length of tree (we used 5 and 15 MY to illustrate the difference)</a:t>
+            </a:r>
+          </a:p>
+          <a:p>
+            <a:endParaRPr lang="en-GB" dirty="0"/>
           </a:p>
         </p:txBody>
       </p:sp>
@@ -1249,7 +1213,7 @@
             <a:fld id="{9BBE7A90-5B18-44E6-896F-B56F6E25EE11}" type="slidenum">
               <a:rPr lang="en-GB" smtClean="0"/>
               <a:pPr/>
-              <a:t>8</a:t>
+              <a:t>7</a:t>
             </a:fld>
             <a:endParaRPr lang="en-GB"/>
           </a:p>
@@ -1258,7 +1222,7 @@
     </p:spTree>
     <p:extLst>
       <p:ext uri="{BB962C8B-B14F-4D97-AF65-F5344CB8AC3E}">
-        <p14:creationId xmlns:p14="http://schemas.microsoft.com/office/powerpoint/2010/main" val="4050237831"/>
+        <p14:creationId xmlns="" xmlns:p14="http://schemas.microsoft.com/office/powerpoint/2010/main" val="2660152302"/>
       </p:ext>
     </p:extLst>
   </p:cSld>
@@ -1495,7 +1459,7 @@
             <a:fld id="{9BBE7A90-5B18-44E6-896F-B56F6E25EE11}" type="slidenum">
               <a:rPr lang="en-GB" smtClean="0"/>
               <a:pPr/>
-              <a:t>9</a:t>
+              <a:t>8</a:t>
             </a:fld>
             <a:endParaRPr lang="en-GB"/>
           </a:p>
@@ -1504,7 +1468,7 @@
     </p:spTree>
     <p:extLst>
       <p:ext uri="{BB962C8B-B14F-4D97-AF65-F5344CB8AC3E}">
-        <p14:creationId xmlns:p14="http://schemas.microsoft.com/office/powerpoint/2010/main" val="2545523758"/>
+        <p14:creationId xmlns="" xmlns:p14="http://schemas.microsoft.com/office/powerpoint/2010/main" val="2545523758"/>
       </p:ext>
     </p:extLst>
   </p:cSld>
@@ -1560,10 +1524,6 @@
           </a:bodyPr>
           <a:lstStyle/>
           <a:p>
-            <a:r>
-              <a:rPr lang="nl-NL" dirty="0" smtClean="0"/>
-              <a:t>?????</a:t>
-            </a:r>
             <a:endParaRPr lang="en-GB" dirty="0"/>
           </a:p>
         </p:txBody>
@@ -1586,7 +1546,7 @@
             <a:fld id="{9BBE7A90-5B18-44E6-896F-B56F6E25EE11}" type="slidenum">
               <a:rPr lang="en-GB" smtClean="0"/>
               <a:pPr/>
-              <a:t>10</a:t>
+              <a:t>9</a:t>
             </a:fld>
             <a:endParaRPr lang="en-GB"/>
           </a:p>
@@ -1595,7 +1555,7 @@
     </p:spTree>
     <p:extLst>
       <p:ext uri="{BB962C8B-B14F-4D97-AF65-F5344CB8AC3E}">
-        <p14:creationId xmlns:p14="http://schemas.microsoft.com/office/powerpoint/2010/main" val="3248569269"/>
+        <p14:creationId xmlns="" xmlns:p14="http://schemas.microsoft.com/office/powerpoint/2010/main" val="3248569269"/>
       </p:ext>
     </p:extLst>
   </p:cSld>
@@ -1695,7 +1655,7 @@
             <a:fld id="{9BBE7A90-5B18-44E6-896F-B56F6E25EE11}" type="slidenum">
               <a:rPr lang="en-GB" smtClean="0"/>
               <a:pPr/>
-              <a:t>17</a:t>
+              <a:t>16</a:t>
             </a:fld>
             <a:endParaRPr lang="en-GB"/>
           </a:p>
@@ -1704,7 +1664,7 @@
     </p:spTree>
     <p:extLst>
       <p:ext uri="{BB962C8B-B14F-4D97-AF65-F5344CB8AC3E}">
-        <p14:creationId xmlns:p14="http://schemas.microsoft.com/office/powerpoint/2010/main" val="3544749578"/>
+        <p14:creationId xmlns="" xmlns:p14="http://schemas.microsoft.com/office/powerpoint/2010/main" val="3544749578"/>
       </p:ext>
     </p:extLst>
   </p:cSld>
@@ -1939,7 +1899,7 @@
             <a:fld id="{B6F15528-21DE-4FAA-801E-634DDDAF4B2B}" type="slidenum">
               <a:rPr lang="en-US" smtClean="0"/>
               <a:pPr/>
-              <a:t>‹nr.›</a:t>
+              <a:t>‹#›</a:t>
             </a:fld>
             <a:endParaRPr lang="en-US"/>
           </a:p>
@@ -2106,7 +2066,7 @@
             <a:fld id="{B6F15528-21DE-4FAA-801E-634DDDAF4B2B}" type="slidenum">
               <a:rPr lang="en-US" smtClean="0"/>
               <a:pPr/>
-              <a:t>‹nr.›</a:t>
+              <a:t>‹#›</a:t>
             </a:fld>
             <a:endParaRPr lang="en-US"/>
           </a:p>
@@ -2283,7 +2243,7 @@
             <a:fld id="{B6F15528-21DE-4FAA-801E-634DDDAF4B2B}" type="slidenum">
               <a:rPr lang="en-US" smtClean="0"/>
               <a:pPr/>
-              <a:t>‹nr.›</a:t>
+              <a:t>‹#›</a:t>
             </a:fld>
             <a:endParaRPr lang="en-US"/>
           </a:p>
@@ -2450,7 +2410,7 @@
             <a:fld id="{B6F15528-21DE-4FAA-801E-634DDDAF4B2B}" type="slidenum">
               <a:rPr lang="en-US" smtClean="0"/>
               <a:pPr/>
-              <a:t>‹nr.›</a:t>
+              <a:t>‹#›</a:t>
             </a:fld>
             <a:endParaRPr lang="en-US"/>
           </a:p>
@@ -2693,7 +2653,7 @@
             <a:fld id="{B6F15528-21DE-4FAA-801E-634DDDAF4B2B}" type="slidenum">
               <a:rPr lang="en-US" smtClean="0"/>
               <a:pPr/>
-              <a:t>‹nr.›</a:t>
+              <a:t>‹#›</a:t>
             </a:fld>
             <a:endParaRPr lang="en-US"/>
           </a:p>
@@ -2978,7 +2938,7 @@
             <a:fld id="{B6F15528-21DE-4FAA-801E-634DDDAF4B2B}" type="slidenum">
               <a:rPr lang="en-US" smtClean="0"/>
               <a:pPr/>
-              <a:t>‹nr.›</a:t>
+              <a:t>‹#›</a:t>
             </a:fld>
             <a:endParaRPr lang="en-US"/>
           </a:p>
@@ -3397,7 +3357,7 @@
             <a:fld id="{B6F15528-21DE-4FAA-801E-634DDDAF4B2B}" type="slidenum">
               <a:rPr lang="en-US" smtClean="0"/>
               <a:pPr/>
-              <a:t>‹nr.›</a:t>
+              <a:t>‹#›</a:t>
             </a:fld>
             <a:endParaRPr lang="en-US"/>
           </a:p>
@@ -3512,7 +3472,7 @@
             <a:fld id="{B6F15528-21DE-4FAA-801E-634DDDAF4B2B}" type="slidenum">
               <a:rPr lang="en-US" smtClean="0"/>
               <a:pPr/>
-              <a:t>‹nr.›</a:t>
+              <a:t>‹#›</a:t>
             </a:fld>
             <a:endParaRPr lang="en-US"/>
           </a:p>
@@ -3604,7 +3564,7 @@
             <a:fld id="{B6F15528-21DE-4FAA-801E-634DDDAF4B2B}" type="slidenum">
               <a:rPr lang="en-US" smtClean="0"/>
               <a:pPr/>
-              <a:t>‹nr.›</a:t>
+              <a:t>‹#›</a:t>
             </a:fld>
             <a:endParaRPr lang="en-US"/>
           </a:p>
@@ -3878,7 +3838,7 @@
             <a:fld id="{B6F15528-21DE-4FAA-801E-634DDDAF4B2B}" type="slidenum">
               <a:rPr lang="en-US" smtClean="0"/>
               <a:pPr/>
-              <a:t>‹nr.›</a:t>
+              <a:t>‹#›</a:t>
             </a:fld>
             <a:endParaRPr lang="en-US"/>
           </a:p>
@@ -4128,7 +4088,7 @@
             <a:fld id="{B6F15528-21DE-4FAA-801E-634DDDAF4B2B}" type="slidenum">
               <a:rPr lang="en-US" smtClean="0"/>
               <a:pPr/>
-              <a:t>‹nr.›</a:t>
+              <a:t>‹#›</a:t>
             </a:fld>
             <a:endParaRPr lang="en-US"/>
           </a:p>
@@ -4374,7 +4334,7 @@
             <a:fld id="{B6F15528-21DE-4FAA-801E-634DDDAF4B2B}" type="slidenum">
               <a:rPr lang="en-US" smtClean="0"/>
               <a:pPr/>
-              <a:t>‹nr.›</a:t>
+              <a:t>‹#›</a:t>
             </a:fld>
             <a:endParaRPr lang="en-US"/>
           </a:p>
@@ -5011,14 +4971,14 @@
       </p:grpSpPr>
       <p:pic>
         <p:nvPicPr>
-          <p:cNvPr id="6" name="Picture 2" descr="C:\Users\Aline\Downloads\background_40393663_468_2.jpg"/>
+          <p:cNvPr id="8" name="Picture 2" descr="C:\Users\Aline\Downloads\background_40393663_468_2.jpg"/>
           <p:cNvPicPr>
             <a:picLocks noChangeAspect="1" noChangeArrowheads="1"/>
           </p:cNvPicPr>
           <p:nvPr/>
         </p:nvPicPr>
         <p:blipFill>
-          <a:blip r:embed="rId3" cstate="print"/>
+          <a:blip r:embed="rId2" cstate="print"/>
           <a:srcRect/>
           <a:stretch>
             <a:fillRect/>
@@ -5035,250 +4995,215 @@
           <a:noFill/>
         </p:spPr>
       </p:pic>
-      <p:pic>
-        <p:nvPicPr>
-          <p:cNvPr id="3075" name="Picture 3" descr="C:\Users\Aline\Dropbox\RUG 2015-2016\1.9 Community eclogy research\4. Poster_presentation\Figs and graphs ppt\2.tippy.jpg"/>
-          <p:cNvPicPr>
-            <a:picLocks noChangeAspect="1" noChangeArrowheads="1"/>
-          </p:cNvPicPr>
+      <p:sp>
+        <p:nvSpPr>
+          <p:cNvPr id="2" name="Title 1"/>
+          <p:cNvSpPr>
+            <a:spLocks noGrp="1"/>
+          </p:cNvSpPr>
+          <p:nvPr>
+            <p:ph type="title"/>
+          </p:nvPr>
+        </p:nvSpPr>
+        <p:spPr/>
+        <p:txBody>
+          <a:bodyPr/>
+          <a:lstStyle/>
+          <a:p>
+            <a:r>
+              <a:rPr lang="en-GB" b="1" dirty="0" smtClean="0"/>
+              <a:t>Main Question</a:t>
+            </a:r>
+            <a:endParaRPr lang="en-GB" b="1" dirty="0"/>
+          </a:p>
+        </p:txBody>
+      </p:sp>
+      <p:sp>
+        <p:nvSpPr>
+          <p:cNvPr id="3" name="Content Placeholder 2"/>
+          <p:cNvSpPr>
+            <a:spLocks noGrp="1"/>
+          </p:cNvSpPr>
+          <p:nvPr>
+            <p:ph idx="1"/>
+          </p:nvPr>
+        </p:nvSpPr>
+        <p:spPr>
+          <a:xfrm>
+            <a:off x="457200" y="4191000"/>
+            <a:ext cx="8229600" cy="2057399"/>
+          </a:xfrm>
+        </p:spPr>
+        <p:txBody>
+          <a:bodyPr>
+            <a:normAutofit/>
+          </a:bodyPr>
+          <a:lstStyle/>
+          <a:p>
+            <a:pPr>
+              <a:buFontTx/>
+              <a:buChar char="-"/>
+            </a:pPr>
+            <a:r>
+              <a:rPr lang="nl-NL" sz="2400" dirty="0" smtClean="0"/>
+              <a:t>Can BEAST2 accurately recover a ‘true’ tree?</a:t>
+            </a:r>
+          </a:p>
+          <a:p>
+            <a:pPr>
+              <a:buFontTx/>
+              <a:buChar char="-"/>
+            </a:pPr>
+            <a:r>
+              <a:rPr lang="en-GB" sz="2400" dirty="0" smtClean="0"/>
+              <a:t>Error big enough?</a:t>
+            </a:r>
+          </a:p>
+        </p:txBody>
+      </p:sp>
+      <p:sp>
+        <p:nvSpPr>
+          <p:cNvPr id="6" name="Content Placeholder 2"/>
+          <p:cNvSpPr txBox="1">
+            <a:spLocks/>
+          </p:cNvSpPr>
           <p:nvPr/>
-        </p:nvPicPr>
-        <p:blipFill>
-          <a:blip r:embed="rId4" cstate="print"/>
-          <a:srcRect/>
-          <a:stretch>
-            <a:fillRect/>
-          </a:stretch>
-        </p:blipFill>
-        <p:spPr bwMode="auto">
-          <a:xfrm>
-            <a:off x="5334000" y="3886200"/>
-            <a:ext cx="3251200" cy="2438400"/>
+        </p:nvSpPr>
+        <p:spPr>
+          <a:xfrm>
+            <a:off x="304800" y="1600200"/>
+            <a:ext cx="8534400" cy="1066800"/>
           </a:xfrm>
           <a:prstGeom prst="rect">
             <a:avLst/>
           </a:prstGeom>
-          <a:noFill/>
-        </p:spPr>
-      </p:pic>
-      <p:pic>
-        <p:nvPicPr>
-          <p:cNvPr id="3074" name="Picture 2" descr="C:\Users\Aline\Dropbox\RUG 2015-2016\1.9 Community eclogy research\4. Poster_presentation\Figs and graphs ppt\1.stemmy.jpg"/>
-          <p:cNvPicPr>
-            <a:picLocks noChangeAspect="1" noChangeArrowheads="1"/>
-          </p:cNvPicPr>
+        </p:spPr>
+        <p:txBody>
+          <a:bodyPr vert="horz" lIns="91440" tIns="45720" rIns="91440" bIns="45720" rtlCol="0">
+            <a:normAutofit/>
+          </a:bodyPr>
+          <a:lstStyle/>
+          <a:p>
+            <a:pPr algn="ctr">
+              <a:buNone/>
+            </a:pPr>
+            <a:r>
+              <a:rPr lang="en-GB" sz="2800" dirty="0" smtClean="0"/>
+              <a:t>If speciation in nature takes </a:t>
+            </a:r>
+            <a:r>
+              <a:rPr lang="en-GB" sz="2800" b="1" dirty="0" smtClean="0"/>
+              <a:t>time</a:t>
+            </a:r>
+            <a:r>
+              <a:rPr lang="en-GB" sz="2800" dirty="0" smtClean="0"/>
+              <a:t>, </a:t>
+            </a:r>
+          </a:p>
+          <a:p>
+            <a:pPr algn="ctr">
+              <a:buNone/>
+            </a:pPr>
+            <a:r>
+              <a:rPr lang="en-GB" sz="2800" dirty="0" smtClean="0"/>
+              <a:t>what is the </a:t>
+            </a:r>
+            <a:r>
+              <a:rPr lang="en-GB" sz="2800" b="1" dirty="0" smtClean="0"/>
+              <a:t>error</a:t>
+            </a:r>
+            <a:r>
+              <a:rPr lang="en-GB" sz="2800" dirty="0" smtClean="0"/>
+              <a:t> BEAST2 makes in inferring a phylogeny?</a:t>
+            </a:r>
+            <a:endParaRPr kumimoji="0" lang="en-GB" sz="3200" b="0" i="0" u="none" strike="noStrike" kern="1200" cap="none" spc="0" normalizeH="0" baseline="0" noProof="0" dirty="0">
+              <a:ln>
+                <a:noFill/>
+              </a:ln>
+              <a:solidFill>
+                <a:schemeClr val="tx1"/>
+              </a:solidFill>
+              <a:effectLst/>
+              <a:uLnTx/>
+              <a:uFillTx/>
+              <a:latin typeface="+mn-lt"/>
+              <a:ea typeface="+mn-ea"/>
+              <a:cs typeface="+mn-cs"/>
+            </a:endParaRPr>
+          </a:p>
+        </p:txBody>
+      </p:sp>
+      <p:sp>
+        <p:nvSpPr>
+          <p:cNvPr id="7" name="Title 1"/>
+          <p:cNvSpPr txBox="1">
+            <a:spLocks/>
+          </p:cNvSpPr>
           <p:nvPr/>
-        </p:nvPicPr>
-        <p:blipFill>
-          <a:blip r:embed="rId5" cstate="print"/>
-          <a:srcRect/>
-          <a:stretch>
-            <a:fillRect/>
-          </a:stretch>
-        </p:blipFill>
-        <p:spPr bwMode="auto">
-          <a:xfrm>
-            <a:off x="609600" y="3657600"/>
-            <a:ext cx="3810000" cy="2857500"/>
+        </p:nvSpPr>
+        <p:spPr>
+          <a:xfrm>
+            <a:off x="457200" y="2895600"/>
+            <a:ext cx="8229600" cy="1143000"/>
           </a:xfrm>
           <a:prstGeom prst="rect">
             <a:avLst/>
           </a:prstGeom>
-          <a:noFill/>
-        </p:spPr>
-      </p:pic>
-      <p:sp>
-        <p:nvSpPr>
-          <p:cNvPr id="2" name="Title 1"/>
-          <p:cNvSpPr>
-            <a:spLocks noGrp="1"/>
-          </p:cNvSpPr>
-          <p:nvPr>
-            <p:ph type="title"/>
-          </p:nvPr>
-        </p:nvSpPr>
-        <p:spPr/>
-        <p:txBody>
-          <a:bodyPr/>
-          <a:lstStyle/>
-          <a:p>
-            <a:r>
-              <a:rPr lang="en-GB" b="1" dirty="0" smtClean="0"/>
-              <a:t>Material &amp; Methods:</a:t>
-            </a:r>
-            <a:r>
-              <a:rPr lang="en-GB" dirty="0" smtClean="0"/>
-              <a:t> </a:t>
-            </a:r>
-            <a:r>
-              <a:rPr lang="en-GB" sz="3600" dirty="0" smtClean="0"/>
-              <a:t>Analysis</a:t>
-            </a:r>
-            <a:endParaRPr lang="en-GB" dirty="0"/>
-          </a:p>
-        </p:txBody>
-      </p:sp>
-      <p:sp>
-        <p:nvSpPr>
-          <p:cNvPr id="3" name="Content Placeholder 2"/>
-          <p:cNvSpPr>
-            <a:spLocks noGrp="1"/>
-          </p:cNvSpPr>
-          <p:nvPr>
-            <p:ph idx="1"/>
-          </p:nvPr>
-        </p:nvSpPr>
-        <p:spPr/>
-        <p:txBody>
-          <a:bodyPr/>
-          <a:lstStyle/>
-          <a:p>
-            <a:pPr>
-              <a:buNone/>
+        </p:spPr>
+        <p:txBody>
+          <a:bodyPr vert="horz" lIns="91440" tIns="45720" rIns="91440" bIns="45720" rtlCol="0" anchor="ctr">
+            <a:normAutofit/>
+          </a:bodyPr>
+          <a:lstStyle/>
+          <a:p>
+            <a:pPr marL="0" marR="0" lvl="0" indent="0" algn="ctr" defTabSz="914400" rtl="0" eaLnBrk="1" fontAlgn="auto" latinLnBrk="0" hangingPunct="1">
+              <a:lnSpc>
+                <a:spcPct val="100000"/>
+              </a:lnSpc>
+              <a:spcBef>
+                <a:spcPct val="0"/>
+              </a:spcBef>
+              <a:spcAft>
+                <a:spcPts val="0"/>
+              </a:spcAft>
+              <a:buClrTx/>
+              <a:buSzTx/>
+              <a:buFontTx/>
+              <a:buNone/>
+              <a:tabLst/>
+              <a:defRPr/>
             </a:pPr>
             <a:r>
-              <a:rPr lang="nl-NL" sz="2800" b="1" dirty="0" smtClean="0"/>
-              <a:t>Gamma (</a:t>
-            </a:r>
-            <a:r>
-              <a:rPr lang="el-GR" sz="2800" b="1" dirty="0" smtClean="0"/>
-              <a:t>γ</a:t>
-            </a:r>
-            <a:r>
-              <a:rPr lang="en-GB" sz="2800" b="1" dirty="0" smtClean="0">
-                <a:latin typeface="Minion-Regular"/>
+              <a:rPr kumimoji="0" lang="en-GB" sz="4400" b="0" i="0" u="none" strike="noStrike" kern="1200" cap="none" spc="0" normalizeH="0" baseline="0" noProof="0" dirty="0" smtClean="0">
+                <a:ln>
+                  <a:noFill/>
+                </a:ln>
+                <a:solidFill>
+                  <a:schemeClr val="tx1"/>
+                </a:solidFill>
+                <a:effectLst/>
+                <a:uLnTx/>
+                <a:uFillTx/>
+                <a:latin typeface="+mj-lt"/>
+                <a:ea typeface="+mj-ea"/>
+                <a:cs typeface="+mj-cs"/>
               </a:rPr>
-              <a:t>)</a:t>
-            </a:r>
-            <a:r>
-              <a:rPr lang="nl-NL" sz="2800" dirty="0" smtClean="0"/>
-              <a:t> </a:t>
-            </a:r>
-            <a:r>
-              <a:rPr lang="nl-NL" sz="2800" b="1" dirty="0" smtClean="0"/>
-              <a:t>statistic</a:t>
-            </a:r>
-            <a:r>
-              <a:rPr lang="nl-NL" sz="2800" dirty="0" smtClean="0"/>
-              <a:t>: </a:t>
-            </a:r>
-          </a:p>
-          <a:p>
-            <a:pPr lvl="1"/>
-            <a:r>
-              <a:rPr lang="nl-NL" sz="2400" dirty="0" smtClean="0"/>
-              <a:t>Distribution of branching events within the tree</a:t>
-            </a:r>
-          </a:p>
-          <a:p>
-            <a:pPr lvl="1"/>
-            <a:r>
-              <a:rPr lang="nl-NL" sz="2400" dirty="0" smtClean="0"/>
-              <a:t>Tree ‘stemmy’ or ‘tippy’ </a:t>
-            </a:r>
-          </a:p>
-          <a:p>
-            <a:pPr lvl="1"/>
-            <a:r>
-              <a:rPr lang="nl-NL" sz="2400" dirty="0" smtClean="0"/>
-              <a:t>Compare sampled species tree gammas with posterior trees gammas</a:t>
-            </a:r>
-          </a:p>
-          <a:p>
-            <a:pPr>
-              <a:buNone/>
-            </a:pPr>
-            <a:endParaRPr lang="en-GB" dirty="0"/>
-          </a:p>
-        </p:txBody>
-      </p:sp>
-      <p:sp>
-        <p:nvSpPr>
-          <p:cNvPr id="8" name="TextBox 7"/>
-          <p:cNvSpPr txBox="1"/>
-          <p:nvPr/>
-        </p:nvSpPr>
-        <p:spPr>
-          <a:xfrm>
-            <a:off x="5867400" y="6172200"/>
-            <a:ext cx="2438400" cy="369332"/>
-          </a:xfrm>
-          <a:prstGeom prst="rect">
-            <a:avLst/>
-          </a:prstGeom>
-          <a:noFill/>
-        </p:spPr>
-        <p:txBody>
-          <a:bodyPr wrap="square" rtlCol="0">
-            <a:spAutoFit/>
-          </a:bodyPr>
-          <a:lstStyle/>
-          <a:p>
-            <a:pPr algn="ctr"/>
-            <a:r>
-              <a:rPr lang="nl-NL" dirty="0" smtClean="0"/>
-              <a:t>Tippy tree (</a:t>
-            </a:r>
-            <a:r>
-              <a:rPr lang="el-GR" b="1" dirty="0" smtClean="0"/>
-              <a:t>γ</a:t>
-            </a:r>
-            <a:r>
-              <a:rPr lang="nl-NL" b="1" dirty="0" smtClean="0"/>
-              <a:t> &lt; 0</a:t>
-            </a:r>
-            <a:r>
-              <a:rPr lang="nl-NL" dirty="0" smtClean="0"/>
-              <a:t>)</a:t>
-            </a:r>
-            <a:endParaRPr lang="en-GB" dirty="0"/>
-          </a:p>
-        </p:txBody>
-      </p:sp>
-      <p:sp>
-        <p:nvSpPr>
-          <p:cNvPr id="9" name="TextBox 8"/>
-          <p:cNvSpPr txBox="1"/>
-          <p:nvPr/>
-        </p:nvSpPr>
-        <p:spPr>
-          <a:xfrm>
-            <a:off x="1066800" y="6172200"/>
-            <a:ext cx="2438400" cy="369332"/>
-          </a:xfrm>
-          <a:prstGeom prst="rect">
-            <a:avLst/>
-          </a:prstGeom>
-          <a:noFill/>
-        </p:spPr>
-        <p:txBody>
-          <a:bodyPr wrap="square" rtlCol="0">
-            <a:spAutoFit/>
-          </a:bodyPr>
-          <a:lstStyle/>
-          <a:p>
-            <a:pPr algn="ctr"/>
-            <a:r>
-              <a:rPr lang="nl-NL" dirty="0" smtClean="0"/>
-              <a:t>Stemmy (</a:t>
-            </a:r>
-            <a:r>
-              <a:rPr lang="el-GR" b="1" dirty="0" smtClean="0"/>
-              <a:t>γ</a:t>
-            </a:r>
-            <a:r>
-              <a:rPr lang="nl-NL" dirty="0" smtClean="0"/>
-              <a:t> </a:t>
-            </a:r>
-            <a:r>
-              <a:rPr lang="nl-NL" b="1" dirty="0" smtClean="0"/>
-              <a:t>&gt; 0</a:t>
-            </a:r>
-            <a:r>
-              <a:rPr lang="nl-NL" dirty="0" smtClean="0"/>
-              <a:t>)</a:t>
-            </a:r>
-            <a:endParaRPr lang="en-GB" dirty="0"/>
+              <a:t>Sub questions</a:t>
+            </a:r>
+            <a:endParaRPr kumimoji="0" lang="en-GB" sz="4400" b="0" i="0" u="none" strike="noStrike" kern="1200" cap="none" spc="0" normalizeH="0" baseline="0" noProof="0" dirty="0">
+              <a:ln>
+                <a:noFill/>
+              </a:ln>
+              <a:solidFill>
+                <a:schemeClr val="tx1"/>
+              </a:solidFill>
+              <a:effectLst/>
+              <a:uLnTx/>
+              <a:uFillTx/>
+              <a:latin typeface="+mj-lt"/>
+              <a:ea typeface="+mj-ea"/>
+              <a:cs typeface="+mj-cs"/>
+            </a:endParaRPr>
           </a:p>
         </p:txBody>
       </p:sp>
@@ -5316,7 +5241,7 @@
       </p:grpSpPr>
       <p:pic>
         <p:nvPicPr>
-          <p:cNvPr id="8" name="Picture 2" descr="C:\Users\Aline\Downloads\background_40393663_468_2.jpg"/>
+          <p:cNvPr id="4" name="Picture 2" descr="C:\Users\Aline\Downloads\background_40393663_468_2.jpg"/>
           <p:cNvPicPr>
             <a:picLocks noChangeAspect="1" noChangeArrowheads="1"/>
           </p:cNvPicPr>
@@ -5357,213 +5282,134 @@
           <a:p>
             <a:r>
               <a:rPr lang="en-GB" b="1" dirty="0" smtClean="0"/>
-              <a:t>Main Question</a:t>
-            </a:r>
-            <a:endParaRPr lang="en-GB" b="1" dirty="0"/>
-          </a:p>
-        </p:txBody>
-      </p:sp>
-      <p:sp>
-        <p:nvSpPr>
-          <p:cNvPr id="3" name="Content Placeholder 2"/>
-          <p:cNvSpPr>
-            <a:spLocks noGrp="1"/>
-          </p:cNvSpPr>
-          <p:nvPr>
-            <p:ph idx="1"/>
-          </p:nvPr>
-        </p:nvSpPr>
-        <p:spPr>
-          <a:xfrm>
-            <a:off x="457200" y="4191000"/>
-            <a:ext cx="8229600" cy="2057399"/>
-          </a:xfrm>
-        </p:spPr>
-        <p:txBody>
-          <a:bodyPr>
-            <a:normAutofit/>
-          </a:bodyPr>
-          <a:lstStyle/>
-          <a:p>
-            <a:pPr>
-              <a:buFontTx/>
-              <a:buChar char="-"/>
-            </a:pPr>
-            <a:r>
-              <a:rPr lang="nl-NL" sz="2400" dirty="0" smtClean="0"/>
-              <a:t>Can BEAST2 accurately recover a ‘true’ tree?</a:t>
-            </a:r>
-          </a:p>
-          <a:p>
-            <a:pPr>
-              <a:buFontTx/>
-              <a:buChar char="-"/>
-            </a:pPr>
-            <a:r>
-              <a:rPr lang="en-GB" sz="2400" dirty="0" smtClean="0"/>
-              <a:t>Error big enough?</a:t>
-            </a:r>
-          </a:p>
-        </p:txBody>
-      </p:sp>
-      <p:sp>
-        <p:nvSpPr>
-          <p:cNvPr id="6" name="Content Placeholder 2"/>
-          <p:cNvSpPr txBox="1">
-            <a:spLocks/>
-          </p:cNvSpPr>
+              <a:t>Results</a:t>
+            </a:r>
+            <a:r>
+              <a:rPr lang="en-GB" dirty="0" smtClean="0"/>
+              <a:t>: </a:t>
+            </a:r>
+            <a:r>
+              <a:rPr lang="en-GB" sz="3200" dirty="0" smtClean="0"/>
+              <a:t>promising differences</a:t>
+            </a:r>
+            <a:endParaRPr lang="en-GB" dirty="0"/>
+          </a:p>
+        </p:txBody>
+      </p:sp>
+      <p:pic>
+        <p:nvPicPr>
+          <p:cNvPr id="8" name="Picture 2" descr="C:\Users\Aline\Dropbox\RUG 2015-2016\1.9 Community eclogy research\4. Poster_presentation\Figs and graphs ppt\Number of runs for Speciation Initiation Rate (SIR).png"/>
+          <p:cNvPicPr>
+            <a:picLocks noChangeAspect="1" noChangeArrowheads="1"/>
+          </p:cNvPicPr>
           <p:nvPr/>
-        </p:nvSpPr>
-        <p:spPr>
-          <a:xfrm>
-            <a:off x="304800" y="1600200"/>
-            <a:ext cx="8534400" cy="1066800"/>
+        </p:nvPicPr>
+        <p:blipFill>
+          <a:blip r:embed="rId3" cstate="print"/>
+          <a:srcRect/>
+          <a:stretch>
+            <a:fillRect/>
+          </a:stretch>
+        </p:blipFill>
+        <p:spPr bwMode="auto">
+          <a:xfrm>
+            <a:off x="1904999" y="1177957"/>
+            <a:ext cx="5334000" cy="2959861"/>
           </a:xfrm>
           <a:prstGeom prst="rect">
             <a:avLst/>
           </a:prstGeom>
-        </p:spPr>
-        <p:txBody>
-          <a:bodyPr vert="horz" lIns="91440" tIns="45720" rIns="91440" bIns="45720" rtlCol="0">
-            <a:normAutofit/>
-          </a:bodyPr>
-          <a:lstStyle/>
-          <a:p>
-            <a:pPr algn="ctr">
-              <a:buNone/>
-            </a:pPr>
-            <a:r>
-              <a:rPr lang="en-GB" sz="2800" dirty="0" smtClean="0"/>
-              <a:t>If speciation in nature takes </a:t>
-            </a:r>
-            <a:r>
-              <a:rPr lang="en-GB" sz="2800" b="1" dirty="0" smtClean="0"/>
-              <a:t>time</a:t>
-            </a:r>
-            <a:r>
-              <a:rPr lang="en-GB" sz="2800" dirty="0" smtClean="0"/>
-              <a:t>, </a:t>
-            </a:r>
-          </a:p>
-          <a:p>
-            <a:pPr algn="ctr">
-              <a:buNone/>
-            </a:pPr>
-            <a:r>
-              <a:rPr lang="en-GB" sz="2800" dirty="0" smtClean="0"/>
-              <a:t>what is the </a:t>
-            </a:r>
-            <a:r>
-              <a:rPr lang="en-GB" sz="2800" b="1" dirty="0" smtClean="0"/>
-              <a:t>error</a:t>
-            </a:r>
-            <a:r>
-              <a:rPr lang="en-GB" sz="2800" dirty="0" smtClean="0"/>
-              <a:t> BEAST2 makes in inferring a phylogeny?</a:t>
-            </a:r>
-            <a:endParaRPr kumimoji="0" lang="en-GB" sz="3200" b="0" i="0" u="none" strike="noStrike" kern="1200" cap="none" spc="0" normalizeH="0" baseline="0" noProof="0" dirty="0">
-              <a:ln>
-                <a:noFill/>
-              </a:ln>
-              <a:solidFill>
-                <a:schemeClr val="tx1"/>
-              </a:solidFill>
-              <a:effectLst/>
-              <a:uLnTx/>
-              <a:uFillTx/>
-              <a:latin typeface="+mn-lt"/>
-              <a:ea typeface="+mn-ea"/>
-              <a:cs typeface="+mn-cs"/>
-            </a:endParaRPr>
-          </a:p>
-        </p:txBody>
-      </p:sp>
-      <p:sp>
-        <p:nvSpPr>
-          <p:cNvPr id="7" name="Title 1"/>
-          <p:cNvSpPr txBox="1">
-            <a:spLocks/>
-          </p:cNvSpPr>
-          <p:nvPr/>
-        </p:nvSpPr>
-        <p:spPr>
-          <a:xfrm>
-            <a:off x="457200" y="2895600"/>
-            <a:ext cx="8229600" cy="1143000"/>
+          <a:noFill/>
+        </p:spPr>
+      </p:pic>
+      <p:pic>
+        <p:nvPicPr>
+          <p:cNvPr id="9" name="Picture 3" descr="C:\Users\Aline\Dropbox\RUG 2015-2016\1.9 Community eclogy research\4. Poster_presentation\Figs and graphs ppt\Differences Gammas.png"/>
+          <p:cNvPicPr>
+            <a:picLocks noGrp="1" noChangeAspect="1" noChangeArrowheads="1"/>
+          </p:cNvPicPr>
+          <p:nvPr>
+            <p:ph idx="1"/>
+          </p:nvPr>
+        </p:nvPicPr>
+        <p:blipFill>
+          <a:blip r:embed="rId4" cstate="print"/>
+          <a:srcRect/>
+          <a:stretch>
+            <a:fillRect/>
+          </a:stretch>
+        </p:blipFill>
+        <p:spPr bwMode="auto">
+          <a:xfrm>
+            <a:off x="1904999" y="3967715"/>
+            <a:ext cx="5334000" cy="2960615"/>
           </a:xfrm>
           <a:prstGeom prst="rect">
             <a:avLst/>
           </a:prstGeom>
-        </p:spPr>
-        <p:txBody>
-          <a:bodyPr vert="horz" lIns="91440" tIns="45720" rIns="91440" bIns="45720" rtlCol="0" anchor="ctr">
-            <a:normAutofit/>
-          </a:bodyPr>
-          <a:lstStyle/>
-          <a:p>
-            <a:pPr marL="0" marR="0" lvl="0" indent="0" algn="ctr" defTabSz="914400" rtl="0" eaLnBrk="1" fontAlgn="auto" latinLnBrk="0" hangingPunct="1">
-              <a:lnSpc>
-                <a:spcPct val="100000"/>
-              </a:lnSpc>
-              <a:spcBef>
-                <a:spcPct val="0"/>
-              </a:spcBef>
-              <a:spcAft>
-                <a:spcPts val="0"/>
-              </a:spcAft>
-              <a:buClrTx/>
-              <a:buSzTx/>
-              <a:buFontTx/>
-              <a:buNone/>
-              <a:tabLst/>
-              <a:defRPr/>
-            </a:pPr>
-            <a:r>
-              <a:rPr kumimoji="0" lang="en-GB" sz="4400" b="0" i="0" u="none" strike="noStrike" kern="1200" cap="none" spc="0" normalizeH="0" baseline="0" noProof="0" dirty="0" smtClean="0">
-                <a:ln>
-                  <a:noFill/>
-                </a:ln>
-                <a:solidFill>
-                  <a:schemeClr val="tx1"/>
-                </a:solidFill>
-                <a:effectLst/>
-                <a:uLnTx/>
-                <a:uFillTx/>
-                <a:latin typeface="+mj-lt"/>
-                <a:ea typeface="+mj-ea"/>
-                <a:cs typeface="+mj-cs"/>
-              </a:rPr>
-              <a:t>Sub questions</a:t>
-            </a:r>
-            <a:endParaRPr kumimoji="0" lang="en-GB" sz="4400" b="0" i="0" u="none" strike="noStrike" kern="1200" cap="none" spc="0" normalizeH="0" baseline="0" noProof="0" dirty="0">
-              <a:ln>
-                <a:noFill/>
-              </a:ln>
-              <a:solidFill>
-                <a:schemeClr val="tx1"/>
-              </a:solidFill>
-              <a:effectLst/>
-              <a:uLnTx/>
-              <a:uFillTx/>
-              <a:latin typeface="+mj-lt"/>
-              <a:ea typeface="+mj-ea"/>
-              <a:cs typeface="+mj-cs"/>
-            </a:endParaRPr>
+          <a:noFill/>
+        </p:spPr>
+      </p:pic>
+      <p:sp>
+        <p:nvSpPr>
+          <p:cNvPr id="3" name="Vermenigvuldigen 2">
+            <a:hlinkClick r:id="" action="ppaction://noaction" highlightClick="1"/>
+          </p:cNvPr>
+          <p:cNvSpPr/>
+          <p:nvPr/>
+        </p:nvSpPr>
+        <p:spPr>
+          <a:xfrm>
+            <a:off x="3962400" y="5611562"/>
+            <a:ext cx="838200" cy="914400"/>
+          </a:xfrm>
+          <a:prstGeom prst="mathMultiply">
+            <a:avLst/>
+          </a:prstGeom>
+          <a:solidFill>
+            <a:srgbClr val="FF0000"/>
+          </a:solidFill>
+          <a:ln>
+            <a:solidFill>
+              <a:srgbClr val="FF0000"/>
+            </a:solidFill>
+          </a:ln>
+        </p:spPr>
+        <p:style>
+          <a:lnRef idx="2">
+            <a:schemeClr val="accent1">
+              <a:shade val="50000"/>
+            </a:schemeClr>
+          </a:lnRef>
+          <a:fillRef idx="1">
+            <a:schemeClr val="accent1"/>
+          </a:fillRef>
+          <a:effectRef idx="0">
+            <a:schemeClr val="accent1"/>
+          </a:effectRef>
+          <a:fontRef idx="minor">
+            <a:schemeClr val="lt1"/>
+          </a:fontRef>
+        </p:style>
+        <p:txBody>
+          <a:bodyPr rtlCol="0" anchor="ctr"/>
+          <a:lstStyle/>
+          <a:p>
+            <a:pPr algn="ctr"/>
+            <a:endParaRPr lang="en-GB"/>
           </a:p>
         </p:txBody>
       </p:sp>
     </p:spTree>
+    <p:extLst>
+      <p:ext uri="{BB962C8B-B14F-4D97-AF65-F5344CB8AC3E}">
+        <p14:creationId xmlns="" xmlns:p14="http://schemas.microsoft.com/office/powerpoint/2010/main" val="618514285"/>
+      </p:ext>
+    </p:extLst>
   </p:cSld>
   <p:clrMapOvr>
     <a:masterClrMapping/>
   </p:clrMapOvr>
-  <p:timing>
-    <p:tnLst>
-      <p:par>
-        <p:cTn id="1" dur="indefinite" restart="never" nodeType="tmRoot"/>
-      </p:par>
-    </p:tnLst>
-  </p:timing>
 </p:sld>
 </file>
 
@@ -5643,11 +5489,13 @@
       </p:sp>
       <p:pic>
         <p:nvPicPr>
-          <p:cNvPr id="8" name="Picture 2" descr="C:\Users\Aline\Dropbox\RUG 2015-2016\1.9 Community eclogy research\4. Poster_presentation\Figs and graphs ppt\Number of runs for Speciation Initiation Rate (SIR).png"/>
+          <p:cNvPr id="8" name="Picture 2" descr="C:\Users\Aline\Dropbox\RUG 2015-2016\1.9 Community eclogy research\4. Poster_presentation\Figs and graphs ppt\Sampled Trees Gamma Statistics.png"/>
           <p:cNvPicPr>
-            <a:picLocks noChangeAspect="1" noChangeArrowheads="1"/>
+            <a:picLocks noGrp="1" noChangeAspect="1" noChangeArrowheads="1"/>
           </p:cNvPicPr>
-          <p:nvPr/>
+          <p:nvPr>
+            <p:ph idx="1"/>
+          </p:nvPr>
         </p:nvPicPr>
         <p:blipFill>
           <a:blip r:embed="rId3" cstate="print"/>
@@ -5658,8 +5506,8 @@
         </p:blipFill>
         <p:spPr bwMode="auto">
           <a:xfrm>
-            <a:off x="1904999" y="1177957"/>
-            <a:ext cx="5334000" cy="2959861"/>
+            <a:off x="1905000" y="1163664"/>
+            <a:ext cx="5079579" cy="2819400"/>
           </a:xfrm>
           <a:prstGeom prst="rect">
             <a:avLst/>
@@ -5669,13 +5517,11 @@
       </p:pic>
       <p:pic>
         <p:nvPicPr>
-          <p:cNvPr id="9" name="Picture 3" descr="C:\Users\Aline\Dropbox\RUG 2015-2016\1.9 Community eclogy research\4. Poster_presentation\Figs and graphs ppt\Differences Gammas.png"/>
+          <p:cNvPr id="9" name="Picture 3" descr="C:\Users\Aline\Dropbox\RUG 2015-2016\1.9 Community eclogy research\4. Poster_presentation\Figs and graphs ppt\Posterior Trees Gamma Statistics.png"/>
           <p:cNvPicPr>
-            <a:picLocks noGrp="1" noChangeAspect="1" noChangeArrowheads="1"/>
+            <a:picLocks noChangeAspect="1" noChangeArrowheads="1"/>
           </p:cNvPicPr>
-          <p:nvPr>
-            <p:ph idx="1"/>
-          </p:nvPr>
+          <p:nvPr/>
         </p:nvPicPr>
         <p:blipFill>
           <a:blip r:embed="rId4" cstate="print"/>
@@ -5686,8 +5532,8 @@
         </p:blipFill>
         <p:spPr bwMode="auto">
           <a:xfrm>
-            <a:off x="1904999" y="3967715"/>
-            <a:ext cx="5334000" cy="2960615"/>
+            <a:off x="1905000" y="3940444"/>
+            <a:ext cx="5079579" cy="2818682"/>
           </a:xfrm>
           <a:prstGeom prst="rect">
             <a:avLst/>
@@ -5695,60 +5541,10 @@
           <a:noFill/>
         </p:spPr>
       </p:pic>
-      <p:sp>
-        <p:nvSpPr>
-          <p:cNvPr id="3" name="Vermenigvuldigen 2">
-            <a:hlinkClick r:id="" action="ppaction://noaction" highlightClick="1"/>
-          </p:cNvPr>
-          <p:cNvSpPr/>
-          <p:nvPr/>
-        </p:nvSpPr>
-        <p:spPr>
-          <a:xfrm>
-            <a:off x="3962400" y="5611562"/>
-            <a:ext cx="838200" cy="914400"/>
-          </a:xfrm>
-          <a:prstGeom prst="mathMultiply">
-            <a:avLst/>
-          </a:prstGeom>
-          <a:solidFill>
-            <a:srgbClr val="FF0000"/>
-          </a:solidFill>
-          <a:ln>
-            <a:solidFill>
-              <a:srgbClr val="FF0000"/>
-            </a:solidFill>
-          </a:ln>
-        </p:spPr>
-        <p:style>
-          <a:lnRef idx="2">
-            <a:schemeClr val="accent1">
-              <a:shade val="50000"/>
-            </a:schemeClr>
-          </a:lnRef>
-          <a:fillRef idx="1">
-            <a:schemeClr val="accent1"/>
-          </a:fillRef>
-          <a:effectRef idx="0">
-            <a:schemeClr val="accent1"/>
-          </a:effectRef>
-          <a:fontRef idx="minor">
-            <a:schemeClr val="lt1"/>
-          </a:fontRef>
-        </p:style>
-        <p:txBody>
-          <a:bodyPr rtlCol="0" anchor="ctr"/>
-          <a:lstStyle/>
-          <a:p>
-            <a:pPr algn="ctr"/>
-            <a:endParaRPr lang="en-GB"/>
-          </a:p>
-        </p:txBody>
-      </p:sp>
     </p:spTree>
     <p:extLst>
       <p:ext uri="{BB962C8B-B14F-4D97-AF65-F5344CB8AC3E}">
-        <p14:creationId xmlns:p14="http://schemas.microsoft.com/office/powerpoint/2010/main" val="618514285"/>
+        <p14:creationId xmlns="" xmlns:p14="http://schemas.microsoft.com/office/powerpoint/2010/main" val="4197515640"/>
       </p:ext>
     </p:extLst>
   </p:cSld>
@@ -5813,7 +5609,9 @@
         </p:nvSpPr>
         <p:spPr/>
         <p:txBody>
-          <a:bodyPr/>
+          <a:bodyPr>
+            <a:normAutofit/>
+          </a:bodyPr>
           <a:lstStyle/>
           <a:p>
             <a:r>
@@ -5826,72 +5624,56 @@
             </a:r>
             <a:r>
               <a:rPr lang="en-GB" sz="3200" dirty="0" smtClean="0"/>
-              <a:t>promising differences</a:t>
+              <a:t>Comparing BD and PBD</a:t>
             </a:r>
             <a:endParaRPr lang="en-GB" dirty="0"/>
+          </a:p>
+        </p:txBody>
+      </p:sp>
+      <p:sp>
+        <p:nvSpPr>
+          <p:cNvPr id="6" name="Tijdelijke aanduiding voor inhoud 5"/>
+          <p:cNvSpPr>
+            <a:spLocks noGrp="1"/>
+          </p:cNvSpPr>
+          <p:nvPr>
+            <p:ph idx="1"/>
+          </p:nvPr>
+        </p:nvSpPr>
+        <p:spPr/>
+        <p:txBody>
+          <a:bodyPr/>
+          <a:lstStyle/>
+          <a:p>
+            <a:endParaRPr lang="en-GB"/>
           </a:p>
         </p:txBody>
       </p:sp>
       <p:pic>
         <p:nvPicPr>
-          <p:cNvPr id="8" name="Picture 2" descr="C:\Users\Aline\Dropbox\RUG 2015-2016\1.9 Community eclogy research\4. Poster_presentation\Figs and graphs ppt\Sampled Trees Gamma Statistics.png"/>
+          <p:cNvPr id="7" name="Afbeelding 6"/>
           <p:cNvPicPr>
-            <a:picLocks noGrp="1" noChangeAspect="1" noChangeArrowheads="1"/>
+            <a:picLocks noChangeAspect="1"/>
           </p:cNvPicPr>
-          <p:nvPr>
-            <p:ph idx="1"/>
-          </p:nvPr>
+          <p:nvPr/>
         </p:nvPicPr>
         <p:blipFill>
           <a:blip r:embed="rId3" cstate="print"/>
-          <a:srcRect/>
           <a:stretch>
             <a:fillRect/>
           </a:stretch>
         </p:blipFill>
-        <p:spPr bwMode="auto">
-          <a:xfrm>
-            <a:off x="1905000" y="1163664"/>
-            <a:ext cx="5079579" cy="2819400"/>
+        <p:spPr>
+          <a:xfrm>
+            <a:off x="457200" y="2280444"/>
+            <a:ext cx="8282990" cy="3165474"/>
           </a:xfrm>
           <a:prstGeom prst="rect">
             <a:avLst/>
           </a:prstGeom>
-          <a:noFill/>
-        </p:spPr>
-      </p:pic>
-      <p:pic>
-        <p:nvPicPr>
-          <p:cNvPr id="9" name="Picture 3" descr="C:\Users\Aline\Dropbox\RUG 2015-2016\1.9 Community eclogy research\4. Poster_presentation\Figs and graphs ppt\Posterior Trees Gamma Statistics.png"/>
-          <p:cNvPicPr>
-            <a:picLocks noChangeAspect="1" noChangeArrowheads="1"/>
-          </p:cNvPicPr>
-          <p:nvPr/>
-        </p:nvPicPr>
-        <p:blipFill>
-          <a:blip r:embed="rId4" cstate="print"/>
-          <a:srcRect/>
-          <a:stretch>
-            <a:fillRect/>
-          </a:stretch>
-        </p:blipFill>
-        <p:spPr bwMode="auto">
-          <a:xfrm>
-            <a:off x="1905000" y="3940444"/>
-            <a:ext cx="5079579" cy="2818682"/>
-          </a:xfrm>
-          <a:prstGeom prst="rect">
-            <a:avLst/>
-          </a:prstGeom>
-          <a:noFill/>
         </p:spPr>
       </p:pic>
     </p:spTree>
-    <p:extLst>
-      <p:ext uri="{BB962C8B-B14F-4D97-AF65-F5344CB8AC3E}">
-        <p14:creationId xmlns:p14="http://schemas.microsoft.com/office/powerpoint/2010/main" val="4197515640"/>
-      </p:ext>
-    </p:extLst>
   </p:cSld>
   <p:clrMapOvr>
     <a:masterClrMapping/>
@@ -5944,45 +5726,31 @@
       </p:pic>
       <p:sp>
         <p:nvSpPr>
-          <p:cNvPr id="2" name="Title 1"/>
+          <p:cNvPr id="6" name="Tijdelijke aanduiding voor inhoud 5"/>
+          <p:cNvSpPr>
+            <a:spLocks noGrp="1"/>
+          </p:cNvSpPr>
+          <p:nvPr>
+            <p:ph idx="1"/>
+          </p:nvPr>
+        </p:nvSpPr>
+        <p:spPr/>
+        <p:txBody>
+          <a:bodyPr/>
+          <a:lstStyle/>
+          <a:p>
+            <a:endParaRPr lang="en-GB"/>
+          </a:p>
+        </p:txBody>
+      </p:sp>
+      <p:sp>
+        <p:nvSpPr>
+          <p:cNvPr id="3" name="Titel 2"/>
           <p:cNvSpPr>
             <a:spLocks noGrp="1"/>
           </p:cNvSpPr>
           <p:nvPr>
             <p:ph type="title"/>
-          </p:nvPr>
-        </p:nvSpPr>
-        <p:spPr/>
-        <p:txBody>
-          <a:bodyPr>
-            <a:normAutofit/>
-          </a:bodyPr>
-          <a:lstStyle/>
-          <a:p>
-            <a:r>
-              <a:rPr lang="en-GB" b="1" dirty="0" smtClean="0"/>
-              <a:t>Results</a:t>
-            </a:r>
-            <a:r>
-              <a:rPr lang="en-GB" dirty="0" smtClean="0"/>
-              <a:t>: </a:t>
-            </a:r>
-            <a:r>
-              <a:rPr lang="en-GB" sz="3200" dirty="0" smtClean="0"/>
-              <a:t>Comparing BD and PBD</a:t>
-            </a:r>
-            <a:endParaRPr lang="en-GB" dirty="0"/>
-          </a:p>
-        </p:txBody>
-      </p:sp>
-      <p:sp>
-        <p:nvSpPr>
-          <p:cNvPr id="6" name="Tijdelijke aanduiding voor inhoud 5"/>
-          <p:cNvSpPr>
-            <a:spLocks noGrp="1"/>
-          </p:cNvSpPr>
-          <p:nvPr>
-            <p:ph idx="1"/>
           </p:nvPr>
         </p:nvSpPr>
         <p:spPr/>
@@ -5996,29 +5764,198 @@
       </p:sp>
       <p:pic>
         <p:nvPicPr>
-          <p:cNvPr id="7" name="Afbeelding 6"/>
+          <p:cNvPr id="8" name="Picture 2" descr="C:\Users\Aline\Downloads\background_40393663_468_2.jpg"/>
           <p:cNvPicPr>
-            <a:picLocks noChangeAspect="1"/>
+            <a:picLocks noChangeAspect="1" noChangeArrowheads="1"/>
           </p:cNvPicPr>
           <p:nvPr/>
         </p:nvPicPr>
         <p:blipFill>
-          <a:blip r:embed="rId3"/>
+          <a:blip r:embed="rId2" cstate="print"/>
+          <a:srcRect/>
           <a:stretch>
             <a:fillRect/>
           </a:stretch>
         </p:blipFill>
-        <p:spPr>
-          <a:xfrm>
-            <a:off x="457200" y="2280444"/>
-            <a:ext cx="8282990" cy="3165474"/>
+        <p:spPr bwMode="auto">
+          <a:xfrm>
+            <a:off x="-13063" y="0"/>
+            <a:ext cx="9170126" cy="6858000"/>
           </a:xfrm>
           <a:prstGeom prst="rect">
             <a:avLst/>
           </a:prstGeom>
+          <a:noFill/>
         </p:spPr>
       </p:pic>
+      <p:sp>
+        <p:nvSpPr>
+          <p:cNvPr id="9" name="Title 1"/>
+          <p:cNvSpPr txBox="1">
+            <a:spLocks/>
+          </p:cNvSpPr>
+          <p:nvPr/>
+        </p:nvSpPr>
+        <p:spPr>
+          <a:xfrm>
+            <a:off x="457200" y="274638"/>
+            <a:ext cx="8229600" cy="1143000"/>
+          </a:xfrm>
+          <a:prstGeom prst="rect">
+            <a:avLst/>
+          </a:prstGeom>
+        </p:spPr>
+        <p:txBody>
+          <a:bodyPr vert="horz" lIns="91440" tIns="45720" rIns="91440" bIns="45720" rtlCol="0" anchor="ctr">
+            <a:normAutofit/>
+          </a:bodyPr>
+          <a:lstStyle>
+            <a:lvl1pPr algn="ctr" defTabSz="914400" rtl="0" eaLnBrk="1" latinLnBrk="0" hangingPunct="1">
+              <a:spcBef>
+                <a:spcPct val="0"/>
+              </a:spcBef>
+              <a:buNone/>
+              <a:defRPr sz="4400" kern="1200">
+                <a:solidFill>
+                  <a:schemeClr val="tx1"/>
+                </a:solidFill>
+                <a:latin typeface="+mj-lt"/>
+                <a:ea typeface="+mj-ea"/>
+                <a:cs typeface="+mj-cs"/>
+              </a:defRPr>
+            </a:lvl1pPr>
+          </a:lstStyle>
+          <a:p>
+            <a:r>
+              <a:rPr lang="en-GB" b="1" dirty="0" smtClean="0"/>
+              <a:t>Results: </a:t>
+            </a:r>
+            <a:r>
+              <a:rPr lang="en-GB" sz="3200" dirty="0" smtClean="0"/>
+              <a:t>Mutation Rate</a:t>
+            </a:r>
+            <a:endParaRPr lang="en-GB" sz="4800" dirty="0"/>
+          </a:p>
+        </p:txBody>
+      </p:sp>
+      <p:pic>
+        <p:nvPicPr>
+          <p:cNvPr id="10" name="Picture 2" descr="C:\Users\Aline\Dropbox\RUG 2015-2016\1.9 Community eclogy research\4. Poster_presentation\Figs and graphs ppt\Mutation rate big diff.png"/>
+          <p:cNvPicPr>
+            <a:picLocks noChangeAspect="1" noChangeArrowheads="1"/>
+          </p:cNvPicPr>
+          <p:nvPr/>
+        </p:nvPicPr>
+        <p:blipFill>
+          <a:blip r:embed="rId3" cstate="print"/>
+          <a:srcRect/>
+          <a:stretch>
+            <a:fillRect/>
+          </a:stretch>
+        </p:blipFill>
+        <p:spPr bwMode="auto">
+          <a:xfrm>
+            <a:off x="2362200" y="1219200"/>
+            <a:ext cx="4381504" cy="2431316"/>
+          </a:xfrm>
+          <a:prstGeom prst="rect">
+            <a:avLst/>
+          </a:prstGeom>
+          <a:noFill/>
+        </p:spPr>
+      </p:pic>
+      <p:pic>
+        <p:nvPicPr>
+          <p:cNvPr id="11" name="Picture 3" descr="C:\Users\Aline\Dropbox\RUG 2015-2016\1.9 Community eclogy research\4. Poster_presentation\Figs and graphs ppt\mutation rate small diff.png"/>
+          <p:cNvPicPr>
+            <a:picLocks noChangeAspect="1" noChangeArrowheads="1"/>
+          </p:cNvPicPr>
+          <p:nvPr/>
+        </p:nvPicPr>
+        <p:blipFill>
+          <a:blip r:embed="rId4" cstate="print"/>
+          <a:srcRect/>
+          <a:stretch>
+            <a:fillRect/>
+          </a:stretch>
+        </p:blipFill>
+        <p:spPr bwMode="auto">
+          <a:xfrm>
+            <a:off x="2362200" y="3886200"/>
+            <a:ext cx="4419600" cy="2452456"/>
+          </a:xfrm>
+          <a:prstGeom prst="rect">
+            <a:avLst/>
+          </a:prstGeom>
+          <a:noFill/>
+        </p:spPr>
+      </p:pic>
+      <p:sp>
+        <p:nvSpPr>
+          <p:cNvPr id="12" name="TextBox 5"/>
+          <p:cNvSpPr txBox="1"/>
+          <p:nvPr/>
+        </p:nvSpPr>
+        <p:spPr>
+          <a:xfrm>
+            <a:off x="990600" y="1981200"/>
+            <a:ext cx="1371600" cy="646331"/>
+          </a:xfrm>
+          <a:prstGeom prst="rect">
+            <a:avLst/>
+          </a:prstGeom>
+          <a:noFill/>
+        </p:spPr>
+        <p:txBody>
+          <a:bodyPr wrap="square" rtlCol="0">
+            <a:spAutoFit/>
+          </a:bodyPr>
+          <a:lstStyle/>
+          <a:p>
+            <a:r>
+              <a:rPr lang="nl-NL" dirty="0" smtClean="0"/>
+              <a:t>Big difference</a:t>
+            </a:r>
+            <a:endParaRPr lang="en-GB" dirty="0"/>
+          </a:p>
+        </p:txBody>
+      </p:sp>
+      <p:sp>
+        <p:nvSpPr>
+          <p:cNvPr id="13" name="TextBox 6"/>
+          <p:cNvSpPr txBox="1"/>
+          <p:nvPr/>
+        </p:nvSpPr>
+        <p:spPr>
+          <a:xfrm>
+            <a:off x="990600" y="4648200"/>
+            <a:ext cx="1371600" cy="646331"/>
+          </a:xfrm>
+          <a:prstGeom prst="rect">
+            <a:avLst/>
+          </a:prstGeom>
+          <a:noFill/>
+        </p:spPr>
+        <p:txBody>
+          <a:bodyPr wrap="square" rtlCol="0">
+            <a:spAutoFit/>
+          </a:bodyPr>
+          <a:lstStyle/>
+          <a:p>
+            <a:r>
+              <a:rPr lang="nl-NL" dirty="0" smtClean="0"/>
+              <a:t>Small difference</a:t>
+            </a:r>
+            <a:endParaRPr lang="en-GB" dirty="0"/>
+          </a:p>
+        </p:txBody>
+      </p:sp>
     </p:spTree>
+    <p:extLst>
+      <p:ext uri="{BB962C8B-B14F-4D97-AF65-F5344CB8AC3E}">
+        <p14:creationId xmlns="" xmlns:p14="http://schemas.microsoft.com/office/powerpoint/2010/main" val="3582128535"/>
+      </p:ext>
+    </p:extLst>
   </p:cSld>
   <p:clrMapOvr>
     <a:masterClrMapping/>
@@ -6071,288 +6008,6 @@
       </p:pic>
       <p:sp>
         <p:nvSpPr>
-          <p:cNvPr id="6" name="Tijdelijke aanduiding voor inhoud 5"/>
-          <p:cNvSpPr>
-            <a:spLocks noGrp="1"/>
-          </p:cNvSpPr>
-          <p:nvPr>
-            <p:ph idx="1"/>
-          </p:nvPr>
-        </p:nvSpPr>
-        <p:spPr/>
-        <p:txBody>
-          <a:bodyPr/>
-          <a:lstStyle/>
-          <a:p>
-            <a:endParaRPr lang="en-GB"/>
-          </a:p>
-        </p:txBody>
-      </p:sp>
-      <p:sp>
-        <p:nvSpPr>
-          <p:cNvPr id="3" name="Titel 2"/>
-          <p:cNvSpPr>
-            <a:spLocks noGrp="1"/>
-          </p:cNvSpPr>
-          <p:nvPr>
-            <p:ph type="title"/>
-          </p:nvPr>
-        </p:nvSpPr>
-        <p:spPr/>
-        <p:txBody>
-          <a:bodyPr/>
-          <a:lstStyle/>
-          <a:p>
-            <a:endParaRPr lang="en-GB"/>
-          </a:p>
-        </p:txBody>
-      </p:sp>
-      <p:pic>
-        <p:nvPicPr>
-          <p:cNvPr id="8" name="Picture 2" descr="C:\Users\Aline\Downloads\background_40393663_468_2.jpg"/>
-          <p:cNvPicPr>
-            <a:picLocks noChangeAspect="1" noChangeArrowheads="1"/>
-          </p:cNvPicPr>
-          <p:nvPr/>
-        </p:nvPicPr>
-        <p:blipFill>
-          <a:blip r:embed="rId2" cstate="print"/>
-          <a:srcRect/>
-          <a:stretch>
-            <a:fillRect/>
-          </a:stretch>
-        </p:blipFill>
-        <p:spPr bwMode="auto">
-          <a:xfrm>
-            <a:off x="-13063" y="0"/>
-            <a:ext cx="9170126" cy="6858000"/>
-          </a:xfrm>
-          <a:prstGeom prst="rect">
-            <a:avLst/>
-          </a:prstGeom>
-          <a:noFill/>
-        </p:spPr>
-      </p:pic>
-      <p:sp>
-        <p:nvSpPr>
-          <p:cNvPr id="9" name="Title 1"/>
-          <p:cNvSpPr txBox="1">
-            <a:spLocks/>
-          </p:cNvSpPr>
-          <p:nvPr/>
-        </p:nvSpPr>
-        <p:spPr>
-          <a:xfrm>
-            <a:off x="457200" y="274638"/>
-            <a:ext cx="8229600" cy="1143000"/>
-          </a:xfrm>
-          <a:prstGeom prst="rect">
-            <a:avLst/>
-          </a:prstGeom>
-        </p:spPr>
-        <p:txBody>
-          <a:bodyPr vert="horz" lIns="91440" tIns="45720" rIns="91440" bIns="45720" rtlCol="0" anchor="ctr">
-            <a:normAutofit/>
-          </a:bodyPr>
-          <a:lstStyle>
-            <a:lvl1pPr algn="ctr" defTabSz="914400" rtl="0" eaLnBrk="1" latinLnBrk="0" hangingPunct="1">
-              <a:spcBef>
-                <a:spcPct val="0"/>
-              </a:spcBef>
-              <a:buNone/>
-              <a:defRPr sz="4400" kern="1200">
-                <a:solidFill>
-                  <a:schemeClr val="tx1"/>
-                </a:solidFill>
-                <a:latin typeface="+mj-lt"/>
-                <a:ea typeface="+mj-ea"/>
-                <a:cs typeface="+mj-cs"/>
-              </a:defRPr>
-            </a:lvl1pPr>
-          </a:lstStyle>
-          <a:p>
-            <a:r>
-              <a:rPr lang="en-GB" b="1" dirty="0" smtClean="0"/>
-              <a:t>Results: </a:t>
-            </a:r>
-            <a:r>
-              <a:rPr lang="en-GB" sz="3200" dirty="0" smtClean="0"/>
-              <a:t>Mutation Rate</a:t>
-            </a:r>
-            <a:endParaRPr lang="en-GB" sz="4800" dirty="0"/>
-          </a:p>
-        </p:txBody>
-      </p:sp>
-      <p:pic>
-        <p:nvPicPr>
-          <p:cNvPr id="10" name="Picture 2" descr="C:\Users\Aline\Dropbox\RUG 2015-2016\1.9 Community eclogy research\4. Poster_presentation\Figs and graphs ppt\Mutation rate big diff.png"/>
-          <p:cNvPicPr>
-            <a:picLocks noChangeAspect="1" noChangeArrowheads="1"/>
-          </p:cNvPicPr>
-          <p:nvPr/>
-        </p:nvPicPr>
-        <p:blipFill>
-          <a:blip r:embed="rId3" cstate="print"/>
-          <a:srcRect/>
-          <a:stretch>
-            <a:fillRect/>
-          </a:stretch>
-        </p:blipFill>
-        <p:spPr bwMode="auto">
-          <a:xfrm>
-            <a:off x="2362200" y="1219200"/>
-            <a:ext cx="4381504" cy="2431316"/>
-          </a:xfrm>
-          <a:prstGeom prst="rect">
-            <a:avLst/>
-          </a:prstGeom>
-          <a:noFill/>
-        </p:spPr>
-      </p:pic>
-      <p:pic>
-        <p:nvPicPr>
-          <p:cNvPr id="11" name="Picture 3" descr="C:\Users\Aline\Dropbox\RUG 2015-2016\1.9 Community eclogy research\4. Poster_presentation\Figs and graphs ppt\mutation rate small diff.png"/>
-          <p:cNvPicPr>
-            <a:picLocks noChangeAspect="1" noChangeArrowheads="1"/>
-          </p:cNvPicPr>
-          <p:nvPr/>
-        </p:nvPicPr>
-        <p:blipFill>
-          <a:blip r:embed="rId4" cstate="print"/>
-          <a:srcRect/>
-          <a:stretch>
-            <a:fillRect/>
-          </a:stretch>
-        </p:blipFill>
-        <p:spPr bwMode="auto">
-          <a:xfrm>
-            <a:off x="2362200" y="3886200"/>
-            <a:ext cx="4419600" cy="2452456"/>
-          </a:xfrm>
-          <a:prstGeom prst="rect">
-            <a:avLst/>
-          </a:prstGeom>
-          <a:noFill/>
-        </p:spPr>
-      </p:pic>
-      <p:sp>
-        <p:nvSpPr>
-          <p:cNvPr id="12" name="TextBox 5"/>
-          <p:cNvSpPr txBox="1"/>
-          <p:nvPr/>
-        </p:nvSpPr>
-        <p:spPr>
-          <a:xfrm>
-            <a:off x="990600" y="1981200"/>
-            <a:ext cx="1371600" cy="646331"/>
-          </a:xfrm>
-          <a:prstGeom prst="rect">
-            <a:avLst/>
-          </a:prstGeom>
-          <a:noFill/>
-        </p:spPr>
-        <p:txBody>
-          <a:bodyPr wrap="square" rtlCol="0">
-            <a:spAutoFit/>
-          </a:bodyPr>
-          <a:lstStyle/>
-          <a:p>
-            <a:r>
-              <a:rPr lang="nl-NL" dirty="0" smtClean="0"/>
-              <a:t>Big difference</a:t>
-            </a:r>
-            <a:endParaRPr lang="en-GB" dirty="0"/>
-          </a:p>
-        </p:txBody>
-      </p:sp>
-      <p:sp>
-        <p:nvSpPr>
-          <p:cNvPr id="13" name="TextBox 6"/>
-          <p:cNvSpPr txBox="1"/>
-          <p:nvPr/>
-        </p:nvSpPr>
-        <p:spPr>
-          <a:xfrm>
-            <a:off x="990600" y="4648200"/>
-            <a:ext cx="1371600" cy="646331"/>
-          </a:xfrm>
-          <a:prstGeom prst="rect">
-            <a:avLst/>
-          </a:prstGeom>
-          <a:noFill/>
-        </p:spPr>
-        <p:txBody>
-          <a:bodyPr wrap="square" rtlCol="0">
-            <a:spAutoFit/>
-          </a:bodyPr>
-          <a:lstStyle/>
-          <a:p>
-            <a:r>
-              <a:rPr lang="nl-NL" dirty="0" smtClean="0"/>
-              <a:t>Small difference</a:t>
-            </a:r>
-            <a:endParaRPr lang="en-GB" dirty="0"/>
-          </a:p>
-        </p:txBody>
-      </p:sp>
-    </p:spTree>
-    <p:extLst>
-      <p:ext uri="{BB962C8B-B14F-4D97-AF65-F5344CB8AC3E}">
-        <p14:creationId xmlns:p14="http://schemas.microsoft.com/office/powerpoint/2010/main" val="3582128535"/>
-      </p:ext>
-    </p:extLst>
-  </p:cSld>
-  <p:clrMapOvr>
-    <a:masterClrMapping/>
-  </p:clrMapOvr>
-</p:sld>
-</file>
-
-<file path=ppt/slides/slide16.xml><?xml version="1.0" encoding="utf-8"?>
-<p:sld xmlns:a="http://schemas.openxmlformats.org/drawingml/2006/main" xmlns:r="http://schemas.openxmlformats.org/officeDocument/2006/relationships" xmlns:p="http://schemas.openxmlformats.org/presentationml/2006/main">
-  <p:cSld>
-    <p:spTree>
-      <p:nvGrpSpPr>
-        <p:cNvPr id="1" name=""/>
-        <p:cNvGrpSpPr/>
-        <p:nvPr/>
-      </p:nvGrpSpPr>
-      <p:grpSpPr>
-        <a:xfrm>
-          <a:off x="0" y="0"/>
-          <a:ext cx="0" cy="0"/>
-          <a:chOff x="0" y="0"/>
-          <a:chExt cx="0" cy="0"/>
-        </a:xfrm>
-      </p:grpSpPr>
-      <p:pic>
-        <p:nvPicPr>
-          <p:cNvPr id="4" name="Picture 2" descr="C:\Users\Aline\Downloads\background_40393663_468_2.jpg"/>
-          <p:cNvPicPr>
-            <a:picLocks noChangeAspect="1" noChangeArrowheads="1"/>
-          </p:cNvPicPr>
-          <p:nvPr/>
-        </p:nvPicPr>
-        <p:blipFill>
-          <a:blip r:embed="rId2" cstate="print"/>
-          <a:srcRect/>
-          <a:stretch>
-            <a:fillRect/>
-          </a:stretch>
-        </p:blipFill>
-        <p:spPr bwMode="auto">
-          <a:xfrm>
-            <a:off x="-13063" y="0"/>
-            <a:ext cx="9170126" cy="6858000"/>
-          </a:xfrm>
-          <a:prstGeom prst="rect">
-            <a:avLst/>
-          </a:prstGeom>
-          <a:noFill/>
-        </p:spPr>
-      </p:pic>
-      <p:sp>
-        <p:nvSpPr>
           <p:cNvPr id="2" name="Title 1"/>
           <p:cNvSpPr>
             <a:spLocks noGrp="1"/>
@@ -6396,11 +6051,7 @@
             </a:pPr>
             <a:r>
               <a:rPr lang="en-GB" sz="2800" dirty="0" smtClean="0"/>
-              <a:t>Error gamma statistics: </a:t>
-            </a:r>
-            <a:r>
-              <a:rPr lang="en-GB" sz="2800" dirty="0" smtClean="0"/>
-              <a:t>not </a:t>
+              <a:t>Error gamma statistics: not </a:t>
             </a:r>
             <a:r>
               <a:rPr lang="en-GB" sz="2800" smtClean="0"/>
@@ -6435,7 +6086,7 @@
 </p:sld>
 </file>
 
-<file path=ppt/slides/slide17.xml><?xml version="1.0" encoding="utf-8"?>
+<file path=ppt/slides/slide16.xml><?xml version="1.0" encoding="utf-8"?>
 <p:sld xmlns:a="http://schemas.openxmlformats.org/drawingml/2006/main" xmlns:r="http://schemas.openxmlformats.org/officeDocument/2006/relationships" xmlns:p="http://schemas.openxmlformats.org/presentationml/2006/main">
   <p:cSld>
     <p:spTree>
@@ -6565,7 +6216,7 @@
 </p:sld>
 </file>
 
-<file path=ppt/slides/slide18.xml><?xml version="1.0" encoding="utf-8"?>
+<file path=ppt/slides/slide17.xml><?xml version="1.0" encoding="utf-8"?>
 <p:sld xmlns:a="http://schemas.openxmlformats.org/drawingml/2006/main" xmlns:r="http://schemas.openxmlformats.org/officeDocument/2006/relationships" xmlns:p="http://schemas.openxmlformats.org/presentationml/2006/main">
   <p:cSld>
     <p:spTree>
@@ -7559,7 +7210,7 @@
             <a:pPr lvl="1"/>
             <a:r>
               <a:rPr lang="nl-NL" sz="2400" dirty="0" smtClean="0"/>
-              <a:t>Number of lineages increase (pull of the present)</a:t>
+              <a:t>Number of lineages increase </a:t>
             </a:r>
           </a:p>
           <a:p>
@@ -8250,132 +7901,6 @@
           <p:nvPr/>
         </p:nvPicPr>
         <p:blipFill>
-          <a:blip r:embed="rId2" cstate="print"/>
-          <a:srcRect/>
-          <a:stretch>
-            <a:fillRect/>
-          </a:stretch>
-        </p:blipFill>
-        <p:spPr bwMode="auto">
-          <a:xfrm>
-            <a:off x="-13063" y="0"/>
-            <a:ext cx="9170126" cy="6858000"/>
-          </a:xfrm>
-          <a:prstGeom prst="rect">
-            <a:avLst/>
-          </a:prstGeom>
-          <a:noFill/>
-        </p:spPr>
-      </p:pic>
-      <p:sp>
-        <p:nvSpPr>
-          <p:cNvPr id="2" name="Title 1"/>
-          <p:cNvSpPr>
-            <a:spLocks noGrp="1"/>
-          </p:cNvSpPr>
-          <p:nvPr>
-            <p:ph type="title"/>
-          </p:nvPr>
-        </p:nvSpPr>
-        <p:spPr/>
-        <p:txBody>
-          <a:bodyPr>
-            <a:normAutofit/>
-          </a:bodyPr>
-          <a:lstStyle/>
-          <a:p>
-            <a:r>
-              <a:rPr lang="en-GB" b="1" dirty="0" smtClean="0"/>
-              <a:t>Introduction</a:t>
-            </a:r>
-            <a:endParaRPr lang="en-GB" b="1" dirty="0"/>
-          </a:p>
-        </p:txBody>
-      </p:sp>
-      <p:sp>
-        <p:nvSpPr>
-          <p:cNvPr id="3" name="Content Placeholder 2"/>
-          <p:cNvSpPr>
-            <a:spLocks noGrp="1"/>
-          </p:cNvSpPr>
-          <p:nvPr>
-            <p:ph idx="1"/>
-          </p:nvPr>
-        </p:nvSpPr>
-        <p:spPr>
-          <a:xfrm>
-            <a:off x="457200" y="1600200"/>
-            <a:ext cx="8229600" cy="3886199"/>
-          </a:xfrm>
-        </p:spPr>
-        <p:txBody>
-          <a:bodyPr>
-            <a:normAutofit/>
-          </a:bodyPr>
-          <a:lstStyle/>
-          <a:p>
-            <a:pPr>
-              <a:buNone/>
-            </a:pPr>
-            <a:r>
-              <a:rPr lang="nl-NL" sz="2800" b="1" dirty="0" smtClean="0"/>
-              <a:t>Protracted</a:t>
-            </a:r>
-            <a:r>
-              <a:rPr lang="nl-NL" sz="2800" dirty="0" smtClean="0"/>
-              <a:t> Birth-Death model (PBD)</a:t>
-            </a:r>
-          </a:p>
-          <a:p>
-            <a:pPr lvl="1"/>
-            <a:r>
-              <a:rPr lang="nl-NL" sz="2400" dirty="0" smtClean="0"/>
-              <a:t>Extension of BD</a:t>
-            </a:r>
-          </a:p>
-          <a:p>
-            <a:pPr lvl="1"/>
-            <a:r>
-              <a:rPr lang="nl-NL" sz="2400" dirty="0" smtClean="0"/>
-              <a:t>Assumes </a:t>
-            </a:r>
-            <a:r>
-              <a:rPr lang="nl-NL" sz="2400" u="sng" dirty="0" smtClean="0"/>
-              <a:t>speciation takes time</a:t>
-            </a:r>
-          </a:p>
-          <a:p>
-            <a:pPr lvl="1"/>
-            <a:r>
-              <a:rPr lang="nl-NL" sz="2400" dirty="0" smtClean="0"/>
-              <a:t>Assumes two stages</a:t>
-            </a:r>
-          </a:p>
-          <a:p>
-            <a:pPr lvl="1"/>
-            <a:endParaRPr lang="nl-NL" sz="2400" dirty="0" smtClean="0"/>
-          </a:p>
-          <a:p>
-            <a:pPr lvl="1"/>
-            <a:endParaRPr lang="nl-NL" sz="2400" dirty="0" smtClean="0"/>
-          </a:p>
-          <a:p>
-            <a:pPr>
-              <a:buNone/>
-            </a:pPr>
-            <a:endParaRPr lang="nl-NL" sz="2800" dirty="0" smtClean="0"/>
-          </a:p>
-        </p:txBody>
-      </p:sp>
-      <p:pic>
-        <p:nvPicPr>
-          <p:cNvPr id="2051" name="Picture 3" descr="C:\Users\Aline\Cer2016\doc\EtienneEtAl2014Fig1a.png"/>
-          <p:cNvPicPr>
-            <a:picLocks noChangeAspect="1" noChangeArrowheads="1"/>
-          </p:cNvPicPr>
-          <p:nvPr/>
-        </p:nvPicPr>
-        <p:blipFill>
           <a:blip r:embed="rId3" cstate="print"/>
           <a:srcRect/>
           <a:stretch>
@@ -8384,8 +7909,8 @@
         </p:blipFill>
         <p:spPr bwMode="auto">
           <a:xfrm>
-            <a:off x="685800" y="3426346"/>
-            <a:ext cx="3124200" cy="3015398"/>
+            <a:off x="-13063" y="0"/>
+            <a:ext cx="9170126" cy="6858000"/>
           </a:xfrm>
           <a:prstGeom prst="rect">
             <a:avLst/>
@@ -8393,9 +7918,109 @@
           <a:noFill/>
         </p:spPr>
       </p:pic>
+      <p:sp>
+        <p:nvSpPr>
+          <p:cNvPr id="2" name="Title 1"/>
+          <p:cNvSpPr>
+            <a:spLocks noGrp="1"/>
+          </p:cNvSpPr>
+          <p:nvPr>
+            <p:ph type="title"/>
+          </p:nvPr>
+        </p:nvSpPr>
+        <p:spPr/>
+        <p:txBody>
+          <a:bodyPr>
+            <a:normAutofit/>
+          </a:bodyPr>
+          <a:lstStyle/>
+          <a:p>
+            <a:r>
+              <a:rPr lang="en-GB" b="1" dirty="0" smtClean="0"/>
+              <a:t>Introduction</a:t>
+            </a:r>
+            <a:endParaRPr lang="en-GB" b="1" dirty="0"/>
+          </a:p>
+        </p:txBody>
+      </p:sp>
+      <p:sp>
+        <p:nvSpPr>
+          <p:cNvPr id="3" name="Content Placeholder 2"/>
+          <p:cNvSpPr>
+            <a:spLocks noGrp="1"/>
+          </p:cNvSpPr>
+          <p:nvPr>
+            <p:ph idx="1"/>
+          </p:nvPr>
+        </p:nvSpPr>
+        <p:spPr>
+          <a:xfrm>
+            <a:off x="457200" y="1600200"/>
+            <a:ext cx="8229600" cy="3886199"/>
+          </a:xfrm>
+        </p:spPr>
+        <p:txBody>
+          <a:bodyPr>
+            <a:normAutofit/>
+          </a:bodyPr>
+          <a:lstStyle/>
+          <a:p>
+            <a:pPr>
+              <a:buNone/>
+            </a:pPr>
+            <a:r>
+              <a:rPr lang="nl-NL" sz="2800" b="1" dirty="0" smtClean="0"/>
+              <a:t>Protracted</a:t>
+            </a:r>
+            <a:r>
+              <a:rPr lang="nl-NL" sz="2800" dirty="0" smtClean="0"/>
+              <a:t> Birth-Death model (PBD)</a:t>
+            </a:r>
+          </a:p>
+          <a:p>
+            <a:pPr lvl="1"/>
+            <a:r>
+              <a:rPr lang="nl-NL" sz="2400" dirty="0" smtClean="0"/>
+              <a:t>Extension of BD</a:t>
+            </a:r>
+          </a:p>
+          <a:p>
+            <a:pPr lvl="1"/>
+            <a:r>
+              <a:rPr lang="nl-NL" sz="2400" dirty="0" smtClean="0"/>
+              <a:t>Assumes </a:t>
+            </a:r>
+            <a:r>
+              <a:rPr lang="nl-NL" sz="2400" u="sng" dirty="0" smtClean="0"/>
+              <a:t>speciation takes time</a:t>
+            </a:r>
+          </a:p>
+          <a:p>
+            <a:pPr lvl="1"/>
+            <a:r>
+              <a:rPr lang="nl-NL" sz="2400" dirty="0" smtClean="0"/>
+              <a:t>Assumes two stages</a:t>
+            </a:r>
+          </a:p>
+          <a:p>
+            <a:pPr lvl="1"/>
+            <a:endParaRPr lang="nl-NL" sz="2400" dirty="0" smtClean="0"/>
+          </a:p>
+          <a:p>
+            <a:pPr lvl="1"/>
+            <a:endParaRPr lang="nl-NL" sz="2400" dirty="0" smtClean="0"/>
+          </a:p>
+          <a:p>
+            <a:pPr>
+              <a:buNone/>
+            </a:pPr>
+            <a:endParaRPr lang="nl-NL" sz="2800" dirty="0" smtClean="0"/>
+          </a:p>
+        </p:txBody>
+      </p:sp>
       <p:pic>
         <p:nvPicPr>
-          <p:cNvPr id="2050" name="Picture 2" descr="C:\Users\Aline\Dropbox\RUG 2015-2016\1.9 Community eclogy research\4. Poster_presentation\Photo's\Pure BD and protracted BD visualized.png"/>
+          <p:cNvPr id="2051" name="Picture 3" descr="C:\Users\Aline\Cer2016\doc\EtienneEtAl2014Fig1a.png"/>
           <p:cNvPicPr>
             <a:picLocks noChangeAspect="1" noChangeArrowheads="1"/>
           </p:cNvPicPr>
@@ -8410,6 +8035,32 @@
         </p:blipFill>
         <p:spPr bwMode="auto">
           <a:xfrm>
+            <a:off x="685800" y="3426346"/>
+            <a:ext cx="3124200" cy="3015398"/>
+          </a:xfrm>
+          <a:prstGeom prst="rect">
+            <a:avLst/>
+          </a:prstGeom>
+          <a:noFill/>
+        </p:spPr>
+      </p:pic>
+      <p:pic>
+        <p:nvPicPr>
+          <p:cNvPr id="2050" name="Picture 2" descr="C:\Users\Aline\Dropbox\RUG 2015-2016\1.9 Community eclogy research\4. Poster_presentation\Photo's\Pure BD and protracted BD visualized.png"/>
+          <p:cNvPicPr>
+            <a:picLocks noChangeAspect="1" noChangeArrowheads="1"/>
+          </p:cNvPicPr>
+          <p:nvPr/>
+        </p:nvPicPr>
+        <p:blipFill>
+          <a:blip r:embed="rId5" cstate="print"/>
+          <a:srcRect/>
+          <a:stretch>
+            <a:fillRect/>
+          </a:stretch>
+        </p:blipFill>
+        <p:spPr bwMode="auto">
+          <a:xfrm>
             <a:off x="4800600" y="2971800"/>
             <a:ext cx="3962400" cy="3200796"/>
           </a:xfrm>
@@ -8507,135 +8158,122 @@
           </a:p>
         </p:txBody>
       </p:sp>
-      <p:graphicFrame>
-        <p:nvGraphicFramePr>
-          <p:cNvPr id="7" name="Table 6"/>
-          <p:cNvGraphicFramePr>
-            <a:graphicFrameLocks noGrp="1"/>
-          </p:cNvGraphicFramePr>
+      <p:sp>
+        <p:nvSpPr>
+          <p:cNvPr id="9" name="TextBox 8"/>
+          <p:cNvSpPr txBox="1"/>
           <p:nvPr/>
-        </p:nvGraphicFramePr>
-        <p:xfrm>
-          <a:off x="4800600" y="6019800"/>
-          <a:ext cx="3886200" cy="381000"/>
-        </p:xfrm>
-        <a:graphic>
-          <a:graphicData uri="http://schemas.openxmlformats.org/drawingml/2006/table">
-            <a:tbl>
-              <a:tblPr/>
-              <a:tblGrid>
-                <a:gridCol w="1295400"/>
-                <a:gridCol w="1295400"/>
-                <a:gridCol w="1295400"/>
-              </a:tblGrid>
-              <a:tr h="381000">
-                <a:tc>
-                  <a:txBody>
-                    <a:bodyPr/>
-                    <a:lstStyle/>
-                    <a:p>
-                      <a:pPr algn="ctr" fontAlgn="b"/>
-                      <a:r>
-                        <a:rPr lang="en-GB" sz="1100" b="0" i="0" u="none" strike="noStrike" dirty="0" smtClean="0">
-                          <a:solidFill>
-                            <a:srgbClr val="000000"/>
-                          </a:solidFill>
-                          <a:latin typeface="Calibri"/>
-                        </a:rPr>
-                        <a:t>BD</a:t>
-                      </a:r>
-                      <a:endParaRPr lang="en-GB" sz="1100" b="0" i="0" u="none" strike="noStrike" dirty="0">
-                        <a:solidFill>
-                          <a:srgbClr val="000000"/>
-                        </a:solidFill>
-                        <a:latin typeface="Calibri"/>
-                      </a:endParaRPr>
-                    </a:p>
-                  </a:txBody>
-                  <a:tcPr marL="9525" marR="9525" marT="9525" marB="0" anchor="b">
-                    <a:lnL>
-                      <a:noFill/>
-                    </a:lnL>
-                    <a:lnR>
-                      <a:noFill/>
-                    </a:lnR>
-                    <a:lnT>
-                      <a:noFill/>
-                    </a:lnT>
-                    <a:lnB>
-                      <a:noFill/>
-                    </a:lnB>
-                  </a:tcPr>
-                </a:tc>
-                <a:tc>
-                  <a:txBody>
-                    <a:bodyPr/>
-                    <a:lstStyle/>
-                    <a:p>
-                      <a:pPr algn="ctr" fontAlgn="b"/>
-                      <a:r>
-                        <a:rPr lang="en-GB" sz="1100" b="0" i="0" u="none" strike="noStrike" dirty="0">
-                          <a:solidFill>
-                            <a:srgbClr val="000000"/>
-                          </a:solidFill>
-                          <a:latin typeface="Calibri"/>
-                        </a:rPr>
-                        <a:t>PBD</a:t>
-                      </a:r>
-                    </a:p>
-                  </a:txBody>
-                  <a:tcPr marL="9525" marR="9525" marT="9525" marB="0" anchor="b">
-                    <a:lnL>
-                      <a:noFill/>
-                    </a:lnL>
-                    <a:lnR>
-                      <a:noFill/>
-                    </a:lnR>
-                    <a:lnT>
-                      <a:noFill/>
-                    </a:lnT>
-                    <a:lnB>
-                      <a:noFill/>
-                    </a:lnB>
-                  </a:tcPr>
-                </a:tc>
-                <a:tc>
-                  <a:txBody>
-                    <a:bodyPr/>
-                    <a:lstStyle/>
-                    <a:p>
-                      <a:pPr algn="ctr" fontAlgn="b"/>
-                      <a:r>
-                        <a:rPr lang="en-GB" sz="1100" b="0" i="0" u="none" strike="noStrike" dirty="0">
-                          <a:solidFill>
-                            <a:srgbClr val="000000"/>
-                          </a:solidFill>
-                          <a:latin typeface="Calibri"/>
-                        </a:rPr>
-                        <a:t>phylogeny</a:t>
-                      </a:r>
-                    </a:p>
-                  </a:txBody>
-                  <a:tcPr marL="9525" marR="9525" marT="9525" marB="0" anchor="b">
-                    <a:lnL>
-                      <a:noFill/>
-                    </a:lnL>
-                    <a:lnR>
-                      <a:noFill/>
-                    </a:lnR>
-                    <a:lnT>
-                      <a:noFill/>
-                    </a:lnT>
-                    <a:lnB>
-                      <a:noFill/>
-                    </a:lnB>
-                  </a:tcPr>
-                </a:tc>
-              </a:tr>
-            </a:tbl>
-          </a:graphicData>
-        </a:graphic>
-      </p:graphicFrame>
+        </p:nvSpPr>
+        <p:spPr>
+          <a:xfrm>
+            <a:off x="4648200" y="6096000"/>
+            <a:ext cx="1524000" cy="584775"/>
+          </a:xfrm>
+          <a:prstGeom prst="rect">
+            <a:avLst/>
+          </a:prstGeom>
+          <a:noFill/>
+        </p:spPr>
+        <p:txBody>
+          <a:bodyPr wrap="square" rtlCol="0">
+            <a:spAutoFit/>
+          </a:bodyPr>
+          <a:lstStyle/>
+          <a:p>
+            <a:pPr algn="ctr"/>
+            <a:r>
+              <a:rPr lang="en-GB" sz="1600" b="1" dirty="0" smtClean="0"/>
+              <a:t>PBD</a:t>
+            </a:r>
+            <a:r>
+              <a:rPr lang="en-GB" sz="1600" dirty="0" smtClean="0"/>
+              <a:t> ( </a:t>
+            </a:r>
+            <a:r>
+              <a:rPr lang="el-GR" sz="1600" dirty="0" smtClean="0"/>
+              <a:t>λ</a:t>
+            </a:r>
+            <a:r>
+              <a:rPr lang="en-GB" sz="1600" dirty="0" smtClean="0"/>
+              <a:t> = ∞)</a:t>
+            </a:r>
+          </a:p>
+          <a:p>
+            <a:pPr algn="ctr"/>
+            <a:endParaRPr lang="en-GB" sz="1600" dirty="0"/>
+          </a:p>
+        </p:txBody>
+      </p:sp>
+      <p:sp>
+        <p:nvSpPr>
+          <p:cNvPr id="10" name="TextBox 9"/>
+          <p:cNvSpPr txBox="1"/>
+          <p:nvPr/>
+        </p:nvSpPr>
+        <p:spPr>
+          <a:xfrm>
+            <a:off x="6096000" y="6096000"/>
+            <a:ext cx="1524000" cy="338554"/>
+          </a:xfrm>
+          <a:prstGeom prst="rect">
+            <a:avLst/>
+          </a:prstGeom>
+          <a:noFill/>
+        </p:spPr>
+        <p:txBody>
+          <a:bodyPr wrap="square" rtlCol="0">
+            <a:spAutoFit/>
+          </a:bodyPr>
+          <a:lstStyle/>
+          <a:p>
+            <a:pPr algn="ctr"/>
+            <a:r>
+              <a:rPr lang="en-GB" sz="1600" b="1" dirty="0" smtClean="0"/>
+              <a:t>PBD</a:t>
+            </a:r>
+            <a:r>
+              <a:rPr lang="en-GB" sz="1600" dirty="0" smtClean="0"/>
+              <a:t> </a:t>
+            </a:r>
+            <a:endParaRPr lang="en-GB" sz="1600" dirty="0"/>
+          </a:p>
+        </p:txBody>
+      </p:sp>
+      <p:sp>
+        <p:nvSpPr>
+          <p:cNvPr id="11" name="TextBox 10"/>
+          <p:cNvSpPr txBox="1"/>
+          <p:nvPr/>
+        </p:nvSpPr>
+        <p:spPr>
+          <a:xfrm>
+            <a:off x="7391400" y="6096000"/>
+            <a:ext cx="1524000" cy="584775"/>
+          </a:xfrm>
+          <a:prstGeom prst="rect">
+            <a:avLst/>
+          </a:prstGeom>
+          <a:noFill/>
+        </p:spPr>
+        <p:txBody>
+          <a:bodyPr wrap="square" rtlCol="0">
+            <a:spAutoFit/>
+          </a:bodyPr>
+          <a:lstStyle/>
+          <a:p>
+            <a:pPr algn="ctr"/>
+            <a:r>
+              <a:rPr lang="en-GB" sz="1600" b="1" dirty="0" smtClean="0"/>
+              <a:t>phylogeny</a:t>
+            </a:r>
+            <a:endParaRPr lang="en-GB" sz="1600" dirty="0" smtClean="0"/>
+          </a:p>
+          <a:p>
+            <a:pPr algn="ctr"/>
+            <a:endParaRPr lang="en-GB" sz="1600" dirty="0"/>
+          </a:p>
+        </p:txBody>
+      </p:sp>
     </p:spTree>
   </p:cSld>
   <p:clrMapOvr>
@@ -8736,8 +8374,8 @@
         </p:nvSpPr>
         <p:spPr>
           <a:xfrm>
-            <a:off x="5638800" y="1905000"/>
-            <a:ext cx="3200400" cy="1524000"/>
+            <a:off x="5638800" y="2133600"/>
+            <a:ext cx="3200400" cy="1295400"/>
           </a:xfrm>
           <a:prstGeom prst="rect">
             <a:avLst/>
@@ -9063,43 +8701,9 @@
           <a:chExt cx="0" cy="0"/>
         </a:xfrm>
       </p:grpSpPr>
-      <p:sp>
-        <p:nvSpPr>
-          <p:cNvPr id="2" name="Title 1"/>
-          <p:cNvSpPr>
-            <a:spLocks noGrp="1"/>
-          </p:cNvSpPr>
-          <p:nvPr>
-            <p:ph type="title"/>
-          </p:nvPr>
-        </p:nvSpPr>
-        <p:spPr/>
-        <p:txBody>
-          <a:bodyPr>
-            <a:normAutofit/>
-          </a:bodyPr>
-          <a:lstStyle/>
-          <a:p>
-            <a:pPr lvl="0"/>
-            <a:r>
-              <a:rPr lang="en-GB" b="1" dirty="0" smtClean="0"/>
-              <a:t>Material &amp; Methods:</a:t>
-            </a:r>
-            <a:r>
-              <a:rPr lang="en-GB" dirty="0" smtClean="0"/>
-              <a:t> </a:t>
-            </a:r>
-            <a:r>
-              <a:rPr lang="en-GB" sz="3600" dirty="0" smtClean="0"/>
-              <a:t>Start</a:t>
-            </a:r>
-            <a:endParaRPr lang="en-GB" dirty="0"/>
-          </a:p>
-        </p:txBody>
-      </p:sp>
       <p:pic>
         <p:nvPicPr>
-          <p:cNvPr id="4" name="Picture 2" descr="C:\Users\Aline\Dropbox\RUG 2015-2016\1.9 Community eclogy research\4. Poster_presentation\Photo's\Parameter file example.png"/>
+          <p:cNvPr id="13" name="Picture 2" descr="C:\Users\Aline\Downloads\background_40393663_468_2.jpg"/>
           <p:cNvPicPr>
             <a:picLocks noChangeAspect="1" noChangeArrowheads="1"/>
           </p:cNvPicPr>
@@ -9114,8 +8718,8 @@
         </p:blipFill>
         <p:spPr bwMode="auto">
           <a:xfrm>
-            <a:off x="5638800" y="1676400"/>
-            <a:ext cx="3279314" cy="3400425"/>
+            <a:off x="-13063" y="0"/>
+            <a:ext cx="9170126" cy="6858000"/>
           </a:xfrm>
           <a:prstGeom prst="rect">
             <a:avLst/>
@@ -9123,27 +8727,147 @@
           <a:noFill/>
         </p:spPr>
       </p:pic>
-      <p:sp>
-        <p:nvSpPr>
-          <p:cNvPr id="5" name="Rectangle 4"/>
-          <p:cNvSpPr/>
+      <p:pic>
+        <p:nvPicPr>
+          <p:cNvPr id="1029" name="Picture 5" descr="C:\Users\Aline\Dropbox\RUG 2015-2016\1.9 Community eclogy research\4. Poster_presentation\Figs and graphs ppt\Step4_Posterior.png"/>
+          <p:cNvPicPr>
+            <a:picLocks noChangeAspect="1" noChangeArrowheads="1"/>
+          </p:cNvPicPr>
           <p:nvPr/>
-        </p:nvSpPr>
-        <p:spPr>
-          <a:xfrm>
-            <a:off x="5638800" y="1905000"/>
-            <a:ext cx="3200400" cy="1524000"/>
+        </p:nvPicPr>
+        <p:blipFill>
+          <a:blip r:embed="rId4" cstate="print">
+            <a:lum bright="-50000" contrast="70000"/>
+          </a:blip>
+          <a:srcRect/>
+          <a:stretch>
+            <a:fillRect/>
+          </a:stretch>
+        </p:blipFill>
+        <p:spPr bwMode="auto">
+          <a:xfrm>
+            <a:off x="5029200" y="381000"/>
+            <a:ext cx="3506787" cy="3506787"/>
           </a:xfrm>
           <a:prstGeom prst="rect">
             <a:avLst/>
           </a:prstGeom>
+          <a:noFill/>
+        </p:spPr>
+      </p:pic>
+      <p:pic>
+        <p:nvPicPr>
+          <p:cNvPr id="1028" name="Picture 4" descr="C:\Users\Aline\Dropbox\RUG 2015-2016\1.9 Community eclogy research\4. Poster_presentation\Figs and graphs ppt\Step3_Alignment.png"/>
+          <p:cNvPicPr>
+            <a:picLocks noChangeAspect="1" noChangeArrowheads="1"/>
+          </p:cNvPicPr>
+          <p:nvPr/>
+        </p:nvPicPr>
+        <p:blipFill>
+          <a:blip r:embed="rId5" cstate="print"/>
+          <a:srcRect/>
+          <a:stretch>
+            <a:fillRect/>
+          </a:stretch>
+        </p:blipFill>
+        <p:spPr bwMode="auto">
+          <a:xfrm>
+            <a:off x="5638800" y="4419600"/>
+            <a:ext cx="2514600" cy="1860136"/>
+          </a:xfrm>
+          <a:prstGeom prst="rect">
+            <a:avLst/>
+          </a:prstGeom>
+          <a:noFill/>
+        </p:spPr>
+      </p:pic>
+      <p:sp>
+        <p:nvSpPr>
+          <p:cNvPr id="10" name="TextBox 9"/>
+          <p:cNvSpPr txBox="1"/>
+          <p:nvPr/>
+        </p:nvSpPr>
+        <p:spPr>
+          <a:xfrm>
+            <a:off x="838200" y="3505200"/>
+            <a:ext cx="2438400" cy="369332"/>
+          </a:xfrm>
+          <a:prstGeom prst="rect">
+            <a:avLst/>
+          </a:prstGeom>
+          <a:noFill/>
+        </p:spPr>
+        <p:txBody>
+          <a:bodyPr wrap="square" rtlCol="0">
+            <a:spAutoFit/>
+          </a:bodyPr>
+          <a:lstStyle/>
+          <a:p>
+            <a:pPr algn="ctr"/>
+            <a:r>
+              <a:rPr lang="en-GB" dirty="0" smtClean="0"/>
+              <a:t>‘true’ tree</a:t>
+            </a:r>
+            <a:endParaRPr lang="en-GB" dirty="0"/>
+          </a:p>
+        </p:txBody>
+      </p:sp>
+      <p:sp>
+        <p:nvSpPr>
+          <p:cNvPr id="11" name="TextBox 10"/>
+          <p:cNvSpPr txBox="1"/>
+          <p:nvPr/>
+        </p:nvSpPr>
+        <p:spPr>
+          <a:xfrm>
+            <a:off x="5715000" y="3581400"/>
+            <a:ext cx="2438400" cy="369332"/>
+          </a:xfrm>
+          <a:prstGeom prst="rect">
+            <a:avLst/>
+          </a:prstGeom>
+          <a:noFill/>
+        </p:spPr>
+        <p:txBody>
+          <a:bodyPr wrap="square" rtlCol="0">
+            <a:spAutoFit/>
+          </a:bodyPr>
+          <a:lstStyle/>
+          <a:p>
+            <a:pPr algn="ctr"/>
+            <a:r>
+              <a:rPr lang="en-GB" dirty="0" smtClean="0"/>
+              <a:t>posterior</a:t>
+            </a:r>
+            <a:endParaRPr lang="en-GB" dirty="0"/>
+          </a:p>
+        </p:txBody>
+      </p:sp>
+      <p:sp>
+        <p:nvSpPr>
+          <p:cNvPr id="12" name="Right Arrow 11"/>
+          <p:cNvSpPr/>
+          <p:nvPr/>
+        </p:nvSpPr>
+        <p:spPr>
+          <a:xfrm rot="5400000">
+            <a:off x="1828800" y="4038600"/>
+            <a:ext cx="457200" cy="304800"/>
+          </a:xfrm>
+          <a:prstGeom prst="rightArrow">
+            <a:avLst/>
+          </a:prstGeom>
           <a:solidFill>
-            <a:srgbClr val="FFC000">
-              <a:alpha val="40000"/>
-            </a:srgbClr>
+            <a:schemeClr val="accent6">
+              <a:lumMod val="75000"/>
+            </a:schemeClr>
           </a:solidFill>
           <a:ln>
-            <a:noFill/>
+            <a:solidFill>
+              <a:schemeClr val="accent6">
+                <a:lumMod val="75000"/>
+              </a:schemeClr>
+            </a:solidFill>
           </a:ln>
         </p:spPr>
         <p:style>
@@ -9173,25 +8897,290 @@
       </p:sp>
       <p:sp>
         <p:nvSpPr>
-          <p:cNvPr id="6" name="Rectangle 5"/>
-          <p:cNvSpPr/>
+          <p:cNvPr id="15" name="Title 1"/>
+          <p:cNvSpPr txBox="1">
+            <a:spLocks/>
+          </p:cNvSpPr>
           <p:nvPr/>
         </p:nvSpPr>
         <p:spPr>
           <a:xfrm>
-            <a:off x="5638800" y="3657600"/>
-            <a:ext cx="3200400" cy="228600"/>
+            <a:off x="533400" y="228600"/>
+            <a:ext cx="8229600" cy="1143000"/>
           </a:xfrm>
           <a:prstGeom prst="rect">
             <a:avLst/>
           </a:prstGeom>
+        </p:spPr>
+        <p:txBody>
+          <a:bodyPr vert="horz" lIns="91440" tIns="45720" rIns="91440" bIns="45720" rtlCol="0" anchor="ctr">
+            <a:normAutofit/>
+          </a:bodyPr>
+          <a:lstStyle/>
+          <a:p>
+            <a:pPr marL="0" marR="0" lvl="0" indent="0" algn="ctr" defTabSz="914400" rtl="0" eaLnBrk="1" fontAlgn="auto" latinLnBrk="0" hangingPunct="1">
+              <a:lnSpc>
+                <a:spcPct val="100000"/>
+              </a:lnSpc>
+              <a:spcBef>
+                <a:spcPct val="0"/>
+              </a:spcBef>
+              <a:spcAft>
+                <a:spcPts val="0"/>
+              </a:spcAft>
+              <a:buClrTx/>
+              <a:buSzTx/>
+              <a:buFontTx/>
+              <a:buNone/>
+              <a:tabLst/>
+              <a:defRPr/>
+            </a:pPr>
+            <a:r>
+              <a:rPr kumimoji="0" lang="en-GB" sz="4400" b="1" i="0" u="none" strike="noStrike" kern="1200" cap="none" spc="0" normalizeH="0" baseline="0" noProof="0" dirty="0" smtClean="0">
+                <a:ln>
+                  <a:noFill/>
+                </a:ln>
+                <a:solidFill>
+                  <a:schemeClr val="tx1"/>
+                </a:solidFill>
+                <a:effectLst/>
+                <a:uLnTx/>
+                <a:uFillTx/>
+                <a:latin typeface="+mj-lt"/>
+                <a:ea typeface="+mj-ea"/>
+                <a:cs typeface="+mj-cs"/>
+              </a:rPr>
+              <a:t>Material &amp; Methods:</a:t>
+            </a:r>
+            <a:r>
+              <a:rPr kumimoji="0" lang="en-GB" sz="4400" i="0" u="none" strike="noStrike" kern="1200" cap="none" spc="0" normalizeH="0" baseline="0" noProof="0" dirty="0" smtClean="0">
+                <a:ln>
+                  <a:noFill/>
+                </a:ln>
+                <a:solidFill>
+                  <a:schemeClr val="tx1"/>
+                </a:solidFill>
+                <a:effectLst/>
+                <a:uLnTx/>
+                <a:uFillTx/>
+                <a:latin typeface="+mj-lt"/>
+                <a:ea typeface="+mj-ea"/>
+                <a:cs typeface="+mj-cs"/>
+              </a:rPr>
+              <a:t> </a:t>
+            </a:r>
+            <a:r>
+              <a:rPr kumimoji="0" lang="en-GB" sz="3600" i="0" u="none" strike="noStrike" kern="1200" cap="none" spc="0" normalizeH="0" baseline="0" noProof="0" dirty="0" smtClean="0">
+                <a:ln>
+                  <a:noFill/>
+                </a:ln>
+                <a:solidFill>
+                  <a:schemeClr val="tx1"/>
+                </a:solidFill>
+                <a:effectLst/>
+                <a:uLnTx/>
+                <a:uFillTx/>
+                <a:latin typeface="+mj-lt"/>
+                <a:ea typeface="+mj-ea"/>
+                <a:cs typeface="+mj-cs"/>
+              </a:rPr>
+              <a:t>Workflow</a:t>
+            </a:r>
+            <a:endParaRPr kumimoji="0" lang="en-GB" sz="4400" b="1" i="0" u="none" strike="noStrike" kern="1200" cap="none" spc="0" normalizeH="0" baseline="0" noProof="0" dirty="0">
+              <a:ln>
+                <a:noFill/>
+              </a:ln>
+              <a:solidFill>
+                <a:schemeClr val="tx1"/>
+              </a:solidFill>
+              <a:effectLst/>
+              <a:uLnTx/>
+              <a:uFillTx/>
+              <a:latin typeface="+mj-lt"/>
+              <a:ea typeface="+mj-ea"/>
+              <a:cs typeface="+mj-cs"/>
+            </a:endParaRPr>
+          </a:p>
+        </p:txBody>
+      </p:sp>
+      <p:sp>
+        <p:nvSpPr>
+          <p:cNvPr id="18" name="Content Placeholder 2"/>
+          <p:cNvSpPr>
+            <a:spLocks noGrp="1"/>
+          </p:cNvSpPr>
+          <p:nvPr>
+            <p:ph idx="1"/>
+          </p:nvPr>
+        </p:nvSpPr>
+        <p:spPr>
+          <a:xfrm>
+            <a:off x="457200" y="1905001"/>
+            <a:ext cx="8229600" cy="1143000"/>
+          </a:xfrm>
+        </p:spPr>
+        <p:txBody>
+          <a:bodyPr>
+            <a:normAutofit/>
+          </a:bodyPr>
+          <a:lstStyle/>
+          <a:p>
+            <a:pPr lvl="1">
+              <a:buNone/>
+            </a:pPr>
+            <a:endParaRPr lang="nl-NL" sz="2400" dirty="0" smtClean="0"/>
+          </a:p>
+          <a:p>
+            <a:pPr lvl="1">
+              <a:buNone/>
+            </a:pPr>
+            <a:endParaRPr lang="nl-NL" sz="2400" dirty="0" smtClean="0"/>
+          </a:p>
+          <a:p>
+            <a:pPr lvl="1">
+              <a:buNone/>
+            </a:pPr>
+            <a:endParaRPr lang="nl-NL" sz="2400" dirty="0" smtClean="0"/>
+          </a:p>
+          <a:p>
+            <a:pPr lvl="1">
+              <a:buNone/>
+            </a:pPr>
+            <a:endParaRPr lang="nl-NL" sz="2400" dirty="0" smtClean="0"/>
+          </a:p>
+          <a:p>
+            <a:pPr lvl="1"/>
+            <a:endParaRPr lang="nl-NL" sz="2400" dirty="0" smtClean="0"/>
+          </a:p>
+          <a:p>
+            <a:pPr lvl="1"/>
+            <a:endParaRPr lang="nl-NL" sz="2400" dirty="0" smtClean="0"/>
+          </a:p>
+          <a:p>
+            <a:pPr lvl="1"/>
+            <a:endParaRPr lang="nl-NL" sz="2400" dirty="0" smtClean="0"/>
+          </a:p>
+          <a:p>
+            <a:pPr lvl="1">
+              <a:buNone/>
+            </a:pPr>
+            <a:endParaRPr lang="nl-NL" sz="2400" dirty="0" smtClean="0"/>
+          </a:p>
+        </p:txBody>
+      </p:sp>
+      <p:pic>
+        <p:nvPicPr>
+          <p:cNvPr id="21" name="Picture 5" descr="beast.png"/>
+          <p:cNvPicPr>
+            <a:picLocks noChangeAspect="1" noChangeArrowheads="1"/>
+          </p:cNvPicPr>
+          <p:nvPr/>
+        </p:nvPicPr>
+        <p:blipFill>
+          <a:blip r:embed="rId6" cstate="print"/>
+          <a:srcRect/>
+          <a:stretch>
+            <a:fillRect/>
+          </a:stretch>
+        </p:blipFill>
+        <p:spPr bwMode="auto">
+          <a:xfrm rot="20432816">
+            <a:off x="5962023" y="3904623"/>
+            <a:ext cx="685800" cy="685801"/>
+          </a:xfrm>
+          <a:prstGeom prst="rect">
+            <a:avLst/>
+          </a:prstGeom>
+          <a:noFill/>
+        </p:spPr>
+      </p:pic>
+      <p:sp>
+        <p:nvSpPr>
+          <p:cNvPr id="23" name="TextBox 22"/>
+          <p:cNvSpPr txBox="1"/>
+          <p:nvPr/>
+        </p:nvSpPr>
+        <p:spPr>
+          <a:xfrm>
+            <a:off x="914400" y="6096000"/>
+            <a:ext cx="2438400" cy="369332"/>
+          </a:xfrm>
+          <a:prstGeom prst="rect">
+            <a:avLst/>
+          </a:prstGeom>
+          <a:noFill/>
+        </p:spPr>
+        <p:txBody>
+          <a:bodyPr wrap="square" rtlCol="0">
+            <a:spAutoFit/>
+          </a:bodyPr>
+          <a:lstStyle/>
+          <a:p>
+            <a:pPr algn="ctr"/>
+            <a:r>
+              <a:rPr lang="en-GB" dirty="0" smtClean="0"/>
+              <a:t>sampled species tree</a:t>
+            </a:r>
+            <a:endParaRPr lang="en-GB" dirty="0"/>
+          </a:p>
+        </p:txBody>
+      </p:sp>
+      <p:sp>
+        <p:nvSpPr>
+          <p:cNvPr id="24" name="TextBox 23"/>
+          <p:cNvSpPr txBox="1"/>
+          <p:nvPr/>
+        </p:nvSpPr>
+        <p:spPr>
+          <a:xfrm>
+            <a:off x="5715000" y="6096000"/>
+            <a:ext cx="2438400" cy="369332"/>
+          </a:xfrm>
+          <a:prstGeom prst="rect">
+            <a:avLst/>
+          </a:prstGeom>
+          <a:noFill/>
+        </p:spPr>
+        <p:txBody>
+          <a:bodyPr wrap="square" rtlCol="0">
+            <a:spAutoFit/>
+          </a:bodyPr>
+          <a:lstStyle/>
+          <a:p>
+            <a:pPr algn="ctr"/>
+            <a:r>
+              <a:rPr lang="en-GB" dirty="0" smtClean="0"/>
+              <a:t>alignment</a:t>
+            </a:r>
+            <a:endParaRPr lang="en-GB" dirty="0"/>
+          </a:p>
+        </p:txBody>
+      </p:sp>
+      <p:sp>
+        <p:nvSpPr>
+          <p:cNvPr id="25" name="Right Arrow 24"/>
+          <p:cNvSpPr/>
+          <p:nvPr/>
+        </p:nvSpPr>
+        <p:spPr>
+          <a:xfrm>
+            <a:off x="4343400" y="5334000"/>
+            <a:ext cx="457200" cy="304800"/>
+          </a:xfrm>
+          <a:prstGeom prst="rightArrow">
+            <a:avLst/>
+          </a:prstGeom>
           <a:solidFill>
-            <a:srgbClr val="FFC000">
-              <a:alpha val="40000"/>
-            </a:srgbClr>
+            <a:schemeClr val="accent6">
+              <a:lumMod val="75000"/>
+            </a:schemeClr>
           </a:solidFill>
           <a:ln>
-            <a:noFill/>
+            <a:solidFill>
+              <a:schemeClr val="accent6">
+                <a:lumMod val="75000"/>
+              </a:schemeClr>
+            </a:solidFill>
           </a:ln>
         </p:spPr>
         <p:style>
@@ -9221,298 +9210,29 @@
       </p:sp>
       <p:sp>
         <p:nvSpPr>
-          <p:cNvPr id="10" name="Content Placeholder 2"/>
-          <p:cNvSpPr>
-            <a:spLocks noGrp="1"/>
-          </p:cNvSpPr>
-          <p:nvPr>
-            <p:ph idx="1"/>
-          </p:nvPr>
-        </p:nvSpPr>
-        <p:spPr>
-          <a:xfrm>
-            <a:off x="457200" y="1600200"/>
-            <a:ext cx="5334000" cy="4343400"/>
-          </a:xfrm>
-        </p:spPr>
-        <p:txBody>
-          <a:bodyPr>
-            <a:normAutofit/>
-          </a:bodyPr>
-          <a:lstStyle/>
-          <a:p>
-            <a:pPr>
-              <a:buNone/>
-            </a:pPr>
-            <a:r>
-              <a:rPr lang="en-GB" sz="2800" dirty="0" smtClean="0"/>
-              <a:t>Important parameters:</a:t>
-            </a:r>
-          </a:p>
-          <a:p>
-            <a:pPr lvl="1"/>
-            <a:r>
-              <a:rPr lang="en-GB" sz="2000" b="1" dirty="0" err="1" smtClean="0">
-                <a:solidFill>
-                  <a:schemeClr val="bg1">
-                    <a:lumMod val="65000"/>
-                  </a:schemeClr>
-                </a:solidFill>
-              </a:rPr>
-              <a:t>Sirg</a:t>
-            </a:r>
-            <a:r>
-              <a:rPr lang="en-GB" sz="2000" dirty="0" smtClean="0">
-                <a:solidFill>
-                  <a:schemeClr val="bg1">
-                    <a:lumMod val="65000"/>
-                  </a:schemeClr>
-                </a:solidFill>
-              </a:rPr>
-              <a:t>: speciation initiation rate </a:t>
-            </a:r>
-            <a:r>
-              <a:rPr lang="en-GB" sz="2000" i="1" dirty="0" smtClean="0">
-                <a:solidFill>
-                  <a:schemeClr val="bg1">
-                    <a:lumMod val="65000"/>
-                  </a:schemeClr>
-                </a:solidFill>
-              </a:rPr>
-              <a:t>good</a:t>
-            </a:r>
-            <a:r>
-              <a:rPr lang="en-GB" sz="2000" dirty="0" smtClean="0">
-                <a:solidFill>
-                  <a:schemeClr val="bg1">
-                    <a:lumMod val="65000"/>
-                  </a:schemeClr>
-                </a:solidFill>
-              </a:rPr>
-              <a:t> species</a:t>
-            </a:r>
-          </a:p>
-          <a:p>
-            <a:pPr lvl="1"/>
-            <a:r>
-              <a:rPr lang="en-GB" sz="2000" b="1" dirty="0" err="1" smtClean="0">
-                <a:solidFill>
-                  <a:schemeClr val="bg1">
-                    <a:lumMod val="65000"/>
-                  </a:schemeClr>
-                </a:solidFill>
-              </a:rPr>
-              <a:t>Siri</a:t>
-            </a:r>
-            <a:r>
-              <a:rPr lang="en-GB" sz="2000" dirty="0" smtClean="0">
-                <a:solidFill>
-                  <a:schemeClr val="bg1">
-                    <a:lumMod val="65000"/>
-                  </a:schemeClr>
-                </a:solidFill>
-              </a:rPr>
-              <a:t>: speciation initiation rate </a:t>
-            </a:r>
-            <a:r>
-              <a:rPr lang="en-GB" sz="2000" i="1" dirty="0" smtClean="0">
-                <a:solidFill>
-                  <a:schemeClr val="bg1">
-                    <a:lumMod val="65000"/>
-                  </a:schemeClr>
-                </a:solidFill>
-              </a:rPr>
-              <a:t>incipient</a:t>
-            </a:r>
-            <a:r>
-              <a:rPr lang="en-GB" sz="2000" dirty="0" smtClean="0">
-                <a:solidFill>
-                  <a:schemeClr val="bg1">
-                    <a:lumMod val="65000"/>
-                  </a:schemeClr>
-                </a:solidFill>
-              </a:rPr>
-              <a:t> species</a:t>
-            </a:r>
-          </a:p>
-          <a:p>
-            <a:pPr lvl="1"/>
-            <a:r>
-              <a:rPr lang="en-GB" sz="2000" b="1" dirty="0" err="1" smtClean="0">
-                <a:solidFill>
-                  <a:schemeClr val="bg1">
-                    <a:lumMod val="65000"/>
-                  </a:schemeClr>
-                </a:solidFill>
-              </a:rPr>
-              <a:t>Scr</a:t>
-            </a:r>
-            <a:r>
-              <a:rPr lang="en-GB" sz="2000" dirty="0" smtClean="0">
-                <a:solidFill>
-                  <a:schemeClr val="bg1">
-                    <a:lumMod val="65000"/>
-                  </a:schemeClr>
-                </a:solidFill>
-              </a:rPr>
-              <a:t>: speciation completion rate</a:t>
-            </a:r>
-          </a:p>
-          <a:p>
-            <a:pPr lvl="1"/>
-            <a:r>
-              <a:rPr lang="en-GB" sz="2000" b="1" dirty="0" smtClean="0">
-                <a:solidFill>
-                  <a:schemeClr val="bg1">
-                    <a:lumMod val="65000"/>
-                  </a:schemeClr>
-                </a:solidFill>
-              </a:rPr>
-              <a:t>Erg</a:t>
-            </a:r>
-            <a:r>
-              <a:rPr lang="en-GB" sz="2000" dirty="0" smtClean="0">
-                <a:solidFill>
-                  <a:schemeClr val="bg1">
-                    <a:lumMod val="65000"/>
-                  </a:schemeClr>
-                </a:solidFill>
-              </a:rPr>
-              <a:t>: extinction rate </a:t>
-            </a:r>
-            <a:r>
-              <a:rPr lang="en-GB" sz="2000" i="1" dirty="0" smtClean="0">
-                <a:solidFill>
-                  <a:schemeClr val="bg1">
-                    <a:lumMod val="65000"/>
-                  </a:schemeClr>
-                </a:solidFill>
-              </a:rPr>
-              <a:t>good</a:t>
-            </a:r>
-            <a:r>
-              <a:rPr lang="en-GB" sz="2000" dirty="0" smtClean="0">
-                <a:solidFill>
-                  <a:schemeClr val="bg1">
-                    <a:lumMod val="65000"/>
-                  </a:schemeClr>
-                </a:solidFill>
-              </a:rPr>
-              <a:t> species</a:t>
-            </a:r>
-          </a:p>
-          <a:p>
-            <a:pPr lvl="1"/>
-            <a:r>
-              <a:rPr lang="en-GB" sz="2000" b="1" dirty="0" err="1" smtClean="0">
-                <a:solidFill>
-                  <a:schemeClr val="bg1">
-                    <a:lumMod val="65000"/>
-                  </a:schemeClr>
-                </a:solidFill>
-              </a:rPr>
-              <a:t>Eri</a:t>
-            </a:r>
-            <a:r>
-              <a:rPr lang="en-GB" sz="2000" dirty="0" smtClean="0">
-                <a:solidFill>
-                  <a:schemeClr val="bg1">
-                    <a:lumMod val="65000"/>
-                  </a:schemeClr>
-                </a:solidFill>
-              </a:rPr>
-              <a:t>: extinction rate </a:t>
-            </a:r>
-            <a:r>
-              <a:rPr lang="en-GB" sz="2000" i="1" dirty="0" smtClean="0">
-                <a:solidFill>
-                  <a:schemeClr val="bg1">
-                    <a:lumMod val="65000"/>
-                  </a:schemeClr>
-                </a:solidFill>
-              </a:rPr>
-              <a:t>incipient</a:t>
-            </a:r>
-            <a:r>
-              <a:rPr lang="en-GB" sz="2000" dirty="0" smtClean="0">
-                <a:solidFill>
-                  <a:schemeClr val="bg1">
-                    <a:lumMod val="65000"/>
-                  </a:schemeClr>
-                </a:solidFill>
-              </a:rPr>
-              <a:t> species</a:t>
-            </a:r>
-          </a:p>
-          <a:p>
-            <a:pPr lvl="1"/>
-            <a:r>
-              <a:rPr lang="en-GB" sz="2000" b="1" dirty="0" smtClean="0">
-                <a:solidFill>
-                  <a:schemeClr val="bg1">
-                    <a:lumMod val="65000"/>
-                  </a:schemeClr>
-                </a:solidFill>
-              </a:rPr>
-              <a:t>Age</a:t>
-            </a:r>
-          </a:p>
-          <a:p>
-            <a:pPr lvl="1"/>
-            <a:r>
-              <a:rPr lang="en-GB" sz="2000" b="1" dirty="0" smtClean="0"/>
-              <a:t>Mutation</a:t>
-            </a:r>
-            <a:r>
-              <a:rPr lang="en-GB" sz="2000" dirty="0" smtClean="0"/>
-              <a:t> </a:t>
-            </a:r>
-            <a:r>
-              <a:rPr lang="en-GB" sz="2000" b="1" dirty="0" smtClean="0"/>
-              <a:t>rate</a:t>
-            </a:r>
-          </a:p>
-          <a:p>
-            <a:pPr lvl="1"/>
-            <a:r>
-              <a:rPr lang="en-GB" sz="2000" b="1" dirty="0" smtClean="0"/>
-              <a:t>Sequence length</a:t>
-            </a:r>
-            <a:endParaRPr lang="nl-NL" sz="2400" b="1" dirty="0" smtClean="0"/>
-          </a:p>
-          <a:p>
-            <a:pPr lvl="1"/>
-            <a:endParaRPr lang="nl-NL" sz="2400" dirty="0" smtClean="0"/>
-          </a:p>
-          <a:p>
-            <a:pPr>
-              <a:buNone/>
-            </a:pPr>
-            <a:endParaRPr lang="nl-NL" sz="2800" dirty="0" smtClean="0"/>
-          </a:p>
-        </p:txBody>
-      </p:sp>
-      <p:sp>
-        <p:nvSpPr>
-          <p:cNvPr id="11" name="Rectangle 10"/>
+          <p:cNvPr id="26" name="Right Arrow 25"/>
           <p:cNvSpPr/>
           <p:nvPr/>
         </p:nvSpPr>
         <p:spPr>
-          <a:xfrm>
-            <a:off x="5638800" y="4114800"/>
-            <a:ext cx="3200400" cy="228600"/>
-          </a:xfrm>
-          <a:prstGeom prst="rect">
+          <a:xfrm rot="16200000">
+            <a:off x="6705600" y="4038600"/>
+            <a:ext cx="457200" cy="304800"/>
+          </a:xfrm>
+          <a:prstGeom prst="rightArrow">
             <a:avLst/>
           </a:prstGeom>
           <a:solidFill>
-            <a:srgbClr val="FFC000">
-              <a:alpha val="40000"/>
-            </a:srgbClr>
+            <a:schemeClr val="accent6">
+              <a:lumMod val="75000"/>
+            </a:schemeClr>
           </a:solidFill>
           <a:ln>
-            <a:noFill/>
+            <a:solidFill>
+              <a:schemeClr val="accent6">
+                <a:lumMod val="75000"/>
+              </a:schemeClr>
+            </a:solidFill>
           </a:ln>
         </p:spPr>
         <p:style>
@@ -9542,14 +9262,14 @@
       </p:sp>
       <p:pic>
         <p:nvPicPr>
-          <p:cNvPr id="2050" name="Picture 2" descr="C:\Users\Aline\Dropbox\RUG 2015-2016\1.9 Community eclogy research\4. Poster_presentation\Figs and graphs ppt\EtienneEtAl2014Fig1a.png"/>
+          <p:cNvPr id="1026" name="Picture 2" descr="C:\Users\Aline\Dropbox\RUG 2015-2016\1.9 Community eclogy research\4. Poster_presentation\Figs and graphs ppt\Step1_Incipient species tree.png"/>
           <p:cNvPicPr>
             <a:picLocks noChangeAspect="1" noChangeArrowheads="1"/>
           </p:cNvPicPr>
           <p:nvPr/>
         </p:nvPicPr>
         <p:blipFill>
-          <a:blip r:embed="rId4" cstate="print"/>
+          <a:blip r:embed="rId7" cstate="print"/>
           <a:srcRect/>
           <a:stretch>
             <a:fillRect/>
@@ -9557,44 +9277,39 @@
         </p:blipFill>
         <p:spPr bwMode="auto">
           <a:xfrm>
-            <a:off x="1752600" y="2286000"/>
-            <a:ext cx="2935287" cy="2144713"/>
+            <a:off x="1143000" y="1295400"/>
+            <a:ext cx="2286000" cy="2286000"/>
           </a:xfrm>
           <a:prstGeom prst="rect">
             <a:avLst/>
           </a:prstGeom>
-          <a:solidFill>
-            <a:srgbClr val="FFFFFF">
-              <a:shade val="85000"/>
-            </a:srgbClr>
-          </a:solidFill>
-          <a:ln w="190500" cap="sq">
-            <a:solidFill>
-              <a:srgbClr val="FFFFFF"/>
-            </a:solidFill>
-            <a:miter lim="800000"/>
-          </a:ln>
-          <a:effectLst>
-            <a:outerShdw blurRad="65000" dist="50800" dir="12900000" kx="195000" ky="145000" algn="tl" rotWithShape="0">
-              <a:srgbClr val="000000">
-                <a:alpha val="30000"/>
-              </a:srgbClr>
-            </a:outerShdw>
-          </a:effectLst>
-          <a:scene3d>
-            <a:camera prst="orthographicFront">
-              <a:rot lat="0" lon="0" rev="360000"/>
-            </a:camera>
-            <a:lightRig rig="twoPt" dir="t">
-              <a:rot lat="0" lon="0" rev="7200000"/>
-            </a:lightRig>
-          </a:scene3d>
-          <a:sp3d contourW="12700">
-            <a:bevelT w="25400" h="19050"/>
-            <a:contourClr>
-              <a:srgbClr val="969696"/>
-            </a:contourClr>
-          </a:sp3d>
+          <a:noFill/>
+        </p:spPr>
+      </p:pic>
+      <p:pic>
+        <p:nvPicPr>
+          <p:cNvPr id="1027" name="Picture 3" descr="C:\Users\Aline\Dropbox\RUG 2015-2016\1.9 Community eclogy research\4. Poster_presentation\Figs and graphs ppt\Step2_Sampled species tree.png"/>
+          <p:cNvPicPr>
+            <a:picLocks noChangeAspect="1" noChangeArrowheads="1"/>
+          </p:cNvPicPr>
+          <p:nvPr/>
+        </p:nvPicPr>
+        <p:blipFill>
+          <a:blip r:embed="rId8" cstate="print"/>
+          <a:srcRect/>
+          <a:stretch>
+            <a:fillRect/>
+          </a:stretch>
+        </p:blipFill>
+        <p:spPr bwMode="auto">
+          <a:xfrm>
+            <a:off x="1219200" y="4724400"/>
+            <a:ext cx="1847850" cy="1295400"/>
+          </a:xfrm>
+          <a:prstGeom prst="rect">
+            <a:avLst/>
+          </a:prstGeom>
+          <a:noFill/>
         </p:spPr>
       </p:pic>
     </p:spTree>
@@ -9631,7 +9346,7 @@
       </p:grpSpPr>
       <p:pic>
         <p:nvPicPr>
-          <p:cNvPr id="13" name="Picture 2" descr="C:\Users\Aline\Downloads\background_40393663_468_2.jpg"/>
+          <p:cNvPr id="6" name="Picture 2" descr="C:\Users\Aline\Downloads\background_40393663_468_2.jpg"/>
           <p:cNvPicPr>
             <a:picLocks noChangeAspect="1" noChangeArrowheads="1"/>
           </p:cNvPicPr>
@@ -9657,16 +9372,14 @@
       </p:pic>
       <p:pic>
         <p:nvPicPr>
-          <p:cNvPr id="1029" name="Picture 5" descr="C:\Users\Aline\Dropbox\RUG 2015-2016\1.9 Community eclogy research\4. Poster_presentation\Figs and graphs ppt\Step4_Posterior.png"/>
+          <p:cNvPr id="3075" name="Picture 3" descr="C:\Users\Aline\Dropbox\RUG 2015-2016\1.9 Community eclogy research\4. Poster_presentation\Figs and graphs ppt\2.tippy.jpg"/>
           <p:cNvPicPr>
             <a:picLocks noChangeAspect="1" noChangeArrowheads="1"/>
           </p:cNvPicPr>
           <p:nvPr/>
         </p:nvPicPr>
         <p:blipFill>
-          <a:blip r:embed="rId4" cstate="print">
-            <a:lum bright="-50000" contrast="70000"/>
-          </a:blip>
+          <a:blip r:embed="rId4" cstate="print"/>
           <a:srcRect/>
           <a:stretch>
             <a:fillRect/>
@@ -9674,8 +9387,8 @@
         </p:blipFill>
         <p:spPr bwMode="auto">
           <a:xfrm>
-            <a:off x="5029200" y="381000"/>
-            <a:ext cx="3506787" cy="3506787"/>
+            <a:off x="5334000" y="3886200"/>
+            <a:ext cx="3251200" cy="2438400"/>
           </a:xfrm>
           <a:prstGeom prst="rect">
             <a:avLst/>
@@ -9685,7 +9398,7 @@
       </p:pic>
       <p:pic>
         <p:nvPicPr>
-          <p:cNvPr id="1028" name="Picture 4" descr="C:\Users\Aline\Dropbox\RUG 2015-2016\1.9 Community eclogy research\4. Poster_presentation\Figs and graphs ppt\Step3_Alignment.png"/>
+          <p:cNvPr id="3074" name="Picture 2" descr="C:\Users\Aline\Dropbox\RUG 2015-2016\1.9 Community eclogy research\4. Poster_presentation\Figs and graphs ppt\1.stemmy.jpg"/>
           <p:cNvPicPr>
             <a:picLocks noChangeAspect="1" noChangeArrowheads="1"/>
           </p:cNvPicPr>
@@ -9700,8 +9413,8 @@
         </p:blipFill>
         <p:spPr bwMode="auto">
           <a:xfrm>
-            <a:off x="5638800" y="4419600"/>
-            <a:ext cx="2514600" cy="1860136"/>
+            <a:off x="609600" y="3657600"/>
+            <a:ext cx="3810000" cy="2857500"/>
           </a:xfrm>
           <a:prstGeom prst="rect">
             <a:avLst/>
@@ -9711,13 +9424,129 @@
       </p:pic>
       <p:sp>
         <p:nvSpPr>
-          <p:cNvPr id="10" name="TextBox 9"/>
+          <p:cNvPr id="2" name="Title 1"/>
+          <p:cNvSpPr>
+            <a:spLocks noGrp="1"/>
+          </p:cNvSpPr>
+          <p:nvPr>
+            <p:ph type="title"/>
+          </p:nvPr>
+        </p:nvSpPr>
+        <p:spPr/>
+        <p:txBody>
+          <a:bodyPr/>
+          <a:lstStyle/>
+          <a:p>
+            <a:r>
+              <a:rPr lang="en-GB" b="1" dirty="0" smtClean="0"/>
+              <a:t>Material &amp; Methods:</a:t>
+            </a:r>
+            <a:r>
+              <a:rPr lang="en-GB" dirty="0" smtClean="0"/>
+              <a:t> </a:t>
+            </a:r>
+            <a:r>
+              <a:rPr lang="en-GB" sz="3600" dirty="0" smtClean="0"/>
+              <a:t>Analysis</a:t>
+            </a:r>
+            <a:endParaRPr lang="en-GB" dirty="0"/>
+          </a:p>
+        </p:txBody>
+      </p:sp>
+      <p:sp>
+        <p:nvSpPr>
+          <p:cNvPr id="3" name="Content Placeholder 2"/>
+          <p:cNvSpPr>
+            <a:spLocks noGrp="1"/>
+          </p:cNvSpPr>
+          <p:nvPr>
+            <p:ph idx="1"/>
+          </p:nvPr>
+        </p:nvSpPr>
+        <p:spPr/>
+        <p:txBody>
+          <a:bodyPr/>
+          <a:lstStyle/>
+          <a:p>
+            <a:pPr>
+              <a:buNone/>
+            </a:pPr>
+            <a:r>
+              <a:rPr lang="nl-NL" sz="2800" b="1" dirty="0" smtClean="0"/>
+              <a:t>Gamma (</a:t>
+            </a:r>
+            <a:r>
+              <a:rPr lang="el-GR" sz="2800" b="1" dirty="0" smtClean="0"/>
+              <a:t>γ</a:t>
+            </a:r>
+            <a:r>
+              <a:rPr lang="en-GB" sz="2800" b="1" dirty="0" smtClean="0">
+                <a:latin typeface="Minion-Regular"/>
+              </a:rPr>
+              <a:t>)</a:t>
+            </a:r>
+            <a:r>
+              <a:rPr lang="nl-NL" sz="2800" dirty="0" smtClean="0"/>
+              <a:t> </a:t>
+            </a:r>
+            <a:r>
+              <a:rPr lang="nl-NL" sz="2800" b="1" dirty="0" smtClean="0"/>
+              <a:t>statistic </a:t>
+            </a:r>
+            <a:r>
+              <a:rPr lang="nl-NL" sz="1600" dirty="0" smtClean="0">
+                <a:solidFill>
+                  <a:schemeClr val="tx1">
+                    <a:lumMod val="75000"/>
+                    <a:lumOff val="25000"/>
+                  </a:schemeClr>
+                </a:solidFill>
+              </a:rPr>
+              <a:t>(Davies&amp;Buckley, 2012) </a:t>
+            </a:r>
+            <a:r>
+              <a:rPr lang="nl-NL" sz="2800" dirty="0" smtClean="0"/>
+              <a:t>: </a:t>
+            </a:r>
+          </a:p>
+          <a:p>
+            <a:pPr lvl="1"/>
+            <a:r>
+              <a:rPr lang="nl-NL" sz="2400" dirty="0" smtClean="0"/>
+              <a:t>Distribution of branching events within the tree</a:t>
+            </a:r>
+          </a:p>
+          <a:p>
+            <a:pPr lvl="1"/>
+            <a:r>
+              <a:rPr lang="nl-NL" sz="2400" dirty="0" smtClean="0"/>
+              <a:t>Tree ‘stemmy’ or ‘tippy’ </a:t>
+            </a:r>
+          </a:p>
+          <a:p>
+            <a:pPr lvl="1"/>
+            <a:r>
+              <a:rPr lang="nl-NL" sz="2400" dirty="0" smtClean="0"/>
+              <a:t>Compare sampled species tree gammas with posterior trees gammas</a:t>
+            </a:r>
+          </a:p>
+          <a:p>
+            <a:pPr>
+              <a:buNone/>
+            </a:pPr>
+            <a:endParaRPr lang="en-GB" dirty="0"/>
+          </a:p>
+        </p:txBody>
+      </p:sp>
+      <p:sp>
+        <p:nvSpPr>
+          <p:cNvPr id="8" name="TextBox 7"/>
           <p:cNvSpPr txBox="1"/>
           <p:nvPr/>
         </p:nvSpPr>
         <p:spPr>
           <a:xfrm>
-            <a:off x="838200" y="3505200"/>
+            <a:off x="5867400" y="6172200"/>
             <a:ext cx="2438400" cy="369332"/>
           </a:xfrm>
           <a:prstGeom prst="rect">
@@ -9733,8 +9562,20 @@
           <a:p>
             <a:pPr algn="ctr"/>
             <a:r>
-              <a:rPr lang="en-GB" dirty="0" smtClean="0"/>
-              <a:t>‘true’ tree</a:t>
+              <a:rPr lang="nl-NL" dirty="0" smtClean="0"/>
+              <a:t>Tippy tree (</a:t>
+            </a:r>
+            <a:r>
+              <a:rPr lang="el-GR" b="1" dirty="0" smtClean="0"/>
+              <a:t>γ</a:t>
+            </a:r>
+            <a:r>
+              <a:rPr lang="nl-NL" b="1" dirty="0" smtClean="0"/>
+              <a:t> &lt; 0</a:t>
+            </a:r>
+            <a:r>
+              <a:rPr lang="nl-NL" dirty="0" smtClean="0"/>
+              <a:t>)</a:t>
             </a:r>
             <a:endParaRPr lang="en-GB" dirty="0"/>
           </a:p>
@@ -9742,13 +9583,13 @@
       </p:sp>
       <p:sp>
         <p:nvSpPr>
-          <p:cNvPr id="11" name="TextBox 10"/>
+          <p:cNvPr id="9" name="TextBox 8"/>
           <p:cNvSpPr txBox="1"/>
           <p:nvPr/>
         </p:nvSpPr>
         <p:spPr>
           <a:xfrm>
-            <a:off x="5715000" y="3581400"/>
+            <a:off x="1066800" y="6172200"/>
             <a:ext cx="2438400" cy="369332"/>
           </a:xfrm>
           <a:prstGeom prst="rect">
@@ -9764,8 +9605,24 @@
           <a:p>
             <a:pPr algn="ctr"/>
             <a:r>
-              <a:rPr lang="en-GB" dirty="0" smtClean="0"/>
-              <a:t>posterior</a:t>
+              <a:rPr lang="nl-NL" dirty="0" smtClean="0"/>
+              <a:t>Stemmy (</a:t>
+            </a:r>
+            <a:r>
+              <a:rPr lang="el-GR" b="1" dirty="0" smtClean="0"/>
+              <a:t>γ</a:t>
+            </a:r>
+            <a:r>
+              <a:rPr lang="nl-NL" dirty="0" smtClean="0"/>
+              <a:t> </a:t>
+            </a:r>
+            <a:r>
+              <a:rPr lang="nl-NL" b="1" dirty="0" smtClean="0"/>
+              <a:t>&gt; 0</a:t>
+            </a:r>
+            <a:r>
+              <a:rPr lang="nl-NL" dirty="0" smtClean="0"/>
+              <a:t>)</a:t>
             </a:r>
             <a:endParaRPr lang="en-GB" dirty="0"/>
           </a:p>
@@ -9773,473 +9630,59 @@
       </p:sp>
       <p:sp>
         <p:nvSpPr>
-          <p:cNvPr id="12" name="Right Arrow 11"/>
-          <p:cNvSpPr/>
+          <p:cNvPr id="11" name="TextBox 10"/>
+          <p:cNvSpPr txBox="1"/>
           <p:nvPr/>
         </p:nvSpPr>
         <p:spPr>
-          <a:xfrm rot="5400000">
-            <a:off x="1828800" y="4038600"/>
-            <a:ext cx="457200" cy="304800"/>
-          </a:xfrm>
-          <a:prstGeom prst="rightArrow">
-            <a:avLst/>
-          </a:prstGeom>
-          <a:solidFill>
-            <a:schemeClr val="accent6">
-              <a:lumMod val="75000"/>
-            </a:schemeClr>
-          </a:solidFill>
-          <a:ln>
-            <a:solidFill>
-              <a:schemeClr val="accent6">
-                <a:lumMod val="75000"/>
-              </a:schemeClr>
-            </a:solidFill>
-          </a:ln>
-        </p:spPr>
-        <p:style>
-          <a:lnRef idx="2">
-            <a:schemeClr val="accent1">
-              <a:shade val="50000"/>
-            </a:schemeClr>
-          </a:lnRef>
-          <a:fillRef idx="1">
-            <a:schemeClr val="accent1"/>
-          </a:fillRef>
-          <a:effectRef idx="0">
-            <a:schemeClr val="accent1"/>
-          </a:effectRef>
-          <a:fontRef idx="minor">
-            <a:schemeClr val="lt1"/>
-          </a:fontRef>
-        </p:style>
-        <p:txBody>
-          <a:bodyPr rtlCol="0" anchor="ctr"/>
-          <a:lstStyle/>
-          <a:p>
-            <a:pPr algn="ctr"/>
-            <a:endParaRPr lang="en-GB"/>
-          </a:p>
-        </p:txBody>
-      </p:sp>
-      <p:sp>
-        <p:nvSpPr>
-          <p:cNvPr id="15" name="Title 1"/>
-          <p:cNvSpPr txBox="1">
-            <a:spLocks/>
-          </p:cNvSpPr>
-          <p:nvPr/>
-        </p:nvSpPr>
-        <p:spPr>
-          <a:xfrm>
-            <a:off x="533400" y="228600"/>
-            <a:ext cx="8229600" cy="1143000"/>
-          </a:xfrm>
-          <a:prstGeom prst="rect">
-            <a:avLst/>
-          </a:prstGeom>
-        </p:spPr>
-        <p:txBody>
-          <a:bodyPr vert="horz" lIns="91440" tIns="45720" rIns="91440" bIns="45720" rtlCol="0" anchor="ctr">
-            <a:normAutofit/>
-          </a:bodyPr>
-          <a:lstStyle/>
-          <a:p>
-            <a:pPr marL="0" marR="0" lvl="0" indent="0" algn="ctr" defTabSz="914400" rtl="0" eaLnBrk="1" fontAlgn="auto" latinLnBrk="0" hangingPunct="1">
-              <a:lnSpc>
-                <a:spcPct val="100000"/>
-              </a:lnSpc>
-              <a:spcBef>
-                <a:spcPct val="0"/>
-              </a:spcBef>
-              <a:spcAft>
-                <a:spcPts val="0"/>
-              </a:spcAft>
-              <a:buClrTx/>
-              <a:buSzTx/>
-              <a:buFontTx/>
-              <a:buNone/>
-              <a:tabLst/>
-              <a:defRPr/>
-            </a:pPr>
-            <a:r>
-              <a:rPr kumimoji="0" lang="en-GB" sz="4400" b="1" i="0" u="none" strike="noStrike" kern="1200" cap="none" spc="0" normalizeH="0" baseline="0" noProof="0" dirty="0" smtClean="0">
-                <a:ln>
-                  <a:noFill/>
-                </a:ln>
-                <a:solidFill>
-                  <a:schemeClr val="tx1"/>
-                </a:solidFill>
-                <a:effectLst/>
-                <a:uLnTx/>
-                <a:uFillTx/>
-                <a:latin typeface="+mj-lt"/>
-                <a:ea typeface="+mj-ea"/>
-                <a:cs typeface="+mj-cs"/>
-              </a:rPr>
-              <a:t>Material &amp; Methods:</a:t>
-            </a:r>
-            <a:r>
-              <a:rPr kumimoji="0" lang="en-GB" sz="4400" i="0" u="none" strike="noStrike" kern="1200" cap="none" spc="0" normalizeH="0" baseline="0" noProof="0" dirty="0" smtClean="0">
-                <a:ln>
-                  <a:noFill/>
-                </a:ln>
-                <a:solidFill>
-                  <a:schemeClr val="tx1"/>
-                </a:solidFill>
-                <a:effectLst/>
-                <a:uLnTx/>
-                <a:uFillTx/>
-                <a:latin typeface="+mj-lt"/>
-                <a:ea typeface="+mj-ea"/>
-                <a:cs typeface="+mj-cs"/>
-              </a:rPr>
-              <a:t> </a:t>
-            </a:r>
-            <a:r>
-              <a:rPr kumimoji="0" lang="en-GB" sz="3600" i="0" u="none" strike="noStrike" kern="1200" cap="none" spc="0" normalizeH="0" baseline="0" noProof="0" dirty="0" smtClean="0">
-                <a:ln>
-                  <a:noFill/>
-                </a:ln>
-                <a:solidFill>
-                  <a:schemeClr val="tx1"/>
-                </a:solidFill>
-                <a:effectLst/>
-                <a:uLnTx/>
-                <a:uFillTx/>
-                <a:latin typeface="+mj-lt"/>
-                <a:ea typeface="+mj-ea"/>
-                <a:cs typeface="+mj-cs"/>
-              </a:rPr>
-              <a:t>Workflow</a:t>
-            </a:r>
-            <a:endParaRPr kumimoji="0" lang="en-GB" sz="4400" b="1" i="0" u="none" strike="noStrike" kern="1200" cap="none" spc="0" normalizeH="0" baseline="0" noProof="0" dirty="0">
-              <a:ln>
-                <a:noFill/>
-              </a:ln>
-              <a:solidFill>
-                <a:schemeClr val="tx1"/>
-              </a:solidFill>
-              <a:effectLst/>
-              <a:uLnTx/>
-              <a:uFillTx/>
-              <a:latin typeface="+mj-lt"/>
-              <a:ea typeface="+mj-ea"/>
-              <a:cs typeface="+mj-cs"/>
-            </a:endParaRPr>
-          </a:p>
-        </p:txBody>
-      </p:sp>
-      <p:sp>
-        <p:nvSpPr>
-          <p:cNvPr id="18" name="Content Placeholder 2"/>
-          <p:cNvSpPr>
-            <a:spLocks noGrp="1"/>
-          </p:cNvSpPr>
-          <p:nvPr>
-            <p:ph idx="1"/>
-          </p:nvPr>
-        </p:nvSpPr>
-        <p:spPr>
-          <a:xfrm>
-            <a:off x="457200" y="1905001"/>
-            <a:ext cx="8229600" cy="1143000"/>
-          </a:xfrm>
-        </p:spPr>
-        <p:txBody>
-          <a:bodyPr>
-            <a:normAutofit/>
-          </a:bodyPr>
-          <a:lstStyle/>
-          <a:p>
-            <a:pPr lvl="1">
-              <a:buNone/>
-            </a:pPr>
-            <a:endParaRPr lang="nl-NL" sz="2400" dirty="0" smtClean="0"/>
-          </a:p>
-          <a:p>
-            <a:pPr lvl="1">
-              <a:buNone/>
-            </a:pPr>
-            <a:endParaRPr lang="nl-NL" sz="2400" dirty="0" smtClean="0"/>
-          </a:p>
-          <a:p>
-            <a:pPr lvl="1">
-              <a:buNone/>
-            </a:pPr>
-            <a:endParaRPr lang="nl-NL" sz="2400" dirty="0" smtClean="0"/>
-          </a:p>
-          <a:p>
-            <a:pPr lvl="1">
-              <a:buNone/>
-            </a:pPr>
-            <a:endParaRPr lang="nl-NL" sz="2400" dirty="0" smtClean="0"/>
-          </a:p>
-          <a:p>
-            <a:pPr lvl="1"/>
-            <a:endParaRPr lang="nl-NL" sz="2400" dirty="0" smtClean="0"/>
-          </a:p>
-          <a:p>
-            <a:pPr lvl="1"/>
-            <a:endParaRPr lang="nl-NL" sz="2400" dirty="0" smtClean="0"/>
-          </a:p>
-          <a:p>
-            <a:pPr lvl="1"/>
-            <a:endParaRPr lang="nl-NL" sz="2400" dirty="0" smtClean="0"/>
-          </a:p>
-          <a:p>
-            <a:pPr lvl="1">
-              <a:buNone/>
-            </a:pPr>
-            <a:endParaRPr lang="nl-NL" sz="2400" dirty="0" smtClean="0"/>
-          </a:p>
-        </p:txBody>
-      </p:sp>
-      <p:pic>
-        <p:nvPicPr>
-          <p:cNvPr id="21" name="Picture 5" descr="beast.png"/>
-          <p:cNvPicPr>
-            <a:picLocks noChangeAspect="1" noChangeArrowheads="1"/>
-          </p:cNvPicPr>
-          <p:nvPr/>
-        </p:nvPicPr>
-        <p:blipFill>
-          <a:blip r:embed="rId6" cstate="print"/>
-          <a:srcRect/>
-          <a:stretch>
-            <a:fillRect/>
-          </a:stretch>
-        </p:blipFill>
-        <p:spPr bwMode="auto">
-          <a:xfrm rot="20432816">
-            <a:off x="5962023" y="3904623"/>
-            <a:ext cx="685800" cy="685801"/>
+          <a:xfrm>
+            <a:off x="304800" y="6581001"/>
+            <a:ext cx="1600200" cy="276999"/>
           </a:xfrm>
           <a:prstGeom prst="rect">
             <a:avLst/>
           </a:prstGeom>
           <a:noFill/>
         </p:spPr>
-      </p:pic>
-      <p:sp>
-        <p:nvSpPr>
-          <p:cNvPr id="23" name="TextBox 22"/>
-          <p:cNvSpPr txBox="1"/>
-          <p:nvPr/>
-        </p:nvSpPr>
-        <p:spPr>
-          <a:xfrm>
-            <a:off x="914400" y="6096000"/>
-            <a:ext cx="2438400" cy="369332"/>
-          </a:xfrm>
-          <a:prstGeom prst="rect">
-            <a:avLst/>
-          </a:prstGeom>
-          <a:noFill/>
-        </p:spPr>
         <p:txBody>
           <a:bodyPr wrap="square" rtlCol="0">
             <a:spAutoFit/>
           </a:bodyPr>
           <a:lstStyle/>
           <a:p>
-            <a:pPr algn="ctr"/>
-            <a:r>
-              <a:rPr lang="en-GB" dirty="0" smtClean="0"/>
-              <a:t>sampled species tree</a:t>
-            </a:r>
-            <a:endParaRPr lang="en-GB" dirty="0"/>
-          </a:p>
-        </p:txBody>
-      </p:sp>
-      <p:sp>
-        <p:nvSpPr>
-          <p:cNvPr id="24" name="TextBox 23"/>
-          <p:cNvSpPr txBox="1"/>
-          <p:nvPr/>
-        </p:nvSpPr>
-        <p:spPr>
-          <a:xfrm>
-            <a:off x="5715000" y="6096000"/>
-            <a:ext cx="2438400" cy="369332"/>
-          </a:xfrm>
-          <a:prstGeom prst="rect">
-            <a:avLst/>
-          </a:prstGeom>
-          <a:noFill/>
-        </p:spPr>
-        <p:txBody>
-          <a:bodyPr wrap="square" rtlCol="0">
-            <a:spAutoFit/>
-          </a:bodyPr>
-          <a:lstStyle/>
-          <a:p>
-            <a:pPr algn="ctr"/>
-            <a:r>
-              <a:rPr lang="en-GB" dirty="0" smtClean="0"/>
-              <a:t>alignment</a:t>
-            </a:r>
-            <a:endParaRPr lang="en-GB" dirty="0"/>
-          </a:p>
-        </p:txBody>
-      </p:sp>
-      <p:sp>
-        <p:nvSpPr>
-          <p:cNvPr id="25" name="Right Arrow 24"/>
-          <p:cNvSpPr/>
-          <p:nvPr/>
-        </p:nvSpPr>
-        <p:spPr>
-          <a:xfrm>
-            <a:off x="4343400" y="5334000"/>
-            <a:ext cx="457200" cy="304800"/>
-          </a:xfrm>
-          <a:prstGeom prst="rightArrow">
-            <a:avLst/>
-          </a:prstGeom>
-          <a:solidFill>
-            <a:schemeClr val="accent6">
-              <a:lumMod val="75000"/>
-            </a:schemeClr>
-          </a:solidFill>
-          <a:ln>
-            <a:solidFill>
-              <a:schemeClr val="accent6">
-                <a:lumMod val="75000"/>
-              </a:schemeClr>
-            </a:solidFill>
-          </a:ln>
-        </p:spPr>
-        <p:style>
-          <a:lnRef idx="2">
-            <a:schemeClr val="accent1">
-              <a:shade val="50000"/>
-            </a:schemeClr>
-          </a:lnRef>
-          <a:fillRef idx="1">
-            <a:schemeClr val="accent1"/>
-          </a:fillRef>
-          <a:effectRef idx="0">
-            <a:schemeClr val="accent1"/>
-          </a:effectRef>
-          <a:fontRef idx="minor">
-            <a:schemeClr val="lt1"/>
-          </a:fontRef>
-        </p:style>
-        <p:txBody>
-          <a:bodyPr rtlCol="0" anchor="ctr"/>
-          <a:lstStyle/>
-          <a:p>
-            <a:pPr algn="ctr"/>
-            <a:endParaRPr lang="en-GB"/>
-          </a:p>
-        </p:txBody>
-      </p:sp>
-      <p:sp>
-        <p:nvSpPr>
-          <p:cNvPr id="26" name="Right Arrow 25"/>
-          <p:cNvSpPr/>
-          <p:nvPr/>
-        </p:nvSpPr>
-        <p:spPr>
-          <a:xfrm rot="16200000">
-            <a:off x="6705600" y="4038600"/>
-            <a:ext cx="457200" cy="304800"/>
-          </a:xfrm>
-          <a:prstGeom prst="rightArrow">
-            <a:avLst/>
-          </a:prstGeom>
-          <a:solidFill>
-            <a:schemeClr val="accent6">
-              <a:lumMod val="75000"/>
-            </a:schemeClr>
-          </a:solidFill>
-          <a:ln>
-            <a:solidFill>
-              <a:schemeClr val="accent6">
-                <a:lumMod val="75000"/>
-              </a:schemeClr>
-            </a:solidFill>
-          </a:ln>
-        </p:spPr>
-        <p:style>
-          <a:lnRef idx="2">
-            <a:schemeClr val="accent1">
-              <a:shade val="50000"/>
-            </a:schemeClr>
-          </a:lnRef>
-          <a:fillRef idx="1">
-            <a:schemeClr val="accent1"/>
-          </a:fillRef>
-          <a:effectRef idx="0">
-            <a:schemeClr val="accent1"/>
-          </a:effectRef>
-          <a:fontRef idx="minor">
-            <a:schemeClr val="lt1"/>
-          </a:fontRef>
-        </p:style>
-        <p:txBody>
-          <a:bodyPr rtlCol="0" anchor="ctr"/>
-          <a:lstStyle/>
-          <a:p>
-            <a:pPr algn="ctr"/>
-            <a:endParaRPr lang="en-GB"/>
-          </a:p>
-        </p:txBody>
-      </p:sp>
-      <p:pic>
-        <p:nvPicPr>
-          <p:cNvPr id="1026" name="Picture 2" descr="C:\Users\Aline\Dropbox\RUG 2015-2016\1.9 Community eclogy research\4. Poster_presentation\Figs and graphs ppt\Step1_Incipient species tree.png"/>
-          <p:cNvPicPr>
-            <a:picLocks noChangeAspect="1" noChangeArrowheads="1"/>
-          </p:cNvPicPr>
-          <p:nvPr/>
-        </p:nvPicPr>
-        <p:blipFill>
-          <a:blip r:embed="rId7" cstate="print"/>
-          <a:srcRect/>
-          <a:stretch>
-            <a:fillRect/>
-          </a:stretch>
-        </p:blipFill>
-        <p:spPr bwMode="auto">
-          <a:xfrm>
-            <a:off x="1143000" y="1295400"/>
-            <a:ext cx="2286000" cy="2286000"/>
-          </a:xfrm>
-          <a:prstGeom prst="rect">
-            <a:avLst/>
-          </a:prstGeom>
-          <a:noFill/>
-        </p:spPr>
-      </p:pic>
-      <p:pic>
-        <p:nvPicPr>
-          <p:cNvPr id="1027" name="Picture 3" descr="C:\Users\Aline\Dropbox\RUG 2015-2016\1.9 Community eclogy research\4. Poster_presentation\Figs and graphs ppt\Step2_Sampled species tree.png"/>
-          <p:cNvPicPr>
-            <a:picLocks noChangeAspect="1" noChangeArrowheads="1"/>
-          </p:cNvPicPr>
-          <p:nvPr/>
-        </p:nvPicPr>
-        <p:blipFill>
-          <a:blip r:embed="rId8" cstate="print"/>
-          <a:srcRect/>
-          <a:stretch>
-            <a:fillRect/>
-          </a:stretch>
-        </p:blipFill>
-        <p:spPr bwMode="auto">
-          <a:xfrm>
-            <a:off x="1219200" y="4724400"/>
-            <a:ext cx="1847850" cy="1295400"/>
-          </a:xfrm>
-          <a:prstGeom prst="rect">
-            <a:avLst/>
-          </a:prstGeom>
-          <a:noFill/>
-        </p:spPr>
-      </p:pic>
+            <a:r>
+              <a:rPr lang="en-GB" sz="1200" dirty="0" err="1" smtClean="0">
+                <a:solidFill>
+                  <a:schemeClr val="tx1">
+                    <a:lumMod val="75000"/>
+                    <a:lumOff val="25000"/>
+                  </a:schemeClr>
+                </a:solidFill>
+              </a:rPr>
+              <a:t>Asmyhr</a:t>
+            </a:r>
+            <a:r>
+              <a:rPr lang="en-GB" sz="1200" dirty="0" smtClean="0">
+                <a:solidFill>
+                  <a:schemeClr val="tx1">
+                    <a:lumMod val="75000"/>
+                    <a:lumOff val="25000"/>
+                  </a:schemeClr>
+                </a:solidFill>
+              </a:rPr>
+              <a:t> Et Al (2014)</a:t>
+            </a:r>
+            <a:endParaRPr lang="en-GB" sz="1200" dirty="0">
+              <a:solidFill>
+                <a:schemeClr val="tx1">
+                  <a:lumMod val="75000"/>
+                  <a:lumOff val="25000"/>
+                </a:schemeClr>
+              </a:solidFill>
+            </a:endParaRPr>
+          </a:p>
+        </p:txBody>
+      </p:sp>
     </p:spTree>
   </p:cSld>
   <p:clrMapOvr>
@@ -10248,9 +9691,83 @@
   <p:timing>
     <p:tnLst>
       <p:par>
-        <p:cTn id="1" dur="indefinite" restart="never" nodeType="tmRoot"/>
+        <p:cTn id="1" dur="indefinite" restart="never" nodeType="tmRoot">
+          <p:childTnLst>
+            <p:seq concurrent="1" nextAc="seek">
+              <p:cTn id="2" dur="indefinite" nodeType="mainSeq">
+                <p:childTnLst>
+                  <p:par>
+                    <p:cTn id="3" fill="hold">
+                      <p:stCondLst>
+                        <p:cond delay="indefinite"/>
+                        <p:cond evt="onBegin" delay="0">
+                          <p:tn val="2"/>
+                        </p:cond>
+                      </p:stCondLst>
+                      <p:childTnLst>
+                        <p:par>
+                          <p:cTn id="4" fill="hold">
+                            <p:stCondLst>
+                              <p:cond delay="0"/>
+                            </p:stCondLst>
+                            <p:childTnLst>
+                              <p:par>
+                                <p:cTn id="5" presetID="1" presetClass="entr" presetSubtype="0" fill="hold" grpId="0" nodeType="withEffect">
+                                  <p:stCondLst>
+                                    <p:cond delay="0"/>
+                                  </p:stCondLst>
+                                  <p:childTnLst>
+                                    <p:set>
+                                      <p:cBhvr>
+                                        <p:cTn id="6" dur="1" fill="hold">
+                                          <p:stCondLst>
+                                            <p:cond delay="0"/>
+                                          </p:stCondLst>
+                                        </p:cTn>
+                                        <p:tgtEl>
+                                          <p:spTgt spid="11"/>
+                                        </p:tgtEl>
+                                        <p:attrNameLst>
+                                          <p:attrName>style.visibility</p:attrName>
+                                        </p:attrNameLst>
+                                      </p:cBhvr>
+                                      <p:to>
+                                        <p:strVal val="visible"/>
+                                      </p:to>
+                                    </p:set>
+                                  </p:childTnLst>
+                                </p:cTn>
+                              </p:par>
+                            </p:childTnLst>
+                          </p:cTn>
+                        </p:par>
+                      </p:childTnLst>
+                    </p:cTn>
+                  </p:par>
+                </p:childTnLst>
+              </p:cTn>
+              <p:prevCondLst>
+                <p:cond evt="onPrev" delay="0">
+                  <p:tgtEl>
+                    <p:sldTgt/>
+                  </p:tgtEl>
+                </p:cond>
+              </p:prevCondLst>
+              <p:nextCondLst>
+                <p:cond evt="onNext" delay="0">
+                  <p:tgtEl>
+                    <p:sldTgt/>
+                  </p:tgtEl>
+                </p:cond>
+              </p:nextCondLst>
+            </p:seq>
+          </p:childTnLst>
+        </p:cTn>
       </p:par>
     </p:tnLst>
+    <p:bldLst>
+      <p:bldP spid="11" grpId="0"/>
+    </p:bldLst>
   </p:timing>
 </p:sld>
 </file>
